--- a/documentation/presentations/EclipseCon_2009/CDO_EclipseCon_2009.pptx
+++ b/documentation/presentations/EclipseCon_2009/CDO_EclipseCon_2009.pptx
@@ -5,10 +5,10 @@
     <p:sldMasterId id="2147483648" r:id="rId1"/>
   </p:sldMasterIdLst>
   <p:notesMasterIdLst>
-    <p:notesMasterId r:id="rId16"/>
+    <p:notesMasterId r:id="rId18"/>
   </p:notesMasterIdLst>
   <p:handoutMasterIdLst>
-    <p:handoutMasterId r:id="rId17"/>
+    <p:handoutMasterId r:id="rId19"/>
   </p:handoutMasterIdLst>
   <p:sldIdLst>
     <p:sldId id="256" r:id="rId2"/>
@@ -24,7 +24,9 @@
     <p:sldId id="388" r:id="rId12"/>
     <p:sldId id="389" r:id="rId13"/>
     <p:sldId id="390" r:id="rId14"/>
-    <p:sldId id="391" r:id="rId15"/>
+    <p:sldId id="392" r:id="rId15"/>
+    <p:sldId id="393" r:id="rId16"/>
+    <p:sldId id="394" r:id="rId17"/>
   </p:sldIdLst>
   <p:sldSz cx="9144000" cy="6858000" type="screen4x3"/>
   <p:notesSz cx="6858000" cy="9144000"/>
@@ -1116,6 +1118,170 @@
               <a:rPr lang="en-US" smtClean="0"/>
               <a:pPr/>
               <a:t>14</a:t>
+            </a:fld>
+            <a:endParaRPr lang="en-US"/>
+          </a:p>
+        </p:txBody>
+      </p:sp>
+    </p:spTree>
+  </p:cSld>
+  <p:clrMapOvr>
+    <a:masterClrMapping/>
+  </p:clrMapOvr>
+</p:notes>
+</file>
+
+<file path=ppt/notesSlides/notesSlide15.xml><?xml version="1.0" encoding="utf-8"?>
+<p:notes xmlns:a="http://schemas.openxmlformats.org/drawingml/2006/main" xmlns:r="http://schemas.openxmlformats.org/officeDocument/2006/relationships" xmlns:p="http://schemas.openxmlformats.org/presentationml/2006/main">
+  <p:cSld>
+    <p:spTree>
+      <p:nvGrpSpPr>
+        <p:cNvPr id="1" name=""/>
+        <p:cNvGrpSpPr/>
+        <p:nvPr/>
+      </p:nvGrpSpPr>
+      <p:grpSpPr>
+        <a:xfrm>
+          <a:off x="0" y="0"/>
+          <a:ext cx="0" cy="0"/>
+          <a:chOff x="0" y="0"/>
+          <a:chExt cx="0" cy="0"/>
+        </a:xfrm>
+      </p:grpSpPr>
+      <p:sp>
+        <p:nvSpPr>
+          <p:cNvPr id="2" name="Folienbildplatzhalter 1"/>
+          <p:cNvSpPr>
+            <a:spLocks noGrp="1" noRot="1" noChangeAspect="1"/>
+          </p:cNvSpPr>
+          <p:nvPr>
+            <p:ph type="sldImg"/>
+          </p:nvPr>
+        </p:nvSpPr>
+        <p:spPr/>
+      </p:sp>
+      <p:sp>
+        <p:nvSpPr>
+          <p:cNvPr id="3" name="Notizenplatzhalter 2"/>
+          <p:cNvSpPr>
+            <a:spLocks noGrp="1"/>
+          </p:cNvSpPr>
+          <p:nvPr>
+            <p:ph type="body" idx="1"/>
+          </p:nvPr>
+        </p:nvSpPr>
+        <p:spPr/>
+        <p:txBody>
+          <a:bodyPr>
+            <a:normAutofit/>
+          </a:bodyPr>
+          <a:lstStyle/>
+          <a:p>
+            <a:endParaRPr lang="en-US"/>
+          </a:p>
+        </p:txBody>
+      </p:sp>
+      <p:sp>
+        <p:nvSpPr>
+          <p:cNvPr id="4" name="Foliennummernplatzhalter 3"/>
+          <p:cNvSpPr>
+            <a:spLocks noGrp="1"/>
+          </p:cNvSpPr>
+          <p:nvPr>
+            <p:ph type="sldNum" sz="quarter" idx="10"/>
+          </p:nvPr>
+        </p:nvSpPr>
+        <p:spPr/>
+        <p:txBody>
+          <a:bodyPr/>
+          <a:lstStyle/>
+          <a:p>
+            <a:fld id="{08ED7C9E-BA51-42D1-90EB-EC9D244062D6}" type="slidenum">
+              <a:rPr lang="en-US" smtClean="0"/>
+              <a:pPr/>
+              <a:t>15</a:t>
+            </a:fld>
+            <a:endParaRPr lang="en-US"/>
+          </a:p>
+        </p:txBody>
+      </p:sp>
+    </p:spTree>
+  </p:cSld>
+  <p:clrMapOvr>
+    <a:masterClrMapping/>
+  </p:clrMapOvr>
+</p:notes>
+</file>
+
+<file path=ppt/notesSlides/notesSlide16.xml><?xml version="1.0" encoding="utf-8"?>
+<p:notes xmlns:a="http://schemas.openxmlformats.org/drawingml/2006/main" xmlns:r="http://schemas.openxmlformats.org/officeDocument/2006/relationships" xmlns:p="http://schemas.openxmlformats.org/presentationml/2006/main">
+  <p:cSld>
+    <p:spTree>
+      <p:nvGrpSpPr>
+        <p:cNvPr id="1" name=""/>
+        <p:cNvGrpSpPr/>
+        <p:nvPr/>
+      </p:nvGrpSpPr>
+      <p:grpSpPr>
+        <a:xfrm>
+          <a:off x="0" y="0"/>
+          <a:ext cx="0" cy="0"/>
+          <a:chOff x="0" y="0"/>
+          <a:chExt cx="0" cy="0"/>
+        </a:xfrm>
+      </p:grpSpPr>
+      <p:sp>
+        <p:nvSpPr>
+          <p:cNvPr id="2" name="Folienbildplatzhalter 1"/>
+          <p:cNvSpPr>
+            <a:spLocks noGrp="1" noRot="1" noChangeAspect="1"/>
+          </p:cNvSpPr>
+          <p:nvPr>
+            <p:ph type="sldImg"/>
+          </p:nvPr>
+        </p:nvSpPr>
+        <p:spPr/>
+      </p:sp>
+      <p:sp>
+        <p:nvSpPr>
+          <p:cNvPr id="3" name="Notizenplatzhalter 2"/>
+          <p:cNvSpPr>
+            <a:spLocks noGrp="1"/>
+          </p:cNvSpPr>
+          <p:nvPr>
+            <p:ph type="body" idx="1"/>
+          </p:nvPr>
+        </p:nvSpPr>
+        <p:spPr/>
+        <p:txBody>
+          <a:bodyPr>
+            <a:normAutofit/>
+          </a:bodyPr>
+          <a:lstStyle/>
+          <a:p>
+            <a:endParaRPr lang="en-US"/>
+          </a:p>
+        </p:txBody>
+      </p:sp>
+      <p:sp>
+        <p:nvSpPr>
+          <p:cNvPr id="4" name="Foliennummernplatzhalter 3"/>
+          <p:cNvSpPr>
+            <a:spLocks noGrp="1"/>
+          </p:cNvSpPr>
+          <p:nvPr>
+            <p:ph type="sldNum" sz="quarter" idx="10"/>
+          </p:nvPr>
+        </p:nvSpPr>
+        <p:spPr/>
+        <p:txBody>
+          <a:bodyPr/>
+          <a:lstStyle/>
+          <a:p>
+            <a:fld id="{08ED7C9E-BA51-42D1-90EB-EC9D244062D6}" type="slidenum">
+              <a:rPr lang="en-US" smtClean="0"/>
+              <a:pPr/>
+              <a:t>16</a:t>
             </a:fld>
             <a:endParaRPr lang="en-US"/>
           </a:p>
@@ -4120,13 +4286,6 @@
                 </a:rPr>
                 <a:t>Session 1</a:t>
               </a:r>
-              <a:endParaRPr lang="en-US" smtClean="0">
-                <a:solidFill>
-                  <a:schemeClr val="bg1"/>
-                </a:solidFill>
-                <a:latin typeface="Arial" pitchFamily="34" charset="0"/>
-                <a:cs typeface="Arial" pitchFamily="34" charset="0"/>
-              </a:endParaRPr>
             </a:p>
           </p:txBody>
         </p:sp>
@@ -4191,13 +4350,6 @@
                 </a:rPr>
                 <a:t>Session 2</a:t>
               </a:r>
-              <a:endParaRPr lang="en-US" smtClean="0">
-                <a:solidFill>
-                  <a:schemeClr val="bg1"/>
-                </a:solidFill>
-                <a:latin typeface="Arial" pitchFamily="34" charset="0"/>
-                <a:cs typeface="Arial" pitchFamily="34" charset="0"/>
-              </a:endParaRPr>
             </a:p>
           </p:txBody>
         </p:sp>
@@ -4262,13 +4414,6 @@
                 </a:rPr>
                 <a:t>Session 3</a:t>
               </a:r>
-              <a:endParaRPr lang="en-US" smtClean="0">
-                <a:solidFill>
-                  <a:schemeClr val="bg1"/>
-                </a:solidFill>
-                <a:latin typeface="Arial" pitchFamily="34" charset="0"/>
-                <a:cs typeface="Arial" pitchFamily="34" charset="0"/>
-              </a:endParaRPr>
             </a:p>
           </p:txBody>
         </p:sp>
@@ -5758,15 +5903,6 @@
               </a:rPr>
               <a:t>Acceptor</a:t>
             </a:r>
-            <a:endParaRPr lang="en-US" sz="1600" b="1" smtClean="0">
-              <a:solidFill>
-                <a:schemeClr val="bg1">
-                  <a:lumMod val="50000"/>
-                </a:schemeClr>
-              </a:solidFill>
-              <a:latin typeface="Arial" pitchFamily="34" charset="0"/>
-              <a:cs typeface="Arial" pitchFamily="34" charset="0"/>
-            </a:endParaRPr>
           </a:p>
         </p:txBody>
       </p:sp>
@@ -5981,15 +6117,6 @@
               </a:rPr>
               <a:t>Channel</a:t>
             </a:r>
-            <a:endParaRPr lang="en-US" sz="1600" b="1" smtClean="0">
-              <a:solidFill>
-                <a:schemeClr val="bg1">
-                  <a:lumMod val="50000"/>
-                </a:schemeClr>
-              </a:solidFill>
-              <a:latin typeface="Arial" pitchFamily="34" charset="0"/>
-              <a:cs typeface="Arial" pitchFamily="34" charset="0"/>
-            </a:endParaRPr>
           </a:p>
         </p:txBody>
       </p:sp>
@@ -6125,15 +6252,6 @@
               </a:rPr>
               <a:t>Channel</a:t>
             </a:r>
-            <a:endParaRPr lang="en-US" sz="1600" b="1" smtClean="0">
-              <a:solidFill>
-                <a:schemeClr val="bg1">
-                  <a:lumMod val="50000"/>
-                </a:schemeClr>
-              </a:solidFill>
-              <a:latin typeface="Arial" pitchFamily="34" charset="0"/>
-              <a:cs typeface="Arial" pitchFamily="34" charset="0"/>
-            </a:endParaRPr>
           </a:p>
         </p:txBody>
       </p:sp>
@@ -6269,15 +6387,6 @@
               </a:rPr>
               <a:t>Channel</a:t>
             </a:r>
-            <a:endParaRPr lang="en-US" sz="1600" b="1" smtClean="0">
-              <a:solidFill>
-                <a:schemeClr val="bg1">
-                  <a:lumMod val="50000"/>
-                </a:schemeClr>
-              </a:solidFill>
-              <a:latin typeface="Arial" pitchFamily="34" charset="0"/>
-              <a:cs typeface="Arial" pitchFamily="34" charset="0"/>
-            </a:endParaRPr>
           </a:p>
         </p:txBody>
       </p:sp>
@@ -6415,13 +6524,6 @@
               </a:rPr>
               <a:t>Session 1</a:t>
             </a:r>
-            <a:endParaRPr lang="en-US" sz="800" smtClean="0">
-              <a:solidFill>
-                <a:schemeClr val="bg1"/>
-              </a:solidFill>
-              <a:latin typeface="Arial" pitchFamily="34" charset="0"/>
-              <a:cs typeface="Arial" pitchFamily="34" charset="0"/>
-            </a:endParaRPr>
           </a:p>
         </p:txBody>
       </p:sp>
@@ -6486,13 +6588,6 @@
               </a:rPr>
               <a:t>Session 2</a:t>
             </a:r>
-            <a:endParaRPr lang="en-US" sz="800" smtClean="0">
-              <a:solidFill>
-                <a:schemeClr val="bg1"/>
-              </a:solidFill>
-              <a:latin typeface="Arial" pitchFamily="34" charset="0"/>
-              <a:cs typeface="Arial" pitchFamily="34" charset="0"/>
-            </a:endParaRPr>
           </a:p>
         </p:txBody>
       </p:sp>
@@ -6557,13 +6652,6 @@
               </a:rPr>
               <a:t>Session 3</a:t>
             </a:r>
-            <a:endParaRPr lang="en-US" sz="800" smtClean="0">
-              <a:solidFill>
-                <a:schemeClr val="bg1"/>
-              </a:solidFill>
-              <a:latin typeface="Arial" pitchFamily="34" charset="0"/>
-              <a:cs typeface="Arial" pitchFamily="34" charset="0"/>
-            </a:endParaRPr>
           </a:p>
         </p:txBody>
       </p:sp>
@@ -6626,15 +6714,6 @@
               </a:rPr>
               <a:t>Protocol</a:t>
             </a:r>
-            <a:endParaRPr lang="en-US" sz="1600" b="1" smtClean="0">
-              <a:solidFill>
-                <a:schemeClr val="bg1">
-                  <a:lumMod val="50000"/>
-                </a:schemeClr>
-              </a:solidFill>
-              <a:latin typeface="Arial" pitchFamily="34" charset="0"/>
-              <a:cs typeface="Arial" pitchFamily="34" charset="0"/>
-            </a:endParaRPr>
           </a:p>
         </p:txBody>
       </p:sp>
@@ -6697,15 +6776,6 @@
               </a:rPr>
               <a:t>Protocol</a:t>
             </a:r>
-            <a:endParaRPr lang="en-US" sz="1600" b="1" smtClean="0">
-              <a:solidFill>
-                <a:schemeClr val="bg1">
-                  <a:lumMod val="50000"/>
-                </a:schemeClr>
-              </a:solidFill>
-              <a:latin typeface="Arial" pitchFamily="34" charset="0"/>
-              <a:cs typeface="Arial" pitchFamily="34" charset="0"/>
-            </a:endParaRPr>
           </a:p>
         </p:txBody>
       </p:sp>
@@ -6768,15 +6838,6 @@
               </a:rPr>
               <a:t>Protocol</a:t>
             </a:r>
-            <a:endParaRPr lang="en-US" sz="1600" b="1" smtClean="0">
-              <a:solidFill>
-                <a:schemeClr val="bg1">
-                  <a:lumMod val="50000"/>
-                </a:schemeClr>
-              </a:solidFill>
-              <a:latin typeface="Arial" pitchFamily="34" charset="0"/>
-              <a:cs typeface="Arial" pitchFamily="34" charset="0"/>
-            </a:endParaRPr>
           </a:p>
         </p:txBody>
       </p:sp>
@@ -6957,15 +7018,6 @@
               </a:rPr>
               <a:t>Connector</a:t>
             </a:r>
-            <a:endParaRPr lang="en-US" sz="1600" b="1" smtClean="0">
-              <a:solidFill>
-                <a:schemeClr val="bg1">
-                  <a:lumMod val="50000"/>
-                </a:schemeClr>
-              </a:solidFill>
-              <a:latin typeface="Arial" pitchFamily="34" charset="0"/>
-              <a:cs typeface="Arial" pitchFamily="34" charset="0"/>
-            </a:endParaRPr>
           </a:p>
         </p:txBody>
       </p:sp>
@@ -7975,10 +8027,6 @@
               </a:rPr>
               <a:t>Client</a:t>
             </a:r>
-            <a:endParaRPr lang="en-US" sz="2400" b="1" smtClean="0">
-              <a:latin typeface="Arial" pitchFamily="34" charset="0"/>
-              <a:cs typeface="Arial" pitchFamily="34" charset="0"/>
-            </a:endParaRPr>
           </a:p>
         </p:txBody>
       </p:sp>
@@ -8832,19 +8880,7 @@
                   <a:latin typeface="Arial" pitchFamily="34" charset="0"/>
                   <a:cs typeface="Arial" pitchFamily="34" charset="0"/>
                 </a:rPr>
-                <a:t>Session </a:t>
-              </a:r>
-              <a:r>
-                <a:rPr lang="en-US" sz="500" b="1" smtClean="0">
-                  <a:solidFill>
-                    <a:schemeClr val="bg1">
-                      <a:lumMod val="50000"/>
-                    </a:schemeClr>
-                  </a:solidFill>
-                  <a:latin typeface="Arial" pitchFamily="34" charset="0"/>
-                  <a:cs typeface="Arial" pitchFamily="34" charset="0"/>
-                </a:rPr>
-                <a:t>Manager</a:t>
+                <a:t>Session Manager</a:t>
               </a:r>
             </a:p>
           </p:txBody>
@@ -9002,15 +9038,6 @@
                 </a:rPr>
                 <a:t>Acceptor</a:t>
               </a:r>
-              <a:endParaRPr lang="en-US" sz="600" b="1" smtClean="0">
-                <a:solidFill>
-                  <a:schemeClr val="bg1">
-                    <a:lumMod val="50000"/>
-                  </a:schemeClr>
-                </a:solidFill>
-                <a:latin typeface="Arial" pitchFamily="34" charset="0"/>
-                <a:cs typeface="Arial" pitchFamily="34" charset="0"/>
-              </a:endParaRPr>
             </a:p>
           </p:txBody>
         </p:sp>
@@ -9225,15 +9252,6 @@
                 </a:rPr>
                 <a:t>Channel</a:t>
               </a:r>
-              <a:endParaRPr lang="en-US" sz="600" b="1" smtClean="0">
-                <a:solidFill>
-                  <a:schemeClr val="bg1">
-                    <a:lumMod val="50000"/>
-                  </a:schemeClr>
-                </a:solidFill>
-                <a:latin typeface="Arial" pitchFamily="34" charset="0"/>
-                <a:cs typeface="Arial" pitchFamily="34" charset="0"/>
-              </a:endParaRPr>
             </a:p>
           </p:txBody>
         </p:sp>
@@ -9369,15 +9387,6 @@
                 </a:rPr>
                 <a:t>Channel</a:t>
               </a:r>
-              <a:endParaRPr lang="en-US" sz="600" b="1" smtClean="0">
-                <a:solidFill>
-                  <a:schemeClr val="bg1">
-                    <a:lumMod val="50000"/>
-                  </a:schemeClr>
-                </a:solidFill>
-                <a:latin typeface="Arial" pitchFamily="34" charset="0"/>
-                <a:cs typeface="Arial" pitchFamily="34" charset="0"/>
-              </a:endParaRPr>
             </a:p>
           </p:txBody>
         </p:sp>
@@ -9513,15 +9522,6 @@
                 </a:rPr>
                 <a:t>Channel</a:t>
               </a:r>
-              <a:endParaRPr lang="en-US" sz="600" b="1" smtClean="0">
-                <a:solidFill>
-                  <a:schemeClr val="bg1">
-                    <a:lumMod val="50000"/>
-                  </a:schemeClr>
-                </a:solidFill>
-                <a:latin typeface="Arial" pitchFamily="34" charset="0"/>
-                <a:cs typeface="Arial" pitchFamily="34" charset="0"/>
-              </a:endParaRPr>
             </a:p>
           </p:txBody>
         </p:sp>
@@ -9659,13 +9659,6 @@
                 </a:rPr>
                 <a:t>Session </a:t>
               </a:r>
-              <a:endParaRPr lang="en-US" sz="400" b="1" smtClean="0">
-                <a:solidFill>
-                  <a:schemeClr val="bg1"/>
-                </a:solidFill>
-                <a:latin typeface="Arial" pitchFamily="34" charset="0"/>
-                <a:cs typeface="Arial" pitchFamily="34" charset="0"/>
-              </a:endParaRPr>
             </a:p>
           </p:txBody>
         </p:sp>
@@ -9730,13 +9723,6 @@
                 </a:rPr>
                 <a:t>Session </a:t>
               </a:r>
-              <a:endParaRPr lang="en-US" sz="500" b="1" smtClean="0">
-                <a:solidFill>
-                  <a:schemeClr val="bg1"/>
-                </a:solidFill>
-                <a:latin typeface="Arial" pitchFamily="34" charset="0"/>
-                <a:cs typeface="Arial" pitchFamily="34" charset="0"/>
-              </a:endParaRPr>
             </a:p>
           </p:txBody>
         </p:sp>
@@ -9801,13 +9787,6 @@
                 </a:rPr>
                 <a:t>Session</a:t>
               </a:r>
-              <a:endParaRPr lang="en-US" sz="500" b="1" smtClean="0">
-                <a:solidFill>
-                  <a:schemeClr val="bg1"/>
-                </a:solidFill>
-                <a:latin typeface="Arial" pitchFamily="34" charset="0"/>
-                <a:cs typeface="Arial" pitchFamily="34" charset="0"/>
-              </a:endParaRPr>
             </a:p>
           </p:txBody>
         </p:sp>
@@ -9870,15 +9849,6 @@
                 </a:rPr>
                 <a:t>Protocol</a:t>
               </a:r>
-              <a:endParaRPr lang="en-US" sz="600" b="1" smtClean="0">
-                <a:solidFill>
-                  <a:schemeClr val="bg1">
-                    <a:lumMod val="50000"/>
-                  </a:schemeClr>
-                </a:solidFill>
-                <a:latin typeface="Arial" pitchFamily="34" charset="0"/>
-                <a:cs typeface="Arial" pitchFamily="34" charset="0"/>
-              </a:endParaRPr>
             </a:p>
           </p:txBody>
         </p:sp>
@@ -9941,15 +9911,6 @@
                 </a:rPr>
                 <a:t>Protocol</a:t>
               </a:r>
-              <a:endParaRPr lang="en-US" sz="600" b="1" smtClean="0">
-                <a:solidFill>
-                  <a:schemeClr val="bg1">
-                    <a:lumMod val="50000"/>
-                  </a:schemeClr>
-                </a:solidFill>
-                <a:latin typeface="Arial" pitchFamily="34" charset="0"/>
-                <a:cs typeface="Arial" pitchFamily="34" charset="0"/>
-              </a:endParaRPr>
             </a:p>
           </p:txBody>
         </p:sp>
@@ -10012,15 +9973,6 @@
                 </a:rPr>
                 <a:t>Protocol</a:t>
               </a:r>
-              <a:endParaRPr lang="en-US" sz="600" b="1" smtClean="0">
-                <a:solidFill>
-                  <a:schemeClr val="bg1">
-                    <a:lumMod val="50000"/>
-                  </a:schemeClr>
-                </a:solidFill>
-                <a:latin typeface="Arial" pitchFamily="34" charset="0"/>
-                <a:cs typeface="Arial" pitchFamily="34" charset="0"/>
-              </a:endParaRPr>
             </a:p>
           </p:txBody>
         </p:sp>
@@ -10201,15 +10153,6 @@
                 </a:rPr>
                 <a:t>Connector</a:t>
               </a:r>
-              <a:endParaRPr lang="en-US" sz="600" b="1" smtClean="0">
-                <a:solidFill>
-                  <a:schemeClr val="bg1">
-                    <a:lumMod val="50000"/>
-                  </a:schemeClr>
-                </a:solidFill>
-                <a:latin typeface="Arial" pitchFamily="34" charset="0"/>
-                <a:cs typeface="Arial" pitchFamily="34" charset="0"/>
-              </a:endParaRPr>
             </a:p>
           </p:txBody>
         </p:sp>
@@ -10311,15 +10254,6 @@
               </a:rPr>
               <a:t>Channel</a:t>
             </a:r>
-            <a:endParaRPr lang="en-US" sz="1600" b="1" smtClean="0">
-              <a:solidFill>
-                <a:schemeClr val="bg1">
-                  <a:lumMod val="50000"/>
-                </a:schemeClr>
-              </a:solidFill>
-              <a:latin typeface="Arial" pitchFamily="34" charset="0"/>
-              <a:cs typeface="Arial" pitchFamily="34" charset="0"/>
-            </a:endParaRPr>
           </a:p>
         </p:txBody>
       </p:sp>
@@ -10458,15 +10392,6 @@
               </a:rPr>
               <a:t>Connector</a:t>
             </a:r>
-            <a:endParaRPr lang="en-US" sz="1600" b="1" smtClean="0">
-              <a:solidFill>
-                <a:schemeClr val="bg1">
-                  <a:lumMod val="50000"/>
-                </a:schemeClr>
-              </a:solidFill>
-              <a:latin typeface="Arial" pitchFamily="34" charset="0"/>
-              <a:cs typeface="Arial" pitchFamily="34" charset="0"/>
-            </a:endParaRPr>
           </a:p>
         </p:txBody>
       </p:sp>
@@ -10534,15 +10459,6 @@
               </a:rPr>
               <a:t>Session</a:t>
             </a:r>
-            <a:endParaRPr lang="en-US" sz="2000" b="1" smtClean="0">
-              <a:solidFill>
-                <a:schemeClr val="bg1">
-                  <a:lumMod val="50000"/>
-                </a:schemeClr>
-              </a:solidFill>
-              <a:latin typeface="Arial" pitchFamily="34" charset="0"/>
-              <a:cs typeface="Arial" pitchFamily="34" charset="0"/>
-            </a:endParaRPr>
           </a:p>
         </p:txBody>
       </p:sp>
@@ -10605,15 +10521,6 @@
               </a:rPr>
               <a:t>Protocol</a:t>
             </a:r>
-            <a:endParaRPr lang="en-US" sz="1600" b="1" smtClean="0">
-              <a:solidFill>
-                <a:schemeClr val="bg1">
-                  <a:lumMod val="50000"/>
-                </a:schemeClr>
-              </a:solidFill>
-              <a:latin typeface="Arial" pitchFamily="34" charset="0"/>
-              <a:cs typeface="Arial" pitchFamily="34" charset="0"/>
-            </a:endParaRPr>
           </a:p>
         </p:txBody>
       </p:sp>
@@ -13240,15 +13147,6 @@
               </a:rPr>
               <a:t>Protocol</a:t>
             </a:r>
-            <a:endParaRPr lang="en-US" sz="1600" b="1" smtClean="0">
-              <a:solidFill>
-                <a:schemeClr val="bg1">
-                  <a:lumMod val="50000"/>
-                </a:schemeClr>
-              </a:solidFill>
-              <a:latin typeface="Arial" pitchFamily="34" charset="0"/>
-              <a:cs typeface="Arial" pitchFamily="34" charset="0"/>
-            </a:endParaRPr>
           </a:p>
         </p:txBody>
       </p:sp>
@@ -13327,13 +13225,6 @@
                 </a:rPr>
                 <a:t>View</a:t>
               </a:r>
-              <a:endParaRPr lang="en-US" smtClean="0">
-                <a:solidFill>
-                  <a:schemeClr val="bg1"/>
-                </a:solidFill>
-                <a:latin typeface="Arial" pitchFamily="34" charset="0"/>
-                <a:cs typeface="Arial" pitchFamily="34" charset="0"/>
-              </a:endParaRPr>
             </a:p>
           </p:txBody>
         </p:sp>
@@ -13398,13 +13289,6 @@
                 </a:rPr>
                 <a:t>View</a:t>
               </a:r>
-              <a:endParaRPr lang="en-US" smtClean="0">
-                <a:solidFill>
-                  <a:schemeClr val="bg1"/>
-                </a:solidFill>
-                <a:latin typeface="Arial" pitchFamily="34" charset="0"/>
-                <a:cs typeface="Arial" pitchFamily="34" charset="0"/>
-              </a:endParaRPr>
             </a:p>
           </p:txBody>
         </p:sp>
@@ -13469,13 +13353,6 @@
                 </a:rPr>
                 <a:t>View</a:t>
               </a:r>
-              <a:endParaRPr lang="en-US" smtClean="0">
-                <a:solidFill>
-                  <a:schemeClr val="bg1"/>
-                </a:solidFill>
-                <a:latin typeface="Arial" pitchFamily="34" charset="0"/>
-                <a:cs typeface="Arial" pitchFamily="34" charset="0"/>
-              </a:endParaRPr>
             </a:p>
           </p:txBody>
         </p:sp>
@@ -13555,13 +13432,6 @@
                 </a:rPr>
                 <a:t>Transaction</a:t>
               </a:r>
-              <a:endParaRPr lang="en-US" smtClean="0">
-                <a:solidFill>
-                  <a:schemeClr val="bg1"/>
-                </a:solidFill>
-                <a:latin typeface="Arial" pitchFamily="34" charset="0"/>
-                <a:cs typeface="Arial" pitchFamily="34" charset="0"/>
-              </a:endParaRPr>
             </a:p>
           </p:txBody>
         </p:sp>
@@ -13626,13 +13496,6 @@
                 </a:rPr>
                 <a:t>Transaction</a:t>
               </a:r>
-              <a:endParaRPr lang="en-US" smtClean="0">
-                <a:solidFill>
-                  <a:schemeClr val="bg1"/>
-                </a:solidFill>
-                <a:latin typeface="Arial" pitchFamily="34" charset="0"/>
-                <a:cs typeface="Arial" pitchFamily="34" charset="0"/>
-              </a:endParaRPr>
             </a:p>
           </p:txBody>
         </p:sp>
@@ -13697,13 +13560,6 @@
                 </a:rPr>
                 <a:t>Transaction</a:t>
               </a:r>
-              <a:endParaRPr lang="en-US" smtClean="0">
-                <a:solidFill>
-                  <a:schemeClr val="bg1"/>
-                </a:solidFill>
-                <a:latin typeface="Arial" pitchFamily="34" charset="0"/>
-                <a:cs typeface="Arial" pitchFamily="34" charset="0"/>
-              </a:endParaRPr>
             </a:p>
           </p:txBody>
         </p:sp>
@@ -13844,13 +13700,6 @@
                 </a:rPr>
                 <a:t>Audit</a:t>
               </a:r>
-              <a:endParaRPr lang="en-US" smtClean="0">
-                <a:solidFill>
-                  <a:schemeClr val="bg1"/>
-                </a:solidFill>
-                <a:latin typeface="Arial" pitchFamily="34" charset="0"/>
-                <a:cs typeface="Arial" pitchFamily="34" charset="0"/>
-              </a:endParaRPr>
             </a:p>
           </p:txBody>
         </p:sp>
@@ -13915,13 +13764,6 @@
                 </a:rPr>
                 <a:t>Audit</a:t>
               </a:r>
-              <a:endParaRPr lang="en-US" smtClean="0">
-                <a:solidFill>
-                  <a:schemeClr val="bg1"/>
-                </a:solidFill>
-                <a:latin typeface="Arial" pitchFamily="34" charset="0"/>
-                <a:cs typeface="Arial" pitchFamily="34" charset="0"/>
-              </a:endParaRPr>
             </a:p>
           </p:txBody>
         </p:sp>
@@ -13986,13 +13828,6 @@
                 </a:rPr>
                 <a:t>Audit</a:t>
               </a:r>
-              <a:endParaRPr lang="en-US" smtClean="0">
-                <a:solidFill>
-                  <a:schemeClr val="bg1"/>
-                </a:solidFill>
-                <a:latin typeface="Arial" pitchFamily="34" charset="0"/>
-                <a:cs typeface="Arial" pitchFamily="34" charset="0"/>
-              </a:endParaRPr>
             </a:p>
           </p:txBody>
         </p:sp>
@@ -14059,15 +13894,6 @@
               </a:rPr>
               <a:t>v3</a:t>
             </a:r>
-            <a:endParaRPr lang="en-US" sz="1600" b="1" smtClean="0">
-              <a:solidFill>
-                <a:schemeClr val="bg1">
-                  <a:lumMod val="50000"/>
-                </a:schemeClr>
-              </a:solidFill>
-              <a:latin typeface="Arial" pitchFamily="34" charset="0"/>
-              <a:cs typeface="Arial" pitchFamily="34" charset="0"/>
-            </a:endParaRPr>
           </a:p>
         </p:txBody>
       </p:sp>
@@ -14461,15 +14287,6 @@
               </a:rPr>
               <a:t>v4</a:t>
             </a:r>
-            <a:endParaRPr lang="en-US" sz="1600" b="1" smtClean="0">
-              <a:solidFill>
-                <a:schemeClr val="bg1">
-                  <a:lumMod val="50000"/>
-                </a:schemeClr>
-              </a:solidFill>
-              <a:latin typeface="Arial" pitchFamily="34" charset="0"/>
-              <a:cs typeface="Arial" pitchFamily="34" charset="0"/>
-            </a:endParaRPr>
           </a:p>
         </p:txBody>
       </p:sp>
@@ -16401,7 +16218,7 @@
                                 </p:cTn>
                               </p:par>
                               <p:par>
-                                <p:cTn id="140" presetID="10" presetClass="exit" presetSubtype="0" fill="hold" grpId="1" nodeType="withEffect">
+                                <p:cTn id="140" presetID="10" presetClass="exit" presetSubtype="0" fill="hold" nodeType="withEffect">
                                   <p:stCondLst>
                                     <p:cond delay="0"/>
                                   </p:stCondLst>
@@ -16436,7 +16253,7 @@
                                 </p:cTn>
                               </p:par>
                               <p:par>
-                                <p:cTn id="143" presetID="10" presetClass="exit" presetSubtype="0" fill="hold" grpId="1" nodeType="withEffect">
+                                <p:cTn id="143" presetID="10" presetClass="exit" presetSubtype="0" fill="hold" nodeType="withEffect">
                                   <p:stCondLst>
                                     <p:cond delay="0"/>
                                   </p:stCondLst>
@@ -16471,7 +16288,7 @@
                                 </p:cTn>
                               </p:par>
                               <p:par>
-                                <p:cTn id="146" presetID="10" presetClass="exit" presetSubtype="0" fill="hold" grpId="1" nodeType="withEffect">
+                                <p:cTn id="146" presetID="10" presetClass="exit" presetSubtype="0" fill="hold" nodeType="withEffect">
                                   <p:stCondLst>
                                     <p:cond delay="0"/>
                                   </p:stCondLst>
@@ -16506,7 +16323,7 @@
                                 </p:cTn>
                               </p:par>
                               <p:par>
-                                <p:cTn id="149" presetID="10" presetClass="exit" presetSubtype="0" fill="hold" grpId="1" nodeType="withEffect">
+                                <p:cTn id="149" presetID="10" presetClass="exit" presetSubtype="0" fill="hold" nodeType="withEffect">
                                   <p:stCondLst>
                                     <p:cond delay="0"/>
                                   </p:stCondLst>
@@ -16541,7 +16358,7 @@
                                 </p:cTn>
                               </p:par>
                               <p:par>
-                                <p:cTn id="152" presetID="10" presetClass="exit" presetSubtype="0" fill="hold" grpId="1" nodeType="withEffect">
+                                <p:cTn id="152" presetID="10" presetClass="exit" presetSubtype="0" fill="hold" nodeType="withEffect">
                                   <p:stCondLst>
                                     <p:cond delay="0"/>
                                   </p:stCondLst>
@@ -16576,7 +16393,7 @@
                                 </p:cTn>
                               </p:par>
                               <p:par>
-                                <p:cTn id="155" presetID="10" presetClass="exit" presetSubtype="0" fill="hold" grpId="1" nodeType="withEffect">
+                                <p:cTn id="155" presetID="10" presetClass="exit" presetSubtype="0" fill="hold" nodeType="withEffect">
                                   <p:stCondLst>
                                     <p:cond delay="0"/>
                                   </p:stCondLst>
@@ -16611,7 +16428,7 @@
                                 </p:cTn>
                               </p:par>
                               <p:par>
-                                <p:cTn id="158" presetID="10" presetClass="exit" presetSubtype="0" fill="hold" grpId="1" nodeType="withEffect">
+                                <p:cTn id="158" presetID="10" presetClass="exit" presetSubtype="0" fill="hold" nodeType="withEffect">
                                   <p:stCondLst>
                                     <p:cond delay="0"/>
                                   </p:stCondLst>
@@ -16646,7 +16463,7 @@
                                 </p:cTn>
                               </p:par>
                               <p:par>
-                                <p:cTn id="161" presetID="10" presetClass="exit" presetSubtype="0" fill="hold" grpId="1" nodeType="withEffect">
+                                <p:cTn id="161" presetID="10" presetClass="exit" presetSubtype="0" fill="hold" nodeType="withEffect">
                                   <p:stCondLst>
                                     <p:cond delay="0"/>
                                   </p:stCondLst>
@@ -16681,7 +16498,7 @@
                                 </p:cTn>
                               </p:par>
                               <p:par>
-                                <p:cTn id="164" presetID="10" presetClass="exit" presetSubtype="0" fill="hold" grpId="1" nodeType="withEffect">
+                                <p:cTn id="164" presetID="10" presetClass="exit" presetSubtype="0" fill="hold" nodeType="withEffect">
                                   <p:stCondLst>
                                     <p:cond delay="0"/>
                                   </p:stCondLst>
@@ -16716,7 +16533,7 @@
                                 </p:cTn>
                               </p:par>
                               <p:par>
-                                <p:cTn id="167" presetID="10" presetClass="exit" presetSubtype="0" fill="hold" grpId="1" nodeType="withEffect">
+                                <p:cTn id="167" presetID="10" presetClass="exit" presetSubtype="0" fill="hold" nodeType="withEffect">
                                   <p:stCondLst>
                                     <p:cond delay="0"/>
                                   </p:stCondLst>
@@ -16751,7 +16568,7 @@
                                 </p:cTn>
                               </p:par>
                               <p:par>
-                                <p:cTn id="170" presetID="10" presetClass="exit" presetSubtype="0" fill="hold" grpId="1" nodeType="withEffect">
+                                <p:cTn id="170" presetID="10" presetClass="exit" presetSubtype="0" fill="hold" nodeType="withEffect">
                                   <p:stCondLst>
                                     <p:cond delay="0"/>
                                   </p:stCondLst>
@@ -16786,7 +16603,7 @@
                                 </p:cTn>
                               </p:par>
                               <p:par>
-                                <p:cTn id="173" presetID="10" presetClass="exit" presetSubtype="0" fill="hold" grpId="1" nodeType="withEffect">
+                                <p:cTn id="173" presetID="10" presetClass="exit" presetSubtype="0" fill="hold" nodeType="withEffect">
                                   <p:stCondLst>
                                     <p:cond delay="0"/>
                                   </p:stCondLst>
@@ -16821,7 +16638,7 @@
                                 </p:cTn>
                               </p:par>
                               <p:par>
-                                <p:cTn id="176" presetID="10" presetClass="exit" presetSubtype="0" fill="hold" grpId="1" nodeType="withEffect">
+                                <p:cTn id="176" presetID="10" presetClass="exit" presetSubtype="0" fill="hold" nodeType="withEffect">
                                   <p:stCondLst>
                                     <p:cond delay="0"/>
                                   </p:stCondLst>
@@ -16856,7 +16673,7 @@
                                 </p:cTn>
                               </p:par>
                               <p:par>
-                                <p:cTn id="179" presetID="10" presetClass="exit" presetSubtype="0" fill="hold" grpId="1" nodeType="withEffect">
+                                <p:cTn id="179" presetID="10" presetClass="exit" presetSubtype="0" fill="hold" nodeType="withEffect">
                                   <p:stCondLst>
                                     <p:cond delay="0"/>
                                   </p:stCondLst>
@@ -16891,7 +16708,7 @@
                                 </p:cTn>
                               </p:par>
                               <p:par>
-                                <p:cTn id="182" presetID="10" presetClass="exit" presetSubtype="0" fill="hold" grpId="1" nodeType="withEffect">
+                                <p:cTn id="182" presetID="10" presetClass="exit" presetSubtype="0" fill="hold" nodeType="withEffect">
                                   <p:stCondLst>
                                     <p:cond delay="0"/>
                                   </p:stCondLst>
@@ -16926,7 +16743,7 @@
                                 </p:cTn>
                               </p:par>
                               <p:par>
-                                <p:cTn id="185" presetID="10" presetClass="exit" presetSubtype="0" fill="hold" grpId="1" nodeType="withEffect">
+                                <p:cTn id="185" presetID="10" presetClass="exit" presetSubtype="0" fill="hold" nodeType="withEffect">
                                   <p:stCondLst>
                                     <p:cond delay="0"/>
                                   </p:stCondLst>
@@ -16961,7 +16778,7 @@
                                 </p:cTn>
                               </p:par>
                               <p:par>
-                                <p:cTn id="188" presetID="10" presetClass="exit" presetSubtype="0" fill="hold" grpId="1" nodeType="withEffect">
+                                <p:cTn id="188" presetID="10" presetClass="exit" presetSubtype="0" fill="hold" nodeType="withEffect">
                                   <p:stCondLst>
                                     <p:cond delay="0"/>
                                   </p:stCondLst>
@@ -17893,24 +17710,15 @@
                                   </p:childTnLst>
                                 </p:cTn>
                               </p:par>
-                            </p:childTnLst>
-                          </p:cTn>
-                        </p:par>
-                        <p:par>
-                          <p:cTn id="271" fill="hold">
-                            <p:stCondLst>
-                              <p:cond delay="2500"/>
-                            </p:stCondLst>
-                            <p:childTnLst>
                               <p:par>
-                                <p:cTn id="272" presetID="10" presetClass="entr" presetSubtype="0" fill="hold" nodeType="afterEffect">
+                                <p:cTn id="271" presetID="10" presetClass="entr" presetSubtype="0" fill="hold" nodeType="withEffect">
                                   <p:stCondLst>
                                     <p:cond delay="0"/>
                                   </p:stCondLst>
                                   <p:childTnLst>
                                     <p:set>
                                       <p:cBhvr>
-                                        <p:cTn id="273" dur="1" fill="hold">
+                                        <p:cTn id="272" dur="1" fill="hold">
                                           <p:stCondLst>
                                             <p:cond delay="0"/>
                                           </p:stCondLst>
@@ -17928,7 +17736,7 @@
                                     </p:set>
                                     <p:animEffect transition="in" filter="fade">
                                       <p:cBhvr>
-                                        <p:cTn id="274" dur="500"/>
+                                        <p:cTn id="273" dur="500"/>
                                         <p:tgtEl>
                                           <p:spTgt spid="167"/>
                                         </p:tgtEl>
@@ -17938,14 +17746,14 @@
                                 </p:cTn>
                               </p:par>
                               <p:par>
-                                <p:cTn id="275" presetID="10" presetClass="entr" presetSubtype="0" fill="hold" nodeType="withEffect">
+                                <p:cTn id="274" presetID="10" presetClass="entr" presetSubtype="0" fill="hold" nodeType="withEffect">
                                   <p:stCondLst>
                                     <p:cond delay="0"/>
                                   </p:stCondLst>
                                   <p:childTnLst>
                                     <p:set>
                                       <p:cBhvr>
-                                        <p:cTn id="276" dur="1" fill="hold">
+                                        <p:cTn id="275" dur="1" fill="hold">
                                           <p:stCondLst>
                                             <p:cond delay="0"/>
                                           </p:stCondLst>
@@ -17963,7 +17771,7 @@
                                     </p:set>
                                     <p:animEffect transition="in" filter="fade">
                                       <p:cBhvr>
-                                        <p:cTn id="277" dur="500"/>
+                                        <p:cTn id="276" dur="500"/>
                                         <p:tgtEl>
                                           <p:spTgt spid="171"/>
                                         </p:tgtEl>
@@ -18075,6 +17883,85 @@
           <a:chExt cx="0" cy="0"/>
         </a:xfrm>
       </p:grpSpPr>
+      <p:sp>
+        <p:nvSpPr>
+          <p:cNvPr id="23" name="Abgerundetes Rechteck 22"/>
+          <p:cNvSpPr/>
+          <p:nvPr/>
+        </p:nvSpPr>
+        <p:spPr>
+          <a:xfrm>
+            <a:off x="3234710" y="3571876"/>
+            <a:ext cx="2531704" cy="2176694"/>
+          </a:xfrm>
+          <a:prstGeom prst="roundRect">
+            <a:avLst>
+              <a:gd name="adj" fmla="val 7994"/>
+            </a:avLst>
+          </a:prstGeom>
+          <a:solidFill>
+            <a:schemeClr val="accent1">
+              <a:lumMod val="40000"/>
+              <a:lumOff val="60000"/>
+            </a:schemeClr>
+          </a:solidFill>
+          <a:ln w="57150">
+            <a:solidFill>
+              <a:schemeClr val="accent1">
+                <a:lumMod val="60000"/>
+                <a:lumOff val="40000"/>
+              </a:schemeClr>
+            </a:solidFill>
+          </a:ln>
+        </p:spPr>
+        <p:style>
+          <a:lnRef idx="2">
+            <a:schemeClr val="accent1">
+              <a:shade val="50000"/>
+            </a:schemeClr>
+          </a:lnRef>
+          <a:fillRef idx="1">
+            <a:schemeClr val="accent1"/>
+          </a:fillRef>
+          <a:effectRef idx="0">
+            <a:schemeClr val="accent1"/>
+          </a:effectRef>
+          <a:fontRef idx="minor">
+            <a:schemeClr val="lt1"/>
+          </a:fontRef>
+        </p:style>
+        <p:txBody>
+          <a:bodyPr rtlCol="0" anchor="t"/>
+          <a:lstStyle/>
+          <a:p>
+            <a:pPr algn="ctr"/>
+            <a:r>
+              <a:rPr lang="en-US" sz="2000" b="1" smtClean="0">
+                <a:solidFill>
+                  <a:schemeClr val="bg1">
+                    <a:lumMod val="50000"/>
+                  </a:schemeClr>
+                </a:solidFill>
+                <a:latin typeface="Arial" pitchFamily="34" charset="0"/>
+                <a:cs typeface="Arial" pitchFamily="34" charset="0"/>
+              </a:rPr>
+              <a:t>Session</a:t>
+            </a:r>
+          </a:p>
+          <a:p>
+            <a:pPr algn="ctr"/>
+            <a:endParaRPr lang="en-US" sz="2000" b="1" smtClean="0">
+              <a:solidFill>
+                <a:schemeClr val="bg1">
+                  <a:lumMod val="50000"/>
+                </a:schemeClr>
+              </a:solidFill>
+              <a:latin typeface="Arial" pitchFamily="34" charset="0"/>
+              <a:cs typeface="Arial" pitchFamily="34" charset="0"/>
+            </a:endParaRPr>
+          </a:p>
+        </p:txBody>
+      </p:sp>
       <p:sp>
         <p:nvSpPr>
           <p:cNvPr id="4" name="Fußzeilenplatzhalter 3"/>
@@ -18425,15 +18312,6 @@
               </a:rPr>
               <a:t>Protocol</a:t>
             </a:r>
-            <a:endParaRPr lang="en-US" sz="1600" b="1" smtClean="0">
-              <a:solidFill>
-                <a:schemeClr val="bg1">
-                  <a:lumMod val="50000"/>
-                </a:schemeClr>
-              </a:solidFill>
-              <a:latin typeface="Arial" pitchFamily="34" charset="0"/>
-              <a:cs typeface="Arial" pitchFamily="34" charset="0"/>
-            </a:endParaRPr>
           </a:p>
         </p:txBody>
       </p:sp>
@@ -18512,13 +18390,6 @@
                 </a:rPr>
                 <a:t>View</a:t>
               </a:r>
-              <a:endParaRPr lang="en-US" smtClean="0">
-                <a:solidFill>
-                  <a:schemeClr val="bg1"/>
-                </a:solidFill>
-                <a:latin typeface="Arial" pitchFamily="34" charset="0"/>
-                <a:cs typeface="Arial" pitchFamily="34" charset="0"/>
-              </a:endParaRPr>
             </a:p>
           </p:txBody>
         </p:sp>
@@ -18583,13 +18454,6 @@
                 </a:rPr>
                 <a:t>View</a:t>
               </a:r>
-              <a:endParaRPr lang="en-US" smtClean="0">
-                <a:solidFill>
-                  <a:schemeClr val="bg1"/>
-                </a:solidFill>
-                <a:latin typeface="Arial" pitchFamily="34" charset="0"/>
-                <a:cs typeface="Arial" pitchFamily="34" charset="0"/>
-              </a:endParaRPr>
             </a:p>
           </p:txBody>
         </p:sp>
@@ -18654,13 +18518,6 @@
                 </a:rPr>
                 <a:t>View</a:t>
               </a:r>
-              <a:endParaRPr lang="en-US" smtClean="0">
-                <a:solidFill>
-                  <a:schemeClr val="bg1"/>
-                </a:solidFill>
-                <a:latin typeface="Arial" pitchFamily="34" charset="0"/>
-                <a:cs typeface="Arial" pitchFamily="34" charset="0"/>
-              </a:endParaRPr>
             </a:p>
           </p:txBody>
         </p:sp>
@@ -18740,13 +18597,6 @@
                 </a:rPr>
                 <a:t>Transaction</a:t>
               </a:r>
-              <a:endParaRPr lang="en-US" smtClean="0">
-                <a:solidFill>
-                  <a:schemeClr val="bg1"/>
-                </a:solidFill>
-                <a:latin typeface="Arial" pitchFamily="34" charset="0"/>
-                <a:cs typeface="Arial" pitchFamily="34" charset="0"/>
-              </a:endParaRPr>
             </a:p>
           </p:txBody>
         </p:sp>
@@ -18811,13 +18661,6 @@
                 </a:rPr>
                 <a:t>Transaction</a:t>
               </a:r>
-              <a:endParaRPr lang="en-US" smtClean="0">
-                <a:solidFill>
-                  <a:schemeClr val="bg1"/>
-                </a:solidFill>
-                <a:latin typeface="Arial" pitchFamily="34" charset="0"/>
-                <a:cs typeface="Arial" pitchFamily="34" charset="0"/>
-              </a:endParaRPr>
             </a:p>
           </p:txBody>
         </p:sp>
@@ -18882,13 +18725,6 @@
                 </a:rPr>
                 <a:t>Transaction</a:t>
               </a:r>
-              <a:endParaRPr lang="en-US" smtClean="0">
-                <a:solidFill>
-                  <a:schemeClr val="bg1"/>
-                </a:solidFill>
-                <a:latin typeface="Arial" pitchFamily="34" charset="0"/>
-                <a:cs typeface="Arial" pitchFamily="34" charset="0"/>
-              </a:endParaRPr>
             </a:p>
           </p:txBody>
         </p:sp>
@@ -18968,13 +18804,6 @@
                 </a:rPr>
                 <a:t>Audit</a:t>
               </a:r>
-              <a:endParaRPr lang="en-US" smtClean="0">
-                <a:solidFill>
-                  <a:schemeClr val="bg1"/>
-                </a:solidFill>
-                <a:latin typeface="Arial" pitchFamily="34" charset="0"/>
-                <a:cs typeface="Arial" pitchFamily="34" charset="0"/>
-              </a:endParaRPr>
             </a:p>
           </p:txBody>
         </p:sp>
@@ -19039,13 +18868,6 @@
                 </a:rPr>
                 <a:t>Audit</a:t>
               </a:r>
-              <a:endParaRPr lang="en-US" smtClean="0">
-                <a:solidFill>
-                  <a:schemeClr val="bg1"/>
-                </a:solidFill>
-                <a:latin typeface="Arial" pitchFamily="34" charset="0"/>
-                <a:cs typeface="Arial" pitchFamily="34" charset="0"/>
-              </a:endParaRPr>
             </a:p>
           </p:txBody>
         </p:sp>
@@ -19110,9 +18932,588 @@
                 </a:rPr>
                 <a:t>Audit</a:t>
               </a:r>
-              <a:endParaRPr lang="en-US" smtClean="0">
+            </a:p>
+          </p:txBody>
+        </p:sp>
+      </p:grpSp>
+      <p:sp>
+        <p:nvSpPr>
+          <p:cNvPr id="160" name="Abgerundetes Rechteck 159"/>
+          <p:cNvSpPr/>
+          <p:nvPr/>
+        </p:nvSpPr>
+        <p:spPr>
+          <a:xfrm>
+            <a:off x="642910" y="2000240"/>
+            <a:ext cx="7715304" cy="928694"/>
+          </a:xfrm>
+          <a:prstGeom prst="roundRect">
+            <a:avLst>
+              <a:gd name="adj" fmla="val 9406"/>
+            </a:avLst>
+          </a:prstGeom>
+          <a:solidFill>
+            <a:srgbClr val="FFD47D"/>
+          </a:solidFill>
+          <a:ln w="57150">
+            <a:solidFill>
+              <a:srgbClr val="FFAA01"/>
+            </a:solidFill>
+          </a:ln>
+        </p:spPr>
+        <p:style>
+          <a:lnRef idx="2">
+            <a:schemeClr val="accent1">
+              <a:shade val="50000"/>
+            </a:schemeClr>
+          </a:lnRef>
+          <a:fillRef idx="1">
+            <a:schemeClr val="accent1"/>
+          </a:fillRef>
+          <a:effectRef idx="0">
+            <a:schemeClr val="accent1"/>
+          </a:effectRef>
+          <a:fontRef idx="minor">
+            <a:schemeClr val="lt1"/>
+          </a:fontRef>
+        </p:style>
+        <p:txBody>
+          <a:bodyPr rtlCol="0" anchor="ctr"/>
+          <a:lstStyle/>
+          <a:p>
+            <a:pPr algn="ctr"/>
+            <a:r>
+              <a:rPr lang="en-US" sz="1600" b="1" smtClean="0">
                 <a:solidFill>
-                  <a:schemeClr val="bg1"/>
+                  <a:schemeClr val="bg1">
+                    <a:lumMod val="50000"/>
+                  </a:schemeClr>
+                </a:solidFill>
+                <a:latin typeface="Arial" pitchFamily="34" charset="0"/>
+                <a:cs typeface="Arial" pitchFamily="34" charset="0"/>
+              </a:rPr>
+              <a:t>ResourceSet</a:t>
+            </a:r>
+            <a:endParaRPr lang="en-US" sz="1600" b="1" smtClean="0">
+              <a:solidFill>
+                <a:schemeClr val="bg1">
+                  <a:lumMod val="50000"/>
+                </a:schemeClr>
+              </a:solidFill>
+              <a:latin typeface="Arial" pitchFamily="34" charset="0"/>
+              <a:cs typeface="Arial" pitchFamily="34" charset="0"/>
+            </a:endParaRPr>
+          </a:p>
+        </p:txBody>
+      </p:sp>
+      <p:sp>
+        <p:nvSpPr>
+          <p:cNvPr id="24" name="Abgerundetes Rechteck 23"/>
+          <p:cNvSpPr/>
+          <p:nvPr/>
+        </p:nvSpPr>
+        <p:spPr>
+          <a:xfrm>
+            <a:off x="877634" y="2214554"/>
+            <a:ext cx="2357454" cy="500066"/>
+          </a:xfrm>
+          <a:prstGeom prst="roundRect">
+            <a:avLst>
+              <a:gd name="adj" fmla="val 7105"/>
+            </a:avLst>
+          </a:prstGeom>
+          <a:solidFill>
+            <a:schemeClr val="accent1">
+              <a:lumMod val="20000"/>
+              <a:lumOff val="80000"/>
+            </a:schemeClr>
+          </a:solidFill>
+          <a:ln>
+            <a:solidFill>
+              <a:schemeClr val="accent1">
+                <a:lumMod val="60000"/>
+                <a:lumOff val="40000"/>
+              </a:schemeClr>
+            </a:solidFill>
+          </a:ln>
+        </p:spPr>
+        <p:style>
+          <a:lnRef idx="2">
+            <a:schemeClr val="accent1">
+              <a:shade val="50000"/>
+            </a:schemeClr>
+          </a:lnRef>
+          <a:fillRef idx="1">
+            <a:schemeClr val="accent1"/>
+          </a:fillRef>
+          <a:effectRef idx="0">
+            <a:schemeClr val="accent1"/>
+          </a:effectRef>
+          <a:fontRef idx="minor">
+            <a:schemeClr val="lt1"/>
+          </a:fontRef>
+        </p:style>
+        <p:txBody>
+          <a:bodyPr rtlCol="0" anchor="ctr"/>
+          <a:lstStyle/>
+          <a:p>
+            <a:pPr algn="ctr"/>
+            <a:r>
+              <a:rPr lang="en-US" smtClean="0">
+                <a:solidFill>
+                  <a:schemeClr val="bg1">
+                    <a:lumMod val="50000"/>
+                  </a:schemeClr>
+                </a:solidFill>
+                <a:latin typeface="Arial" pitchFamily="34" charset="0"/>
+                <a:cs typeface="Arial" pitchFamily="34" charset="0"/>
+              </a:rPr>
+              <a:t>Package Registry</a:t>
+            </a:r>
+          </a:p>
+        </p:txBody>
+      </p:sp>
+    </p:spTree>
+  </p:cSld>
+  <p:clrMapOvr>
+    <a:masterClrMapping/>
+  </p:clrMapOvr>
+  <p:transition>
+    <p:fade/>
+  </p:transition>
+  <p:timing>
+    <p:tnLst>
+      <p:par>
+        <p:cTn id="1" dur="indefinite" restart="never" nodeType="tmRoot">
+          <p:childTnLst>
+            <p:seq concurrent="1" nextAc="seek">
+              <p:cTn id="2" dur="indefinite" nodeType="mainSeq">
+                <p:childTnLst>
+                  <p:par>
+                    <p:cTn id="3" fill="hold">
+                      <p:stCondLst>
+                        <p:cond delay="indefinite"/>
+                      </p:stCondLst>
+                      <p:childTnLst>
+                        <p:par>
+                          <p:cTn id="4" fill="hold">
+                            <p:stCondLst>
+                              <p:cond delay="0"/>
+                            </p:stCondLst>
+                            <p:childTnLst>
+                              <p:par>
+                                <p:cTn id="5" presetID="10" presetClass="entr" presetSubtype="0" fill="hold" grpId="0" nodeType="clickEffect">
+                                  <p:stCondLst>
+                                    <p:cond delay="0"/>
+                                  </p:stCondLst>
+                                  <p:childTnLst>
+                                    <p:set>
+                                      <p:cBhvr>
+                                        <p:cTn id="6" dur="1" fill="hold">
+                                          <p:stCondLst>
+                                            <p:cond delay="0"/>
+                                          </p:stCondLst>
+                                        </p:cTn>
+                                        <p:tgtEl>
+                                          <p:spTgt spid="160"/>
+                                        </p:tgtEl>
+                                        <p:attrNameLst>
+                                          <p:attrName>style.visibility</p:attrName>
+                                        </p:attrNameLst>
+                                      </p:cBhvr>
+                                      <p:to>
+                                        <p:strVal val="visible"/>
+                                      </p:to>
+                                    </p:set>
+                                    <p:animEffect transition="in" filter="fade">
+                                      <p:cBhvr>
+                                        <p:cTn id="7" dur="500"/>
+                                        <p:tgtEl>
+                                          <p:spTgt spid="160"/>
+                                        </p:tgtEl>
+                                      </p:cBhvr>
+                                    </p:animEffect>
+                                  </p:childTnLst>
+                                </p:cTn>
+                              </p:par>
+                              <p:par>
+                                <p:cTn id="8" presetID="10" presetClass="entr" presetSubtype="0" fill="hold" grpId="0" nodeType="withEffect">
+                                  <p:stCondLst>
+                                    <p:cond delay="0"/>
+                                  </p:stCondLst>
+                                  <p:childTnLst>
+                                    <p:set>
+                                      <p:cBhvr>
+                                        <p:cTn id="9" dur="1" fill="hold">
+                                          <p:stCondLst>
+                                            <p:cond delay="0"/>
+                                          </p:stCondLst>
+                                        </p:cTn>
+                                        <p:tgtEl>
+                                          <p:spTgt spid="24"/>
+                                        </p:tgtEl>
+                                        <p:attrNameLst>
+                                          <p:attrName>style.visibility</p:attrName>
+                                        </p:attrNameLst>
+                                      </p:cBhvr>
+                                      <p:to>
+                                        <p:strVal val="visible"/>
+                                      </p:to>
+                                    </p:set>
+                                    <p:animEffect transition="in" filter="fade">
+                                      <p:cBhvr>
+                                        <p:cTn id="10" dur="500"/>
+                                        <p:tgtEl>
+                                          <p:spTgt spid="24"/>
+                                        </p:tgtEl>
+                                      </p:cBhvr>
+                                    </p:animEffect>
+                                  </p:childTnLst>
+                                </p:cTn>
+                              </p:par>
+                            </p:childTnLst>
+                          </p:cTn>
+                        </p:par>
+                      </p:childTnLst>
+                    </p:cTn>
+                  </p:par>
+                  <p:par>
+                    <p:cTn id="11" fill="hold">
+                      <p:stCondLst>
+                        <p:cond delay="indefinite"/>
+                      </p:stCondLst>
+                      <p:childTnLst>
+                        <p:par>
+                          <p:cTn id="12" fill="hold">
+                            <p:stCondLst>
+                              <p:cond delay="0"/>
+                            </p:stCondLst>
+                            <p:childTnLst>
+                              <p:par>
+                                <p:cTn id="13" presetID="10" presetClass="exit" presetSubtype="0" fill="hold" nodeType="clickEffect">
+                                  <p:stCondLst>
+                                    <p:cond delay="0"/>
+                                  </p:stCondLst>
+                                  <p:childTnLst>
+                                    <p:animEffect transition="out" filter="fade">
+                                      <p:cBhvr>
+                                        <p:cTn id="14" dur="500"/>
+                                        <p:tgtEl>
+                                          <p:spTgt spid="2"/>
+                                        </p:tgtEl>
+                                      </p:cBhvr>
+                                    </p:animEffect>
+                                    <p:set>
+                                      <p:cBhvr>
+                                        <p:cTn id="15" dur="1" fill="hold">
+                                          <p:stCondLst>
+                                            <p:cond delay="499"/>
+                                          </p:stCondLst>
+                                        </p:cTn>
+                                        <p:tgtEl>
+                                          <p:spTgt spid="2"/>
+                                        </p:tgtEl>
+                                        <p:attrNameLst>
+                                          <p:attrName>style.visibility</p:attrName>
+                                        </p:attrNameLst>
+                                      </p:cBhvr>
+                                      <p:to>
+                                        <p:strVal val="hidden"/>
+                                      </p:to>
+                                    </p:set>
+                                  </p:childTnLst>
+                                </p:cTn>
+                              </p:par>
+                              <p:par>
+                                <p:cTn id="16" presetID="10" presetClass="exit" presetSubtype="0" fill="hold" nodeType="withEffect">
+                                  <p:stCondLst>
+                                    <p:cond delay="0"/>
+                                  </p:stCondLst>
+                                  <p:childTnLst>
+                                    <p:animEffect transition="out" filter="fade">
+                                      <p:cBhvr>
+                                        <p:cTn id="17" dur="500"/>
+                                        <p:tgtEl>
+                                          <p:spTgt spid="6"/>
+                                        </p:tgtEl>
+                                      </p:cBhvr>
+                                    </p:animEffect>
+                                    <p:set>
+                                      <p:cBhvr>
+                                        <p:cTn id="18" dur="1" fill="hold">
+                                          <p:stCondLst>
+                                            <p:cond delay="499"/>
+                                          </p:stCondLst>
+                                        </p:cTn>
+                                        <p:tgtEl>
+                                          <p:spTgt spid="6"/>
+                                        </p:tgtEl>
+                                        <p:attrNameLst>
+                                          <p:attrName>style.visibility</p:attrName>
+                                        </p:attrNameLst>
+                                      </p:cBhvr>
+                                      <p:to>
+                                        <p:strVal val="hidden"/>
+                                      </p:to>
+                                    </p:set>
+                                  </p:childTnLst>
+                                </p:cTn>
+                              </p:par>
+                              <p:par>
+                                <p:cTn id="19" presetID="10" presetClass="exit" presetSubtype="0" fill="hold" grpId="0" nodeType="withEffect">
+                                  <p:stCondLst>
+                                    <p:cond delay="0"/>
+                                  </p:stCondLst>
+                                  <p:childTnLst>
+                                    <p:animEffect transition="out" filter="fade">
+                                      <p:cBhvr>
+                                        <p:cTn id="20" dur="500"/>
+                                        <p:tgtEl>
+                                          <p:spTgt spid="57"/>
+                                        </p:tgtEl>
+                                      </p:cBhvr>
+                                    </p:animEffect>
+                                    <p:set>
+                                      <p:cBhvr>
+                                        <p:cTn id="21" dur="1" fill="hold">
+                                          <p:stCondLst>
+                                            <p:cond delay="499"/>
+                                          </p:stCondLst>
+                                        </p:cTn>
+                                        <p:tgtEl>
+                                          <p:spTgt spid="57"/>
+                                        </p:tgtEl>
+                                        <p:attrNameLst>
+                                          <p:attrName>style.visibility</p:attrName>
+                                        </p:attrNameLst>
+                                      </p:cBhvr>
+                                      <p:to>
+                                        <p:strVal val="hidden"/>
+                                      </p:to>
+                                    </p:set>
+                                  </p:childTnLst>
+                                </p:cTn>
+                              </p:par>
+                              <p:par>
+                                <p:cTn id="22" presetID="10" presetClass="exit" presetSubtype="0" fill="hold" grpId="0" nodeType="withEffect">
+                                  <p:stCondLst>
+                                    <p:cond delay="0"/>
+                                  </p:stCondLst>
+                                  <p:childTnLst>
+                                    <p:animEffect transition="out" filter="fade">
+                                      <p:cBhvr>
+                                        <p:cTn id="23" dur="1000"/>
+                                        <p:tgtEl>
+                                          <p:spTgt spid="89"/>
+                                        </p:tgtEl>
+                                      </p:cBhvr>
+                                    </p:animEffect>
+                                    <p:set>
+                                      <p:cBhvr>
+                                        <p:cTn id="24" dur="1" fill="hold">
+                                          <p:stCondLst>
+                                            <p:cond delay="999"/>
+                                          </p:stCondLst>
+                                        </p:cTn>
+                                        <p:tgtEl>
+                                          <p:spTgt spid="89"/>
+                                        </p:tgtEl>
+                                        <p:attrNameLst>
+                                          <p:attrName>style.visibility</p:attrName>
+                                        </p:attrNameLst>
+                                      </p:cBhvr>
+                                      <p:to>
+                                        <p:strVal val="hidden"/>
+                                      </p:to>
+                                    </p:set>
+                                  </p:childTnLst>
+                                </p:cTn>
+                              </p:par>
+                              <p:par>
+                                <p:cTn id="25" presetID="35" presetClass="path" presetSubtype="0" accel="50000" decel="50000" fill="hold" nodeType="withEffect">
+                                  <p:stCondLst>
+                                    <p:cond delay="0"/>
+                                  </p:stCondLst>
+                                  <p:childTnLst>
+                                    <p:animMotion origin="layout" path="M -3.05556E-6 4.7165E-6 L -0.25573 -0.00024 " pathEditMode="relative" rAng="0" ptsTypes="AA">
+                                      <p:cBhvr>
+                                        <p:cTn id="26" dur="1000" fill="hold"/>
+                                        <p:tgtEl>
+                                          <p:spTgt spid="3"/>
+                                        </p:tgtEl>
+                                        <p:attrNameLst>
+                                          <p:attrName>ppt_x</p:attrName>
+                                          <p:attrName>ppt_y</p:attrName>
+                                        </p:attrNameLst>
+                                      </p:cBhvr>
+                                      <p:rCtr x="-128" y="0"/>
+                                    </p:animMotion>
+                                  </p:childTnLst>
+                                </p:cTn>
+                              </p:par>
+                              <p:par>
+                                <p:cTn id="27" presetID="63" presetClass="path" presetSubtype="0" accel="50000" decel="50000" fill="hold" grpId="0" nodeType="withEffect">
+                                  <p:stCondLst>
+                                    <p:cond delay="0"/>
+                                  </p:stCondLst>
+                                  <p:childTnLst>
+                                    <p:animMotion origin="layout" path="M -4.44444E-6 2.15691E-6 L 0.25313 -0.00023 " pathEditMode="relative" rAng="0" ptsTypes="AA">
+                                      <p:cBhvr>
+                                        <p:cTn id="28" dur="1000" fill="hold"/>
+                                        <p:tgtEl>
+                                          <p:spTgt spid="50"/>
+                                        </p:tgtEl>
+                                        <p:attrNameLst>
+                                          <p:attrName>ppt_x</p:attrName>
+                                          <p:attrName>ppt_y</p:attrName>
+                                        </p:attrNameLst>
+                                      </p:cBhvr>
+                                      <p:rCtr x="127" y="0"/>
+                                    </p:animMotion>
+                                  </p:childTnLst>
+                                </p:cTn>
+                              </p:par>
+                            </p:childTnLst>
+                          </p:cTn>
+                        </p:par>
+                      </p:childTnLst>
+                    </p:cTn>
+                  </p:par>
+                </p:childTnLst>
+              </p:cTn>
+              <p:prevCondLst>
+                <p:cond evt="onPrev" delay="0">
+                  <p:tgtEl>
+                    <p:sldTgt/>
+                  </p:tgtEl>
+                </p:cond>
+              </p:prevCondLst>
+              <p:nextCondLst>
+                <p:cond evt="onNext" delay="0">
+                  <p:tgtEl>
+                    <p:sldTgt/>
+                  </p:tgtEl>
+                </p:cond>
+              </p:nextCondLst>
+            </p:seq>
+          </p:childTnLst>
+        </p:cTn>
+      </p:par>
+    </p:tnLst>
+    <p:bldLst>
+      <p:bldP spid="89" grpId="0" animBg="1"/>
+      <p:bldP spid="50" grpId="0" animBg="1"/>
+      <p:bldP spid="57" grpId="0" animBg="1"/>
+      <p:bldP spid="160" grpId="0" animBg="1"/>
+      <p:bldP spid="24" grpId="0" animBg="1"/>
+    </p:bldLst>
+  </p:timing>
+</p:sld>
+</file>
+
+<file path=ppt/slides/slide15.xml><?xml version="1.0" encoding="utf-8"?>
+<p:sld xmlns:a="http://schemas.openxmlformats.org/drawingml/2006/main" xmlns:r="http://schemas.openxmlformats.org/officeDocument/2006/relationships" xmlns:p="http://schemas.openxmlformats.org/presentationml/2006/main">
+  <p:cSld>
+    <p:spTree>
+      <p:nvGrpSpPr>
+        <p:cNvPr id="1" name=""/>
+        <p:cNvGrpSpPr/>
+        <p:nvPr/>
+      </p:nvGrpSpPr>
+      <p:grpSpPr>
+        <a:xfrm>
+          <a:off x="0" y="0"/>
+          <a:ext cx="0" cy="0"/>
+          <a:chOff x="0" y="0"/>
+          <a:chExt cx="0" cy="0"/>
+        </a:xfrm>
+      </p:grpSpPr>
+      <p:grpSp>
+        <p:nvGrpSpPr>
+          <p:cNvPr id="25" name="Gruppieren 24"/>
+          <p:cNvGrpSpPr/>
+          <p:nvPr/>
+        </p:nvGrpSpPr>
+        <p:grpSpPr>
+          <a:xfrm>
+            <a:off x="500034" y="3571876"/>
+            <a:ext cx="2531704" cy="2361783"/>
+            <a:chOff x="3234710" y="3571876"/>
+            <a:chExt cx="2531704" cy="2361783"/>
+          </a:xfrm>
+        </p:grpSpPr>
+        <p:sp>
+          <p:nvSpPr>
+            <p:cNvPr id="26" name="Abgerundetes Rechteck 25"/>
+            <p:cNvSpPr/>
+            <p:nvPr/>
+          </p:nvSpPr>
+          <p:spPr>
+            <a:xfrm>
+              <a:off x="3234710" y="3571876"/>
+              <a:ext cx="2531704" cy="2176694"/>
+            </a:xfrm>
+            <a:prstGeom prst="roundRect">
+              <a:avLst>
+                <a:gd name="adj" fmla="val 7994"/>
+              </a:avLst>
+            </a:prstGeom>
+            <a:solidFill>
+              <a:schemeClr val="accent1">
+                <a:lumMod val="40000"/>
+                <a:lumOff val="60000"/>
+              </a:schemeClr>
+            </a:solidFill>
+            <a:ln w="57150">
+              <a:solidFill>
+                <a:schemeClr val="accent1">
+                  <a:lumMod val="60000"/>
+                  <a:lumOff val="40000"/>
+                </a:schemeClr>
+              </a:solidFill>
+            </a:ln>
+          </p:spPr>
+          <p:style>
+            <a:lnRef idx="2">
+              <a:schemeClr val="accent1">
+                <a:shade val="50000"/>
+              </a:schemeClr>
+            </a:lnRef>
+            <a:fillRef idx="1">
+              <a:schemeClr val="accent1"/>
+            </a:fillRef>
+            <a:effectRef idx="0">
+              <a:schemeClr val="accent1"/>
+            </a:effectRef>
+            <a:fontRef idx="minor">
+              <a:schemeClr val="lt1"/>
+            </a:fontRef>
+          </p:style>
+          <p:txBody>
+            <a:bodyPr rtlCol="0" anchor="t"/>
+            <a:lstStyle/>
+            <a:p>
+              <a:pPr algn="ctr"/>
+              <a:r>
+                <a:rPr lang="en-US" sz="2000" b="1" smtClean="0">
+                  <a:solidFill>
+                    <a:schemeClr val="bg1">
+                      <a:lumMod val="50000"/>
+                    </a:schemeClr>
+                  </a:solidFill>
+                  <a:latin typeface="Arial" pitchFamily="34" charset="0"/>
+                  <a:cs typeface="Arial" pitchFamily="34" charset="0"/>
+                </a:rPr>
+                <a:t>Session</a:t>
+              </a:r>
+            </a:p>
+            <a:p>
+              <a:pPr algn="ctr"/>
+              <a:endParaRPr lang="en-US" sz="2000" b="1" smtClean="0">
+                <a:solidFill>
+                  <a:schemeClr val="bg1">
+                    <a:lumMod val="50000"/>
+                  </a:schemeClr>
                 </a:solidFill>
                 <a:latin typeface="Arial" pitchFamily="34" charset="0"/>
                 <a:cs typeface="Arial" pitchFamily="34" charset="0"/>
@@ -19120,41 +19521,34 @@
             </a:p>
           </p:txBody>
         </p:sp>
-      </p:grpSp>
-      <p:grpSp>
-        <p:nvGrpSpPr>
-          <p:cNvPr id="152" name="Gruppieren 151"/>
-          <p:cNvGrpSpPr/>
-          <p:nvPr/>
-        </p:nvGrpSpPr>
-        <p:grpSpPr>
-          <a:xfrm>
-            <a:off x="2456131" y="441483"/>
-            <a:ext cx="3901819" cy="2796377"/>
-            <a:chOff x="1772747" y="107134"/>
-            <a:chExt cx="4585203" cy="3286148"/>
-          </a:xfrm>
-        </p:grpSpPr>
         <p:sp>
           <p:nvSpPr>
-            <p:cNvPr id="65" name="Abgerundetes Rechteck 64"/>
+            <p:cNvPr id="27" name="Abgerundetes Rechteck 26"/>
             <p:cNvSpPr/>
             <p:nvPr/>
           </p:nvSpPr>
           <p:spPr>
             <a:xfrm>
-              <a:off x="1772747" y="245098"/>
-              <a:ext cx="4585203" cy="816964"/>
+              <a:off x="3317112" y="4921449"/>
+              <a:ext cx="2357454" cy="500066"/>
             </a:xfrm>
             <a:prstGeom prst="roundRect">
-              <a:avLst/>
+              <a:avLst>
+                <a:gd name="adj" fmla="val 7105"/>
+              </a:avLst>
             </a:prstGeom>
             <a:solidFill>
-              <a:srgbClr val="FFE8B9"/>
+              <a:schemeClr val="accent1">
+                <a:lumMod val="20000"/>
+                <a:lumOff val="80000"/>
+              </a:schemeClr>
             </a:solidFill>
             <a:ln>
               <a:solidFill>
-                <a:srgbClr val="FFC247"/>
+                <a:schemeClr val="accent1">
+                  <a:lumMod val="60000"/>
+                  <a:lumOff val="40000"/>
+                </a:schemeClr>
               </a:solidFill>
             </a:ln>
           </p:spPr>
@@ -19179,1426 +19573,44 @@
             <a:lstStyle/>
             <a:p>
               <a:pPr algn="ctr"/>
-              <a:endParaRPr lang="en-US" smtClean="0">
-                <a:solidFill>
-                  <a:schemeClr val="bg1">
-                    <a:lumMod val="50000"/>
-                  </a:schemeClr>
-                </a:solidFill>
-                <a:latin typeface="Arial" pitchFamily="34" charset="0"/>
-                <a:cs typeface="Arial" pitchFamily="34" charset="0"/>
-              </a:endParaRPr>
+              <a:r>
+                <a:rPr lang="en-US" smtClean="0">
+                  <a:solidFill>
+                    <a:schemeClr val="bg1">
+                      <a:lumMod val="50000"/>
+                    </a:schemeClr>
+                  </a:solidFill>
+                  <a:latin typeface="Arial" pitchFamily="34" charset="0"/>
+                  <a:cs typeface="Arial" pitchFamily="34" charset="0"/>
+                </a:rPr>
+                <a:t>Package Registry</a:t>
+              </a:r>
             </a:p>
           </p:txBody>
         </p:sp>
         <p:sp>
           <p:nvSpPr>
-            <p:cNvPr id="66" name="Abgerundetes Rechteck 65"/>
+            <p:cNvPr id="28" name="Abgerundetes Rechteck 27"/>
             <p:cNvSpPr/>
             <p:nvPr/>
           </p:nvSpPr>
           <p:spPr>
             <a:xfrm>
-              <a:off x="1772747" y="1159497"/>
-              <a:ext cx="4585203" cy="876463"/>
+              <a:off x="3500429" y="5572140"/>
+              <a:ext cx="1913761" cy="361519"/>
             </a:xfrm>
             <a:prstGeom prst="roundRect">
               <a:avLst/>
             </a:prstGeom>
             <a:solidFill>
-              <a:srgbClr val="FFE8B9"/>
+              <a:schemeClr val="accent3">
+                <a:lumMod val="40000"/>
+                <a:lumOff val="60000"/>
+              </a:schemeClr>
             </a:solidFill>
             <a:ln>
               <a:solidFill>
-                <a:srgbClr val="FFC247"/>
-              </a:solidFill>
-            </a:ln>
-          </p:spPr>
-          <p:style>
-            <a:lnRef idx="2">
-              <a:schemeClr val="accent1">
-                <a:shade val="50000"/>
-              </a:schemeClr>
-            </a:lnRef>
-            <a:fillRef idx="1">
-              <a:schemeClr val="accent1"/>
-            </a:fillRef>
-            <a:effectRef idx="0">
-              <a:schemeClr val="accent1"/>
-            </a:effectRef>
-            <a:fontRef idx="minor">
-              <a:schemeClr val="lt1"/>
-            </a:fontRef>
-          </p:style>
-          <p:txBody>
-            <a:bodyPr rtlCol="0" anchor="ctr"/>
-            <a:lstStyle/>
-            <a:p>
-              <a:pPr algn="ctr"/>
-              <a:endParaRPr lang="en-US" smtClean="0">
-                <a:solidFill>
-                  <a:schemeClr val="bg1">
-                    <a:lumMod val="50000"/>
-                  </a:schemeClr>
-                </a:solidFill>
-                <a:latin typeface="Arial" pitchFamily="34" charset="0"/>
-                <a:cs typeface="Arial" pitchFamily="34" charset="0"/>
-              </a:endParaRPr>
-            </a:p>
-          </p:txBody>
-        </p:sp>
-        <p:sp>
-          <p:nvSpPr>
-            <p:cNvPr id="67" name="Abgerundetes Rechteck 66"/>
-            <p:cNvSpPr/>
-            <p:nvPr/>
-          </p:nvSpPr>
-          <p:spPr>
-            <a:xfrm>
-              <a:off x="1772747" y="2126361"/>
-              <a:ext cx="4585203" cy="1101777"/>
-            </a:xfrm>
-            <a:prstGeom prst="roundRect">
-              <a:avLst/>
-            </a:prstGeom>
-            <a:solidFill>
-              <a:srgbClr val="FFE8B9"/>
-            </a:solidFill>
-            <a:ln>
-              <a:solidFill>
-                <a:srgbClr val="FFC247"/>
-              </a:solidFill>
-            </a:ln>
-          </p:spPr>
-          <p:style>
-            <a:lnRef idx="2">
-              <a:schemeClr val="accent1">
-                <a:shade val="50000"/>
-              </a:schemeClr>
-            </a:lnRef>
-            <a:fillRef idx="1">
-              <a:schemeClr val="accent1"/>
-            </a:fillRef>
-            <a:effectRef idx="0">
-              <a:schemeClr val="accent1"/>
-            </a:effectRef>
-            <a:fontRef idx="minor">
-              <a:schemeClr val="lt1"/>
-            </a:fontRef>
-          </p:style>
-          <p:txBody>
-            <a:bodyPr rtlCol="0" anchor="ctr"/>
-            <a:lstStyle/>
-            <a:p>
-              <a:pPr algn="ctr"/>
-              <a:endParaRPr lang="en-US" smtClean="0">
-                <a:solidFill>
-                  <a:schemeClr val="bg1">
-                    <a:lumMod val="50000"/>
-                  </a:schemeClr>
-                </a:solidFill>
-                <a:latin typeface="Arial" pitchFamily="34" charset="0"/>
-                <a:cs typeface="Arial" pitchFamily="34" charset="0"/>
-              </a:endParaRPr>
-            </a:p>
-          </p:txBody>
-        </p:sp>
-        <p:grpSp>
-          <p:nvGrpSpPr>
-            <p:cNvPr id="74" name="Gruppieren 73"/>
-            <p:cNvGrpSpPr/>
-            <p:nvPr/>
-          </p:nvGrpSpPr>
-          <p:grpSpPr>
-            <a:xfrm>
-              <a:off x="1980741" y="321448"/>
-              <a:ext cx="2078054" cy="2821801"/>
-              <a:chOff x="2565416" y="2786058"/>
-              <a:chExt cx="2078054" cy="2821801"/>
-            </a:xfrm>
-          </p:grpSpPr>
-          <p:sp>
-            <p:nvSpPr>
-              <p:cNvPr id="79" name="Ellipse 78"/>
-              <p:cNvSpPr/>
-              <p:nvPr/>
-            </p:nvSpPr>
-            <p:spPr>
-              <a:xfrm>
-                <a:off x="2922606" y="2964653"/>
-                <a:ext cx="357190" cy="357190"/>
-              </a:xfrm>
-              <a:prstGeom prst="ellipse">
-                <a:avLst/>
-              </a:prstGeom>
-              <a:solidFill>
-                <a:srgbClr val="FFD47D"/>
-              </a:solidFill>
-              <a:ln>
-                <a:solidFill>
-                  <a:srgbClr val="FFAA01"/>
-                </a:solidFill>
-              </a:ln>
-            </p:spPr>
-            <p:style>
-              <a:lnRef idx="2">
-                <a:schemeClr val="accent1">
-                  <a:shade val="50000"/>
-                </a:schemeClr>
-              </a:lnRef>
-              <a:fillRef idx="1">
-                <a:schemeClr val="accent1"/>
-              </a:fillRef>
-              <a:effectRef idx="0">
-                <a:schemeClr val="accent1"/>
-              </a:effectRef>
-              <a:fontRef idx="minor">
-                <a:schemeClr val="lt1"/>
-              </a:fontRef>
-            </p:style>
-            <p:txBody>
-              <a:bodyPr rtlCol="0" anchor="ctr"/>
-              <a:lstStyle/>
-              <a:p>
-                <a:pPr algn="ctr"/>
-                <a:endParaRPr lang="en-US">
-                  <a:latin typeface="Arial" pitchFamily="34" charset="0"/>
-                  <a:cs typeface="Arial" pitchFamily="34" charset="0"/>
-                </a:endParaRPr>
-              </a:p>
-            </p:txBody>
-          </p:sp>
-          <p:sp>
-            <p:nvSpPr>
-              <p:cNvPr id="97" name="Ellipse 96"/>
-              <p:cNvSpPr/>
-              <p:nvPr/>
-            </p:nvSpPr>
-            <p:spPr>
-              <a:xfrm>
-                <a:off x="4039423" y="3090939"/>
-                <a:ext cx="357190" cy="357190"/>
-              </a:xfrm>
-              <a:prstGeom prst="ellipse">
-                <a:avLst/>
-              </a:prstGeom>
-              <a:solidFill>
-                <a:srgbClr val="FFD47D"/>
-              </a:solidFill>
-              <a:ln>
-                <a:solidFill>
-                  <a:srgbClr val="FFAA01"/>
-                </a:solidFill>
-              </a:ln>
-            </p:spPr>
-            <p:style>
-              <a:lnRef idx="2">
-                <a:schemeClr val="accent1">
-                  <a:shade val="50000"/>
-                </a:schemeClr>
-              </a:lnRef>
-              <a:fillRef idx="1">
-                <a:schemeClr val="accent1"/>
-              </a:fillRef>
-              <a:effectRef idx="0">
-                <a:schemeClr val="accent1"/>
-              </a:effectRef>
-              <a:fontRef idx="minor">
-                <a:schemeClr val="lt1"/>
-              </a:fontRef>
-            </p:style>
-            <p:txBody>
-              <a:bodyPr rtlCol="0" anchor="ctr"/>
-              <a:lstStyle/>
-              <a:p>
-                <a:pPr algn="ctr"/>
-                <a:endParaRPr lang="en-US">
-                  <a:latin typeface="Arial" pitchFamily="34" charset="0"/>
-                  <a:cs typeface="Arial" pitchFamily="34" charset="0"/>
-                </a:endParaRPr>
-              </a:p>
-            </p:txBody>
-          </p:sp>
-          <p:sp>
-            <p:nvSpPr>
-              <p:cNvPr id="100" name="Ellipse 99"/>
-              <p:cNvSpPr/>
-              <p:nvPr/>
-            </p:nvSpPr>
-            <p:spPr>
-              <a:xfrm>
-                <a:off x="3526653" y="2786058"/>
-                <a:ext cx="357190" cy="357190"/>
-              </a:xfrm>
-              <a:prstGeom prst="ellipse">
-                <a:avLst/>
-              </a:prstGeom>
-              <a:solidFill>
-                <a:srgbClr val="FFD47D"/>
-              </a:solidFill>
-              <a:ln>
-                <a:solidFill>
-                  <a:srgbClr val="FFAA01"/>
-                </a:solidFill>
-              </a:ln>
-            </p:spPr>
-            <p:style>
-              <a:lnRef idx="2">
-                <a:schemeClr val="accent1">
-                  <a:shade val="50000"/>
-                </a:schemeClr>
-              </a:lnRef>
-              <a:fillRef idx="1">
-                <a:schemeClr val="accent1"/>
-              </a:fillRef>
-              <a:effectRef idx="0">
-                <a:schemeClr val="accent1"/>
-              </a:effectRef>
-              <a:fontRef idx="minor">
-                <a:schemeClr val="lt1"/>
-              </a:fontRef>
-            </p:style>
-            <p:txBody>
-              <a:bodyPr rtlCol="0" anchor="ctr"/>
-              <a:lstStyle/>
-              <a:p>
-                <a:pPr algn="ctr"/>
-                <a:endParaRPr lang="en-US">
-                  <a:latin typeface="Arial" pitchFamily="34" charset="0"/>
-                  <a:cs typeface="Arial" pitchFamily="34" charset="0"/>
-                </a:endParaRPr>
-              </a:p>
-            </p:txBody>
-          </p:sp>
-          <p:cxnSp>
-            <p:nvCxnSpPr>
-              <p:cNvPr id="107" name="Gerade Verbindung mit Pfeil 106"/>
-              <p:cNvCxnSpPr>
-                <a:stCxn id="100" idx="2"/>
-                <a:endCxn id="79" idx="7"/>
-              </p:cNvCxnSpPr>
-              <p:nvPr/>
-            </p:nvCxnSpPr>
-            <p:spPr>
-              <a:xfrm rot="10800000" flipV="1">
-                <a:off x="3227487" y="2964652"/>
-                <a:ext cx="299166" cy="52309"/>
-              </a:xfrm>
-              <a:prstGeom prst="straightConnector1">
-                <a:avLst/>
-              </a:prstGeom>
-              <a:ln w="3175">
-                <a:solidFill>
-                  <a:schemeClr val="bg1">
-                    <a:lumMod val="50000"/>
-                  </a:schemeClr>
-                </a:solidFill>
-                <a:prstDash val="sysDash"/>
-                <a:tailEnd type="arrow"/>
-              </a:ln>
-            </p:spPr>
-            <p:style>
-              <a:lnRef idx="1">
-                <a:schemeClr val="accent1"/>
-              </a:lnRef>
-              <a:fillRef idx="0">
-                <a:schemeClr val="accent1"/>
-              </a:fillRef>
-              <a:effectRef idx="0">
-                <a:schemeClr val="accent1"/>
-              </a:effectRef>
-              <a:fontRef idx="minor">
-                <a:schemeClr val="tx1"/>
-              </a:fontRef>
-            </p:style>
-          </p:cxnSp>
-          <p:cxnSp>
-            <p:nvCxnSpPr>
-              <p:cNvPr id="122" name="Gerade Verbindung mit Pfeil 121"/>
-              <p:cNvCxnSpPr>
-                <a:stCxn id="100" idx="6"/>
-                <a:endCxn id="97" idx="1"/>
-              </p:cNvCxnSpPr>
-              <p:nvPr/>
-            </p:nvCxnSpPr>
-            <p:spPr>
-              <a:xfrm>
-                <a:off x="3883843" y="2964653"/>
-                <a:ext cx="207889" cy="178595"/>
-              </a:xfrm>
-              <a:prstGeom prst="straightConnector1">
-                <a:avLst/>
-              </a:prstGeom>
-              <a:ln w="3175">
-                <a:solidFill>
-                  <a:schemeClr val="bg1">
-                    <a:lumMod val="50000"/>
-                  </a:schemeClr>
-                </a:solidFill>
-                <a:prstDash val="sysDash"/>
-                <a:tailEnd type="arrow"/>
-              </a:ln>
-            </p:spPr>
-            <p:style>
-              <a:lnRef idx="1">
-                <a:schemeClr val="accent1"/>
-              </a:lnRef>
-              <a:fillRef idx="0">
-                <a:schemeClr val="accent1"/>
-              </a:fillRef>
-              <a:effectRef idx="0">
-                <a:schemeClr val="accent1"/>
-              </a:effectRef>
-              <a:fontRef idx="minor">
-                <a:schemeClr val="tx1"/>
-              </a:fontRef>
-            </p:style>
-          </p:cxnSp>
-          <p:cxnSp>
-            <p:nvCxnSpPr>
-              <p:cNvPr id="123" name="Gerade Verbindung mit Pfeil 122"/>
-              <p:cNvCxnSpPr/>
-              <p:nvPr/>
-            </p:nvCxnSpPr>
-            <p:spPr>
-              <a:xfrm rot="5400000">
-                <a:off x="2547557" y="3465988"/>
-                <a:ext cx="623813" cy="230904"/>
-              </a:xfrm>
-              <a:prstGeom prst="straightConnector1">
-                <a:avLst/>
-              </a:prstGeom>
-              <a:ln w="38100">
-                <a:solidFill>
-                  <a:schemeClr val="bg1">
-                    <a:lumMod val="50000"/>
-                  </a:schemeClr>
-                </a:solidFill>
-                <a:tailEnd type="arrow"/>
-              </a:ln>
-            </p:spPr>
-            <p:style>
-              <a:lnRef idx="1">
-                <a:schemeClr val="accent1"/>
-              </a:lnRef>
-              <a:fillRef idx="0">
-                <a:schemeClr val="accent1"/>
-              </a:fillRef>
-              <a:effectRef idx="0">
-                <a:schemeClr val="accent1"/>
-              </a:effectRef>
-              <a:fontRef idx="minor">
-                <a:schemeClr val="tx1"/>
-              </a:fontRef>
-            </p:style>
-          </p:cxnSp>
-          <p:cxnSp>
-            <p:nvCxnSpPr>
-              <p:cNvPr id="124" name="Gerade Verbindung mit Pfeil 123"/>
-              <p:cNvCxnSpPr/>
-              <p:nvPr/>
-            </p:nvCxnSpPr>
-            <p:spPr>
-              <a:xfrm rot="5400000">
-                <a:off x="3151604" y="3323113"/>
-                <a:ext cx="659532" cy="195185"/>
-              </a:xfrm>
-              <a:prstGeom prst="straightConnector1">
-                <a:avLst/>
-              </a:prstGeom>
-              <a:ln w="38100">
-                <a:solidFill>
-                  <a:schemeClr val="bg1">
-                    <a:lumMod val="50000"/>
-                  </a:schemeClr>
-                </a:solidFill>
-                <a:tailEnd type="arrow"/>
-              </a:ln>
-            </p:spPr>
-            <p:style>
-              <a:lnRef idx="1">
-                <a:schemeClr val="accent1"/>
-              </a:lnRef>
-              <a:fillRef idx="0">
-                <a:schemeClr val="accent1"/>
-              </a:fillRef>
-              <a:effectRef idx="0">
-                <a:schemeClr val="accent1"/>
-              </a:effectRef>
-              <a:fontRef idx="minor">
-                <a:schemeClr val="tx1"/>
-              </a:fontRef>
-            </p:style>
-          </p:cxnSp>
-          <p:cxnSp>
-            <p:nvCxnSpPr>
-              <p:cNvPr id="126" name="Gerade Verbindung mit Pfeil 125"/>
-              <p:cNvCxnSpPr/>
-              <p:nvPr/>
-            </p:nvCxnSpPr>
-            <p:spPr>
-              <a:xfrm rot="16200000" flipV="1">
-                <a:off x="3318691" y="3529805"/>
-                <a:ext cx="928694" cy="155580"/>
-              </a:xfrm>
-              <a:prstGeom prst="straightConnector1">
-                <a:avLst/>
-              </a:prstGeom>
-              <a:ln w="38100">
-                <a:solidFill>
-                  <a:schemeClr val="bg1">
-                    <a:lumMod val="50000"/>
-                  </a:schemeClr>
-                </a:solidFill>
-                <a:tailEnd type="arrow"/>
-              </a:ln>
-            </p:spPr>
-            <p:style>
-              <a:lnRef idx="1">
-                <a:schemeClr val="accent1"/>
-              </a:lnRef>
-              <a:fillRef idx="0">
-                <a:schemeClr val="accent1"/>
-              </a:fillRef>
-              <a:effectRef idx="0">
-                <a:schemeClr val="accent1"/>
-              </a:effectRef>
-              <a:fontRef idx="minor">
-                <a:schemeClr val="tx1"/>
-              </a:fontRef>
-            </p:style>
-          </p:cxnSp>
-          <p:cxnSp>
-            <p:nvCxnSpPr>
-              <p:cNvPr id="127" name="Gerade Verbindung mit Pfeil 126"/>
-              <p:cNvCxnSpPr/>
-              <p:nvPr/>
-            </p:nvCxnSpPr>
-            <p:spPr>
-              <a:xfrm rot="5400000">
-                <a:off x="3080166" y="4411272"/>
-                <a:ext cx="607223" cy="1588"/>
-              </a:xfrm>
-              <a:prstGeom prst="straightConnector1">
-                <a:avLst/>
-              </a:prstGeom>
-              <a:ln w="38100">
-                <a:solidFill>
-                  <a:schemeClr val="bg1">
-                    <a:lumMod val="50000"/>
-                  </a:schemeClr>
-                </a:solidFill>
-                <a:tailEnd type="arrow"/>
-              </a:ln>
-            </p:spPr>
-            <p:style>
-              <a:lnRef idx="1">
-                <a:schemeClr val="accent1"/>
-              </a:lnRef>
-              <a:fillRef idx="0">
-                <a:schemeClr val="accent1"/>
-              </a:fillRef>
-              <a:effectRef idx="0">
-                <a:schemeClr val="accent1"/>
-              </a:effectRef>
-              <a:fontRef idx="minor">
-                <a:schemeClr val="tx1"/>
-              </a:fontRef>
-            </p:style>
-          </p:cxnSp>
-          <p:sp>
-            <p:nvSpPr>
-              <p:cNvPr id="128" name="Ellipse 127"/>
-              <p:cNvSpPr/>
-              <p:nvPr/>
-            </p:nvSpPr>
-            <p:spPr>
-              <a:xfrm>
-                <a:off x="3205182" y="3750471"/>
-                <a:ext cx="357190" cy="357190"/>
-              </a:xfrm>
-              <a:prstGeom prst="ellipse">
-                <a:avLst/>
-              </a:prstGeom>
-              <a:solidFill>
-                <a:srgbClr val="FFD47D"/>
-              </a:solidFill>
-              <a:ln>
-                <a:solidFill>
-                  <a:srgbClr val="FFAA01"/>
-                </a:solidFill>
-              </a:ln>
-            </p:spPr>
-            <p:style>
-              <a:lnRef idx="2">
-                <a:schemeClr val="accent1">
-                  <a:shade val="50000"/>
-                </a:schemeClr>
-              </a:lnRef>
-              <a:fillRef idx="1">
-                <a:schemeClr val="accent1"/>
-              </a:fillRef>
-              <a:effectRef idx="0">
-                <a:schemeClr val="accent1"/>
-              </a:effectRef>
-              <a:fontRef idx="minor">
-                <a:schemeClr val="lt1"/>
-              </a:fontRef>
-            </p:style>
-            <p:txBody>
-              <a:bodyPr rtlCol="0" anchor="ctr"/>
-              <a:lstStyle/>
-              <a:p>
-                <a:pPr algn="ctr"/>
-                <a:endParaRPr lang="en-US">
-                  <a:latin typeface="Arial" pitchFamily="34" charset="0"/>
-                  <a:cs typeface="Arial" pitchFamily="34" charset="0"/>
-                </a:endParaRPr>
-              </a:p>
-            </p:txBody>
-          </p:sp>
-          <p:sp>
-            <p:nvSpPr>
-              <p:cNvPr id="129" name="Ellipse 128"/>
-              <p:cNvSpPr/>
-              <p:nvPr/>
-            </p:nvSpPr>
-            <p:spPr>
-              <a:xfrm>
-                <a:off x="3682233" y="4071942"/>
-                <a:ext cx="357190" cy="357190"/>
-              </a:xfrm>
-              <a:prstGeom prst="ellipse">
-                <a:avLst/>
-              </a:prstGeom>
-              <a:solidFill>
-                <a:srgbClr val="FFD47D"/>
-              </a:solidFill>
-              <a:ln>
-                <a:solidFill>
-                  <a:srgbClr val="FFAA01"/>
-                </a:solidFill>
-              </a:ln>
-            </p:spPr>
-            <p:style>
-              <a:lnRef idx="2">
-                <a:schemeClr val="accent1">
-                  <a:shade val="50000"/>
-                </a:schemeClr>
-              </a:lnRef>
-              <a:fillRef idx="1">
-                <a:schemeClr val="accent1"/>
-              </a:fillRef>
-              <a:effectRef idx="0">
-                <a:schemeClr val="accent1"/>
-              </a:effectRef>
-              <a:fontRef idx="minor">
-                <a:schemeClr val="lt1"/>
-              </a:fontRef>
-            </p:style>
-            <p:txBody>
-              <a:bodyPr rtlCol="0" anchor="ctr"/>
-              <a:lstStyle/>
-              <a:p>
-                <a:pPr algn="ctr"/>
-                <a:endParaRPr lang="en-US">
-                  <a:latin typeface="Arial" pitchFamily="34" charset="0"/>
-                  <a:cs typeface="Arial" pitchFamily="34" charset="0"/>
-                </a:endParaRPr>
-              </a:p>
-            </p:txBody>
-          </p:sp>
-          <p:sp>
-            <p:nvSpPr>
-              <p:cNvPr id="130" name="Ellipse 129"/>
-              <p:cNvSpPr/>
-              <p:nvPr/>
-            </p:nvSpPr>
-            <p:spPr>
-              <a:xfrm>
-                <a:off x="2565416" y="3893347"/>
-                <a:ext cx="357190" cy="357190"/>
-              </a:xfrm>
-              <a:prstGeom prst="ellipse">
-                <a:avLst/>
-              </a:prstGeom>
-              <a:solidFill>
-                <a:srgbClr val="FFD47D"/>
-              </a:solidFill>
-              <a:ln>
-                <a:solidFill>
-                  <a:srgbClr val="FFAA01"/>
-                </a:solidFill>
-              </a:ln>
-            </p:spPr>
-            <p:style>
-              <a:lnRef idx="2">
-                <a:schemeClr val="accent1">
-                  <a:shade val="50000"/>
-                </a:schemeClr>
-              </a:lnRef>
-              <a:fillRef idx="1">
-                <a:schemeClr val="accent1"/>
-              </a:fillRef>
-              <a:effectRef idx="0">
-                <a:schemeClr val="accent1"/>
-              </a:effectRef>
-              <a:fontRef idx="minor">
-                <a:schemeClr val="lt1"/>
-              </a:fontRef>
-            </p:style>
-            <p:txBody>
-              <a:bodyPr rtlCol="0" anchor="ctr"/>
-              <a:lstStyle/>
-              <a:p>
-                <a:pPr algn="ctr"/>
-                <a:endParaRPr lang="en-US">
-                  <a:latin typeface="Arial" pitchFamily="34" charset="0"/>
-                  <a:cs typeface="Arial" pitchFamily="34" charset="0"/>
-                </a:endParaRPr>
-              </a:p>
-            </p:txBody>
-          </p:sp>
-          <p:sp>
-            <p:nvSpPr>
-              <p:cNvPr id="131" name="Ellipse 130"/>
-              <p:cNvSpPr/>
-              <p:nvPr/>
-            </p:nvSpPr>
-            <p:spPr>
-              <a:xfrm>
-                <a:off x="4286280" y="3929066"/>
-                <a:ext cx="357190" cy="357190"/>
-              </a:xfrm>
-              <a:prstGeom prst="ellipse">
-                <a:avLst/>
-              </a:prstGeom>
-              <a:solidFill>
-                <a:srgbClr val="FFD47D"/>
-              </a:solidFill>
-              <a:ln>
-                <a:solidFill>
-                  <a:srgbClr val="FFAA01"/>
-                </a:solidFill>
-              </a:ln>
-            </p:spPr>
-            <p:style>
-              <a:lnRef idx="2">
-                <a:schemeClr val="accent1">
-                  <a:shade val="50000"/>
-                </a:schemeClr>
-              </a:lnRef>
-              <a:fillRef idx="1">
-                <a:schemeClr val="accent1"/>
-              </a:fillRef>
-              <a:effectRef idx="0">
-                <a:schemeClr val="accent1"/>
-              </a:effectRef>
-              <a:fontRef idx="minor">
-                <a:schemeClr val="lt1"/>
-              </a:fontRef>
-            </p:style>
-            <p:txBody>
-              <a:bodyPr rtlCol="0" anchor="ctr"/>
-              <a:lstStyle/>
-              <a:p>
-                <a:pPr algn="ctr"/>
-                <a:endParaRPr lang="en-US">
-                  <a:latin typeface="Arial" pitchFamily="34" charset="0"/>
-                  <a:cs typeface="Arial" pitchFamily="34" charset="0"/>
-                </a:endParaRPr>
-              </a:p>
-            </p:txBody>
-          </p:sp>
-          <p:cxnSp>
-            <p:nvCxnSpPr>
-              <p:cNvPr id="132" name="Gerade Verbindung mit Pfeil 131"/>
-              <p:cNvCxnSpPr>
-                <a:stCxn id="129" idx="6"/>
-                <a:endCxn id="131" idx="2"/>
-              </p:cNvCxnSpPr>
-              <p:nvPr/>
-            </p:nvCxnSpPr>
-            <p:spPr>
-              <a:xfrm flipV="1">
-                <a:off x="4039423" y="4107661"/>
-                <a:ext cx="246857" cy="142876"/>
-              </a:xfrm>
-              <a:prstGeom prst="straightConnector1">
-                <a:avLst/>
-              </a:prstGeom>
-              <a:ln w="3175">
-                <a:solidFill>
-                  <a:schemeClr val="bg1">
-                    <a:lumMod val="50000"/>
-                  </a:schemeClr>
-                </a:solidFill>
-                <a:prstDash val="sysDash"/>
-                <a:tailEnd type="arrow"/>
-              </a:ln>
-            </p:spPr>
-            <p:style>
-              <a:lnRef idx="1">
-                <a:schemeClr val="accent1"/>
-              </a:lnRef>
-              <a:fillRef idx="0">
-                <a:schemeClr val="accent1"/>
-              </a:fillRef>
-              <a:effectRef idx="0">
-                <a:schemeClr val="accent1"/>
-              </a:effectRef>
-              <a:fontRef idx="minor">
-                <a:schemeClr val="tx1"/>
-              </a:fontRef>
-            </p:style>
-          </p:cxnSp>
-          <p:cxnSp>
-            <p:nvCxnSpPr>
-              <p:cNvPr id="133" name="Gerade Verbindung mit Pfeil 132"/>
-              <p:cNvCxnSpPr/>
-              <p:nvPr/>
-            </p:nvCxnSpPr>
-            <p:spPr>
-              <a:xfrm rot="5400000" flipH="1" flipV="1">
-                <a:off x="2614230" y="4214500"/>
-                <a:ext cx="802408" cy="484113"/>
-              </a:xfrm>
-              <a:prstGeom prst="straightConnector1">
-                <a:avLst/>
-              </a:prstGeom>
-              <a:ln w="38100">
-                <a:solidFill>
-                  <a:schemeClr val="bg1">
-                    <a:lumMod val="50000"/>
-                  </a:schemeClr>
-                </a:solidFill>
-                <a:tailEnd type="arrow"/>
-              </a:ln>
-            </p:spPr>
-            <p:style>
-              <a:lnRef idx="1">
-                <a:schemeClr val="accent1"/>
-              </a:lnRef>
-              <a:fillRef idx="0">
-                <a:schemeClr val="accent1"/>
-              </a:fillRef>
-              <a:effectRef idx="0">
-                <a:schemeClr val="accent1"/>
-              </a:effectRef>
-              <a:fontRef idx="minor">
-                <a:schemeClr val="tx1"/>
-              </a:fontRef>
-            </p:style>
-          </p:cxnSp>
-          <p:cxnSp>
-            <p:nvCxnSpPr>
-              <p:cNvPr id="134" name="Gerade Verbindung mit Pfeil 133"/>
-              <p:cNvCxnSpPr/>
-              <p:nvPr/>
-            </p:nvCxnSpPr>
-            <p:spPr>
-              <a:xfrm rot="5400000">
-                <a:off x="4086650" y="4515253"/>
-                <a:ext cx="607223" cy="149228"/>
-              </a:xfrm>
-              <a:prstGeom prst="straightConnector1">
-                <a:avLst/>
-              </a:prstGeom>
-              <a:ln w="38100">
-                <a:solidFill>
-                  <a:schemeClr val="bg1">
-                    <a:lumMod val="50000"/>
-                  </a:schemeClr>
-                </a:solidFill>
-                <a:tailEnd type="arrow"/>
-              </a:ln>
-            </p:spPr>
-            <p:style>
-              <a:lnRef idx="1">
-                <a:schemeClr val="accent1"/>
-              </a:lnRef>
-              <a:fillRef idx="0">
-                <a:schemeClr val="accent1"/>
-              </a:fillRef>
-              <a:effectRef idx="0">
-                <a:schemeClr val="accent1"/>
-              </a:effectRef>
-              <a:fontRef idx="minor">
-                <a:schemeClr val="tx1"/>
-              </a:fontRef>
-            </p:style>
-          </p:cxnSp>
-          <p:sp>
-            <p:nvSpPr>
-              <p:cNvPr id="135" name="Ellipse 134"/>
-              <p:cNvSpPr/>
-              <p:nvPr/>
-            </p:nvSpPr>
-            <p:spPr>
-              <a:xfrm>
-                <a:off x="2594783" y="4857760"/>
-                <a:ext cx="357190" cy="357190"/>
-              </a:xfrm>
-              <a:prstGeom prst="ellipse">
-                <a:avLst/>
-              </a:prstGeom>
-              <a:solidFill>
-                <a:srgbClr val="FFD47D"/>
-              </a:solidFill>
-              <a:ln>
-                <a:solidFill>
-                  <a:srgbClr val="FFAA01"/>
-                </a:solidFill>
-              </a:ln>
-            </p:spPr>
-            <p:style>
-              <a:lnRef idx="2">
-                <a:schemeClr val="accent1">
-                  <a:shade val="50000"/>
-                </a:schemeClr>
-              </a:lnRef>
-              <a:fillRef idx="1">
-                <a:schemeClr val="accent1"/>
-              </a:fillRef>
-              <a:effectRef idx="0">
-                <a:schemeClr val="accent1"/>
-              </a:effectRef>
-              <a:fontRef idx="minor">
-                <a:schemeClr val="lt1"/>
-              </a:fontRef>
-            </p:style>
-            <p:txBody>
-              <a:bodyPr rtlCol="0" anchor="ctr"/>
-              <a:lstStyle/>
-              <a:p>
-                <a:pPr algn="ctr"/>
-                <a:endParaRPr lang="en-US">
-                  <a:latin typeface="Arial" pitchFamily="34" charset="0"/>
-                  <a:cs typeface="Arial" pitchFamily="34" charset="0"/>
-                </a:endParaRPr>
-              </a:p>
-            </p:txBody>
-          </p:sp>
-          <p:sp>
-            <p:nvSpPr>
-              <p:cNvPr id="136" name="Ellipse 135"/>
-              <p:cNvSpPr/>
-              <p:nvPr/>
-            </p:nvSpPr>
-            <p:spPr>
-              <a:xfrm>
-                <a:off x="3026587" y="5250669"/>
-                <a:ext cx="357190" cy="357190"/>
-              </a:xfrm>
-              <a:prstGeom prst="ellipse">
-                <a:avLst/>
-              </a:prstGeom>
-              <a:solidFill>
-                <a:srgbClr val="FFD47D"/>
-              </a:solidFill>
-              <a:ln>
-                <a:solidFill>
-                  <a:srgbClr val="FFAA01"/>
-                </a:solidFill>
-              </a:ln>
-            </p:spPr>
-            <p:style>
-              <a:lnRef idx="2">
-                <a:schemeClr val="accent1">
-                  <a:shade val="50000"/>
-                </a:schemeClr>
-              </a:lnRef>
-              <a:fillRef idx="1">
-                <a:schemeClr val="accent1"/>
-              </a:fillRef>
-              <a:effectRef idx="0">
-                <a:schemeClr val="accent1"/>
-              </a:effectRef>
-              <a:fontRef idx="minor">
-                <a:schemeClr val="lt1"/>
-              </a:fontRef>
-            </p:style>
-            <p:txBody>
-              <a:bodyPr rtlCol="0" anchor="ctr"/>
-              <a:lstStyle/>
-              <a:p>
-                <a:pPr algn="ctr"/>
-                <a:endParaRPr lang="en-US">
-                  <a:latin typeface="Arial" pitchFamily="34" charset="0"/>
-                  <a:cs typeface="Arial" pitchFamily="34" charset="0"/>
-                </a:endParaRPr>
-              </a:p>
-            </p:txBody>
-          </p:sp>
-          <p:sp>
-            <p:nvSpPr>
-              <p:cNvPr id="137" name="Ellipse 136"/>
-              <p:cNvSpPr/>
-              <p:nvPr/>
-            </p:nvSpPr>
-            <p:spPr>
-              <a:xfrm>
-                <a:off x="4137052" y="4893479"/>
-                <a:ext cx="357190" cy="357190"/>
-              </a:xfrm>
-              <a:prstGeom prst="ellipse">
-                <a:avLst/>
-              </a:prstGeom>
-              <a:solidFill>
-                <a:srgbClr val="FFD47D"/>
-              </a:solidFill>
-              <a:ln>
-                <a:solidFill>
-                  <a:srgbClr val="FFAA01"/>
-                </a:solidFill>
-              </a:ln>
-            </p:spPr>
-            <p:style>
-              <a:lnRef idx="2">
-                <a:schemeClr val="accent1">
-                  <a:shade val="50000"/>
-                </a:schemeClr>
-              </a:lnRef>
-              <a:fillRef idx="1">
-                <a:schemeClr val="accent1"/>
-              </a:fillRef>
-              <a:effectRef idx="0">
-                <a:schemeClr val="accent1"/>
-              </a:effectRef>
-              <a:fontRef idx="minor">
-                <a:schemeClr val="lt1"/>
-              </a:fontRef>
-            </p:style>
-            <p:txBody>
-              <a:bodyPr rtlCol="0" anchor="ctr"/>
-              <a:lstStyle/>
-              <a:p>
-                <a:pPr algn="ctr"/>
-                <a:endParaRPr lang="en-US">
-                  <a:latin typeface="Arial" pitchFamily="34" charset="0"/>
-                  <a:cs typeface="Arial" pitchFamily="34" charset="0"/>
-                </a:endParaRPr>
-              </a:p>
-            </p:txBody>
-          </p:sp>
-          <p:sp>
-            <p:nvSpPr>
-              <p:cNvPr id="138" name="Ellipse 137"/>
-              <p:cNvSpPr/>
-              <p:nvPr/>
-            </p:nvSpPr>
-            <p:spPr>
-              <a:xfrm>
-                <a:off x="3205182" y="4714884"/>
-                <a:ext cx="357190" cy="357190"/>
-              </a:xfrm>
-              <a:prstGeom prst="ellipse">
-                <a:avLst/>
-              </a:prstGeom>
-              <a:solidFill>
-                <a:srgbClr val="FFD47D"/>
-              </a:solidFill>
-              <a:ln>
-                <a:solidFill>
-                  <a:srgbClr val="FFAA01"/>
-                </a:solidFill>
-              </a:ln>
-            </p:spPr>
-            <p:style>
-              <a:lnRef idx="2">
-                <a:schemeClr val="accent1">
-                  <a:shade val="50000"/>
-                </a:schemeClr>
-              </a:lnRef>
-              <a:fillRef idx="1">
-                <a:schemeClr val="accent1"/>
-              </a:fillRef>
-              <a:effectRef idx="0">
-                <a:schemeClr val="accent1"/>
-              </a:effectRef>
-              <a:fontRef idx="minor">
-                <a:schemeClr val="lt1"/>
-              </a:fontRef>
-            </p:style>
-            <p:txBody>
-              <a:bodyPr rtlCol="0" anchor="ctr"/>
-              <a:lstStyle/>
-              <a:p>
-                <a:pPr algn="ctr"/>
-                <a:endParaRPr lang="en-US">
-                  <a:latin typeface="Arial" pitchFamily="34" charset="0"/>
-                  <a:cs typeface="Arial" pitchFamily="34" charset="0"/>
-                </a:endParaRPr>
-              </a:p>
-            </p:txBody>
-          </p:sp>
-          <p:sp>
-            <p:nvSpPr>
-              <p:cNvPr id="140" name="Ellipse 139"/>
-              <p:cNvSpPr/>
-              <p:nvPr/>
-            </p:nvSpPr>
-            <p:spPr>
-              <a:xfrm>
-                <a:off x="3562372" y="5072074"/>
-                <a:ext cx="357190" cy="357190"/>
-              </a:xfrm>
-              <a:prstGeom prst="ellipse">
-                <a:avLst/>
-              </a:prstGeom>
-              <a:solidFill>
-                <a:srgbClr val="FFD47D"/>
-              </a:solidFill>
-              <a:ln>
-                <a:solidFill>
-                  <a:srgbClr val="FFAA01"/>
-                </a:solidFill>
-              </a:ln>
-            </p:spPr>
-            <p:style>
-              <a:lnRef idx="2">
-                <a:schemeClr val="accent1">
-                  <a:shade val="50000"/>
-                </a:schemeClr>
-              </a:lnRef>
-              <a:fillRef idx="1">
-                <a:schemeClr val="accent1"/>
-              </a:fillRef>
-              <a:effectRef idx="0">
-                <a:schemeClr val="accent1"/>
-              </a:effectRef>
-              <a:fontRef idx="minor">
-                <a:schemeClr val="lt1"/>
-              </a:fontRef>
-            </p:style>
-            <p:txBody>
-              <a:bodyPr rtlCol="0" anchor="ctr"/>
-              <a:lstStyle/>
-              <a:p>
-                <a:pPr algn="ctr"/>
-                <a:endParaRPr lang="en-US">
-                  <a:latin typeface="Arial" pitchFamily="34" charset="0"/>
-                  <a:cs typeface="Arial" pitchFamily="34" charset="0"/>
-                </a:endParaRPr>
-              </a:p>
-            </p:txBody>
-          </p:sp>
-          <p:cxnSp>
-            <p:nvCxnSpPr>
-              <p:cNvPr id="141" name="Gerade Verbindung mit Pfeil 140"/>
-              <p:cNvCxnSpPr>
-                <a:stCxn id="136" idx="6"/>
-                <a:endCxn id="140" idx="3"/>
-              </p:cNvCxnSpPr>
-              <p:nvPr/>
-            </p:nvCxnSpPr>
-            <p:spPr>
-              <a:xfrm flipV="1">
-                <a:off x="3383777" y="5376955"/>
-                <a:ext cx="230904" cy="52309"/>
-              </a:xfrm>
-              <a:prstGeom prst="straightConnector1">
-                <a:avLst/>
-              </a:prstGeom>
-              <a:ln w="3175">
-                <a:solidFill>
-                  <a:schemeClr val="bg1">
-                    <a:lumMod val="50000"/>
-                  </a:schemeClr>
-                </a:solidFill>
-                <a:prstDash val="sysDash"/>
-                <a:tailEnd type="arrow"/>
-              </a:ln>
-            </p:spPr>
-            <p:style>
-              <a:lnRef idx="1">
-                <a:schemeClr val="accent1"/>
-              </a:lnRef>
-              <a:fillRef idx="0">
-                <a:schemeClr val="accent1"/>
-              </a:fillRef>
-              <a:effectRef idx="0">
-                <a:schemeClr val="accent1"/>
-              </a:effectRef>
-              <a:fontRef idx="minor">
-                <a:schemeClr val="tx1"/>
-              </a:fontRef>
-            </p:style>
-          </p:cxnSp>
-          <p:cxnSp>
-            <p:nvCxnSpPr>
-              <p:cNvPr id="142" name="Gerade Verbindung mit Pfeil 141"/>
-              <p:cNvCxnSpPr>
-                <a:stCxn id="138" idx="2"/>
-                <a:endCxn id="135" idx="6"/>
-              </p:cNvCxnSpPr>
-              <p:nvPr/>
-            </p:nvCxnSpPr>
-            <p:spPr>
-              <a:xfrm rot="10800000" flipV="1">
-                <a:off x="2951974" y="4893479"/>
-                <a:ext cx="253209" cy="142876"/>
-              </a:xfrm>
-              <a:prstGeom prst="straightConnector1">
-                <a:avLst/>
-              </a:prstGeom>
-              <a:ln w="3175">
-                <a:solidFill>
-                  <a:schemeClr val="bg1">
-                    <a:lumMod val="50000"/>
-                  </a:schemeClr>
-                </a:solidFill>
-                <a:prstDash val="sysDash"/>
-                <a:tailEnd type="arrow"/>
-              </a:ln>
-            </p:spPr>
-            <p:style>
-              <a:lnRef idx="1">
-                <a:schemeClr val="accent1"/>
-              </a:lnRef>
-              <a:fillRef idx="0">
-                <a:schemeClr val="accent1"/>
-              </a:fillRef>
-              <a:effectRef idx="0">
-                <a:schemeClr val="accent1"/>
-              </a:effectRef>
-              <a:fontRef idx="minor">
-                <a:schemeClr val="tx1"/>
-              </a:fontRef>
-            </p:style>
-          </p:cxnSp>
-          <p:cxnSp>
-            <p:nvCxnSpPr>
-              <p:cNvPr id="143" name="Gerade Verbindung mit Pfeil 142"/>
-              <p:cNvCxnSpPr>
-                <a:stCxn id="135" idx="4"/>
-                <a:endCxn id="136" idx="2"/>
-              </p:cNvCxnSpPr>
-              <p:nvPr/>
-            </p:nvCxnSpPr>
-            <p:spPr>
-              <a:xfrm rot="16200000" flipH="1">
-                <a:off x="2792825" y="5195502"/>
-                <a:ext cx="214314" cy="253209"/>
-              </a:xfrm>
-              <a:prstGeom prst="straightConnector1">
-                <a:avLst/>
-              </a:prstGeom>
-              <a:ln w="3175">
-                <a:solidFill>
-                  <a:schemeClr val="bg1">
-                    <a:lumMod val="50000"/>
-                  </a:schemeClr>
-                </a:solidFill>
-                <a:prstDash val="sysDash"/>
-                <a:tailEnd type="arrow"/>
-              </a:ln>
-            </p:spPr>
-            <p:style>
-              <a:lnRef idx="1">
-                <a:schemeClr val="accent1"/>
-              </a:lnRef>
-              <a:fillRef idx="0">
-                <a:schemeClr val="accent1"/>
-              </a:fillRef>
-              <a:effectRef idx="0">
-                <a:schemeClr val="accent1"/>
-              </a:effectRef>
-              <a:fontRef idx="minor">
-                <a:schemeClr val="tx1"/>
-              </a:fontRef>
-            </p:style>
-          </p:cxnSp>
-          <p:cxnSp>
-            <p:nvCxnSpPr>
-              <p:cNvPr id="144" name="Gerade Verbindung mit Pfeil 143"/>
-              <p:cNvCxnSpPr>
-                <a:stCxn id="138" idx="6"/>
-                <a:endCxn id="137" idx="1"/>
-              </p:cNvCxnSpPr>
-              <p:nvPr/>
-            </p:nvCxnSpPr>
-            <p:spPr>
-              <a:xfrm>
-                <a:off x="3562372" y="4893479"/>
-                <a:ext cx="626989" cy="52309"/>
-              </a:xfrm>
-              <a:prstGeom prst="straightConnector1">
-                <a:avLst/>
-              </a:prstGeom>
-              <a:ln w="3175">
-                <a:solidFill>
-                  <a:schemeClr val="bg1">
-                    <a:lumMod val="50000"/>
-                  </a:schemeClr>
-                </a:solidFill>
-                <a:prstDash val="sysDash"/>
-                <a:tailEnd type="arrow"/>
-              </a:ln>
-            </p:spPr>
-            <p:style>
-              <a:lnRef idx="1">
-                <a:schemeClr val="accent1"/>
-              </a:lnRef>
-              <a:fillRef idx="0">
-                <a:schemeClr val="accent1"/>
-              </a:fillRef>
-              <a:effectRef idx="0">
-                <a:schemeClr val="accent1"/>
-              </a:effectRef>
-              <a:fontRef idx="minor">
-                <a:schemeClr val="tx1"/>
-              </a:fontRef>
-            </p:style>
-          </p:cxnSp>
-          <p:cxnSp>
-            <p:nvCxnSpPr>
-              <p:cNvPr id="145" name="Gerade Verbindung mit Pfeil 144"/>
-              <p:cNvCxnSpPr>
-                <a:endCxn id="137" idx="2"/>
-              </p:cNvCxnSpPr>
-              <p:nvPr/>
-            </p:nvCxnSpPr>
-            <p:spPr>
-              <a:xfrm flipV="1">
-                <a:off x="3935441" y="5072074"/>
-                <a:ext cx="201611" cy="142878"/>
-              </a:xfrm>
-              <a:prstGeom prst="straightConnector1">
-                <a:avLst/>
-              </a:prstGeom>
-              <a:ln w="3175">
-                <a:solidFill>
-                  <a:schemeClr val="bg1">
-                    <a:lumMod val="50000"/>
-                  </a:schemeClr>
-                </a:solidFill>
-                <a:prstDash val="sysDash"/>
-                <a:tailEnd type="arrow"/>
-              </a:ln>
-            </p:spPr>
-            <p:style>
-              <a:lnRef idx="1">
-                <a:schemeClr val="accent1"/>
-              </a:lnRef>
-              <a:fillRef idx="0">
-                <a:schemeClr val="accent1"/>
-              </a:fillRef>
-              <a:effectRef idx="0">
-                <a:schemeClr val="accent1"/>
-              </a:effectRef>
-              <a:fontRef idx="minor">
-                <a:schemeClr val="tx1"/>
-              </a:fontRef>
-            </p:style>
-          </p:cxnSp>
-          <p:cxnSp>
-            <p:nvCxnSpPr>
-              <p:cNvPr id="146" name="Gerade Verbindung mit Pfeil 145"/>
-              <p:cNvCxnSpPr>
-                <a:stCxn id="128" idx="6"/>
-                <a:endCxn id="129" idx="1"/>
-              </p:cNvCxnSpPr>
-              <p:nvPr/>
-            </p:nvCxnSpPr>
-            <p:spPr>
-              <a:xfrm>
-                <a:off x="3562372" y="3929066"/>
-                <a:ext cx="172170" cy="195185"/>
-              </a:xfrm>
-              <a:prstGeom prst="straightConnector1">
-                <a:avLst/>
-              </a:prstGeom>
-              <a:ln w="3175">
-                <a:solidFill>
-                  <a:schemeClr val="bg1">
-                    <a:lumMod val="50000"/>
-                  </a:schemeClr>
-                </a:solidFill>
-                <a:prstDash val="sysDash"/>
-                <a:tailEnd type="arrow"/>
-              </a:ln>
-            </p:spPr>
-            <p:style>
-              <a:lnRef idx="1">
-                <a:schemeClr val="accent1"/>
-              </a:lnRef>
-              <a:fillRef idx="0">
-                <a:schemeClr val="accent1"/>
-              </a:fillRef>
-              <a:effectRef idx="0">
-                <a:schemeClr val="accent1"/>
-              </a:effectRef>
-              <a:fontRef idx="minor">
-                <a:schemeClr val="tx1"/>
-              </a:fontRef>
-            </p:style>
-          </p:cxnSp>
-          <p:cxnSp>
-            <p:nvCxnSpPr>
-              <p:cNvPr id="147" name="Gerade Verbindung mit Pfeil 146"/>
-              <p:cNvCxnSpPr>
-                <a:stCxn id="128" idx="2"/>
-                <a:endCxn id="130" idx="6"/>
-              </p:cNvCxnSpPr>
-              <p:nvPr/>
-            </p:nvCxnSpPr>
-            <p:spPr>
-              <a:xfrm rot="10800000" flipV="1">
-                <a:off x="2922606" y="3929066"/>
-                <a:ext cx="282576" cy="142876"/>
-              </a:xfrm>
-              <a:prstGeom prst="straightConnector1">
-                <a:avLst/>
-              </a:prstGeom>
-              <a:ln w="3175">
-                <a:solidFill>
-                  <a:schemeClr val="bg1">
-                    <a:lumMod val="50000"/>
-                  </a:schemeClr>
-                </a:solidFill>
-                <a:prstDash val="sysDash"/>
-                <a:tailEnd type="arrow"/>
-              </a:ln>
-            </p:spPr>
-            <p:style>
-              <a:lnRef idx="1">
-                <a:schemeClr val="accent1"/>
-              </a:lnRef>
-              <a:fillRef idx="0">
-                <a:schemeClr val="accent1"/>
-              </a:fillRef>
-              <a:effectRef idx="0">
-                <a:schemeClr val="accent1"/>
-              </a:effectRef>
-              <a:fontRef idx="minor">
-                <a:schemeClr val="tx1"/>
-              </a:fontRef>
-            </p:style>
-          </p:cxnSp>
-        </p:grpSp>
-        <p:sp>
-          <p:nvSpPr>
-            <p:cNvPr id="148" name="Abgerundetes Rechteck 147"/>
-            <p:cNvSpPr/>
-            <p:nvPr/>
-          </p:nvSpPr>
-          <p:spPr>
-            <a:xfrm>
-              <a:off x="4652783" y="107134"/>
-              <a:ext cx="1506058" cy="3286148"/>
-            </a:xfrm>
-            <a:prstGeom prst="roundRect">
-              <a:avLst>
-                <a:gd name="adj" fmla="val 9406"/>
-              </a:avLst>
-            </a:prstGeom>
-            <a:solidFill>
-              <a:srgbClr val="FFD47D"/>
-            </a:solidFill>
-            <a:ln w="57150">
-              <a:solidFill>
-                <a:srgbClr val="FFAA01"/>
+                <a:srgbClr val="00B050"/>
               </a:solidFill>
             </a:ln>
           </p:spPr>
@@ -20633,12 +19645,4827 @@
                   <a:latin typeface="Arial" pitchFamily="34" charset="0"/>
                   <a:cs typeface="Arial" pitchFamily="34" charset="0"/>
                 </a:rPr>
-                <a:t>ResourceSet</a:t>
+                <a:t>Protocol</a:t>
+              </a:r>
+            </a:p>
+          </p:txBody>
+        </p:sp>
+        <p:grpSp>
+          <p:nvGrpSpPr>
+            <p:cNvPr id="29" name="Gruppieren 160"/>
+            <p:cNvGrpSpPr/>
+            <p:nvPr/>
+          </p:nvGrpSpPr>
+          <p:grpSpPr>
+            <a:xfrm>
+              <a:off x="3334307" y="4135632"/>
+              <a:ext cx="2326458" cy="642943"/>
+              <a:chOff x="5674566" y="1071546"/>
+              <a:chExt cx="2326458" cy="1285884"/>
+            </a:xfrm>
+          </p:grpSpPr>
+          <p:sp>
+            <p:nvSpPr>
+              <p:cNvPr id="30" name="Abgerundetes Rechteck 29"/>
+              <p:cNvSpPr/>
+              <p:nvPr/>
+            </p:nvSpPr>
+            <p:spPr>
+              <a:xfrm>
+                <a:off x="5674566" y="1222171"/>
+                <a:ext cx="2143140" cy="1135259"/>
+              </a:xfrm>
+              <a:prstGeom prst="roundRect">
+                <a:avLst>
+                  <a:gd name="adj" fmla="val 6160"/>
+                </a:avLst>
+              </a:prstGeom>
+              <a:solidFill>
+                <a:schemeClr val="accent1">
+                  <a:lumMod val="60000"/>
+                  <a:lumOff val="40000"/>
+                </a:schemeClr>
+              </a:solidFill>
+              <a:ln>
+                <a:solidFill>
+                  <a:schemeClr val="accent1">
+                    <a:lumMod val="75000"/>
+                  </a:schemeClr>
+                </a:solidFill>
+              </a:ln>
+            </p:spPr>
+            <p:style>
+              <a:lnRef idx="2">
+                <a:schemeClr val="accent1">
+                  <a:shade val="50000"/>
+                </a:schemeClr>
+              </a:lnRef>
+              <a:fillRef idx="1">
+                <a:schemeClr val="accent1"/>
+              </a:fillRef>
+              <a:effectRef idx="0">
+                <a:schemeClr val="accent1"/>
+              </a:effectRef>
+              <a:fontRef idx="minor">
+                <a:schemeClr val="lt1"/>
+              </a:fontRef>
+            </p:style>
+            <p:txBody>
+              <a:bodyPr rtlCol="0" anchor="ctr"/>
+              <a:lstStyle/>
+              <a:p>
+                <a:pPr algn="ctr"/>
+                <a:r>
+                  <a:rPr lang="en-US" smtClean="0">
+                    <a:solidFill>
+                      <a:schemeClr val="bg1"/>
+                    </a:solidFill>
+                    <a:latin typeface="Arial" pitchFamily="34" charset="0"/>
+                    <a:cs typeface="Arial" pitchFamily="34" charset="0"/>
+                  </a:rPr>
+                  <a:t>Transaction</a:t>
+                </a:r>
+              </a:p>
+            </p:txBody>
+          </p:sp>
+          <p:sp>
+            <p:nvSpPr>
+              <p:cNvPr id="31" name="Abgerundetes Rechteck 30"/>
+              <p:cNvSpPr/>
+              <p:nvPr/>
+            </p:nvSpPr>
+            <p:spPr>
+              <a:xfrm>
+                <a:off x="5766414" y="1150733"/>
+                <a:ext cx="2143140" cy="1135259"/>
+              </a:xfrm>
+              <a:prstGeom prst="roundRect">
+                <a:avLst>
+                  <a:gd name="adj" fmla="val 6160"/>
+                </a:avLst>
+              </a:prstGeom>
+              <a:solidFill>
+                <a:schemeClr val="accent1">
+                  <a:lumMod val="60000"/>
+                  <a:lumOff val="40000"/>
+                </a:schemeClr>
+              </a:solidFill>
+              <a:ln>
+                <a:solidFill>
+                  <a:schemeClr val="accent1">
+                    <a:lumMod val="75000"/>
+                  </a:schemeClr>
+                </a:solidFill>
+              </a:ln>
+            </p:spPr>
+            <p:style>
+              <a:lnRef idx="2">
+                <a:schemeClr val="accent1">
+                  <a:shade val="50000"/>
+                </a:schemeClr>
+              </a:lnRef>
+              <a:fillRef idx="1">
+                <a:schemeClr val="accent1"/>
+              </a:fillRef>
+              <a:effectRef idx="0">
+                <a:schemeClr val="accent1"/>
+              </a:effectRef>
+              <a:fontRef idx="minor">
+                <a:schemeClr val="lt1"/>
+              </a:fontRef>
+            </p:style>
+            <p:txBody>
+              <a:bodyPr rtlCol="0" anchor="ctr"/>
+              <a:lstStyle/>
+              <a:p>
+                <a:pPr algn="ctr"/>
+                <a:r>
+                  <a:rPr lang="en-US" smtClean="0">
+                    <a:solidFill>
+                      <a:schemeClr val="bg1"/>
+                    </a:solidFill>
+                    <a:latin typeface="Arial" pitchFamily="34" charset="0"/>
+                    <a:cs typeface="Arial" pitchFamily="34" charset="0"/>
+                  </a:rPr>
+                  <a:t>Transaction</a:t>
+                </a:r>
+              </a:p>
+            </p:txBody>
+          </p:sp>
+          <p:sp>
+            <p:nvSpPr>
+              <p:cNvPr id="32" name="Abgerundetes Rechteck 31"/>
+              <p:cNvSpPr/>
+              <p:nvPr/>
+            </p:nvSpPr>
+            <p:spPr>
+              <a:xfrm>
+                <a:off x="5857884" y="1071546"/>
+                <a:ext cx="2143140" cy="1135259"/>
+              </a:xfrm>
+              <a:prstGeom prst="roundRect">
+                <a:avLst>
+                  <a:gd name="adj" fmla="val 6160"/>
+                </a:avLst>
+              </a:prstGeom>
+              <a:solidFill>
+                <a:schemeClr val="accent1">
+                  <a:lumMod val="60000"/>
+                  <a:lumOff val="40000"/>
+                </a:schemeClr>
+              </a:solidFill>
+              <a:ln>
+                <a:solidFill>
+                  <a:schemeClr val="accent1">
+                    <a:lumMod val="75000"/>
+                  </a:schemeClr>
+                </a:solidFill>
+              </a:ln>
+            </p:spPr>
+            <p:style>
+              <a:lnRef idx="2">
+                <a:schemeClr val="accent1">
+                  <a:shade val="50000"/>
+                </a:schemeClr>
+              </a:lnRef>
+              <a:fillRef idx="1">
+                <a:schemeClr val="accent1"/>
+              </a:fillRef>
+              <a:effectRef idx="0">
+                <a:schemeClr val="accent1"/>
+              </a:effectRef>
+              <a:fontRef idx="minor">
+                <a:schemeClr val="lt1"/>
+              </a:fontRef>
+            </p:style>
+            <p:txBody>
+              <a:bodyPr rtlCol="0" anchor="ctr"/>
+              <a:lstStyle/>
+              <a:p>
+                <a:pPr algn="ctr"/>
+                <a:r>
+                  <a:rPr lang="en-US" smtClean="0">
+                    <a:solidFill>
+                      <a:schemeClr val="bg1"/>
+                    </a:solidFill>
+                    <a:latin typeface="Arial" pitchFamily="34" charset="0"/>
+                    <a:cs typeface="Arial" pitchFamily="34" charset="0"/>
+                  </a:rPr>
+                  <a:t>Transaction</a:t>
+                </a:r>
+              </a:p>
+            </p:txBody>
+          </p:sp>
+        </p:grpSp>
+      </p:grpSp>
+      <p:grpSp>
+        <p:nvGrpSpPr>
+          <p:cNvPr id="33" name="Gruppieren 32"/>
+          <p:cNvGrpSpPr/>
+          <p:nvPr/>
+        </p:nvGrpSpPr>
+        <p:grpSpPr>
+          <a:xfrm>
+            <a:off x="5969386" y="3571876"/>
+            <a:ext cx="2531704" cy="2361783"/>
+            <a:chOff x="3234710" y="3571876"/>
+            <a:chExt cx="2531704" cy="2361783"/>
+          </a:xfrm>
+        </p:grpSpPr>
+        <p:sp>
+          <p:nvSpPr>
+            <p:cNvPr id="34" name="Abgerundetes Rechteck 33"/>
+            <p:cNvSpPr/>
+            <p:nvPr/>
+          </p:nvSpPr>
+          <p:spPr>
+            <a:xfrm>
+              <a:off x="3234710" y="3571876"/>
+              <a:ext cx="2531704" cy="2176694"/>
+            </a:xfrm>
+            <a:prstGeom prst="roundRect">
+              <a:avLst>
+                <a:gd name="adj" fmla="val 7994"/>
+              </a:avLst>
+            </a:prstGeom>
+            <a:solidFill>
+              <a:schemeClr val="accent1">
+                <a:lumMod val="40000"/>
+                <a:lumOff val="60000"/>
+              </a:schemeClr>
+            </a:solidFill>
+            <a:ln w="57150">
+              <a:solidFill>
+                <a:schemeClr val="accent1">
+                  <a:lumMod val="60000"/>
+                  <a:lumOff val="40000"/>
+                </a:schemeClr>
+              </a:solidFill>
+            </a:ln>
+          </p:spPr>
+          <p:style>
+            <a:lnRef idx="2">
+              <a:schemeClr val="accent1">
+                <a:shade val="50000"/>
+              </a:schemeClr>
+            </a:lnRef>
+            <a:fillRef idx="1">
+              <a:schemeClr val="accent1"/>
+            </a:fillRef>
+            <a:effectRef idx="0">
+              <a:schemeClr val="accent1"/>
+            </a:effectRef>
+            <a:fontRef idx="minor">
+              <a:schemeClr val="lt1"/>
+            </a:fontRef>
+          </p:style>
+          <p:txBody>
+            <a:bodyPr rtlCol="0" anchor="t"/>
+            <a:lstStyle/>
+            <a:p>
+              <a:pPr algn="ctr"/>
+              <a:r>
+                <a:rPr lang="en-US" sz="2000" b="1" smtClean="0">
+                  <a:solidFill>
+                    <a:schemeClr val="bg1">
+                      <a:lumMod val="50000"/>
+                    </a:schemeClr>
+                  </a:solidFill>
+                  <a:latin typeface="Arial" pitchFamily="34" charset="0"/>
+                  <a:cs typeface="Arial" pitchFamily="34" charset="0"/>
+                </a:rPr>
+                <a:t>Session</a:t>
               </a:r>
             </a:p>
             <a:p>
               <a:pPr algn="ctr"/>
-              <a:endParaRPr lang="en-US" sz="1600" b="1" smtClean="0">
+              <a:endParaRPr lang="en-US" sz="2000" b="1" smtClean="0">
+                <a:solidFill>
+                  <a:schemeClr val="bg1">
+                    <a:lumMod val="50000"/>
+                  </a:schemeClr>
+                </a:solidFill>
+                <a:latin typeface="Arial" pitchFamily="34" charset="0"/>
+                <a:cs typeface="Arial" pitchFamily="34" charset="0"/>
+              </a:endParaRPr>
+            </a:p>
+          </p:txBody>
+        </p:sp>
+        <p:sp>
+          <p:nvSpPr>
+            <p:cNvPr id="35" name="Abgerundetes Rechteck 34"/>
+            <p:cNvSpPr/>
+            <p:nvPr/>
+          </p:nvSpPr>
+          <p:spPr>
+            <a:xfrm>
+              <a:off x="3317112" y="4921449"/>
+              <a:ext cx="2357454" cy="500066"/>
+            </a:xfrm>
+            <a:prstGeom prst="roundRect">
+              <a:avLst>
+                <a:gd name="adj" fmla="val 7105"/>
+              </a:avLst>
+            </a:prstGeom>
+            <a:solidFill>
+              <a:schemeClr val="accent1">
+                <a:lumMod val="20000"/>
+                <a:lumOff val="80000"/>
+              </a:schemeClr>
+            </a:solidFill>
+            <a:ln>
+              <a:solidFill>
+                <a:schemeClr val="accent1">
+                  <a:lumMod val="60000"/>
+                  <a:lumOff val="40000"/>
+                </a:schemeClr>
+              </a:solidFill>
+            </a:ln>
+          </p:spPr>
+          <p:style>
+            <a:lnRef idx="2">
+              <a:schemeClr val="accent1">
+                <a:shade val="50000"/>
+              </a:schemeClr>
+            </a:lnRef>
+            <a:fillRef idx="1">
+              <a:schemeClr val="accent1"/>
+            </a:fillRef>
+            <a:effectRef idx="0">
+              <a:schemeClr val="accent1"/>
+            </a:effectRef>
+            <a:fontRef idx="minor">
+              <a:schemeClr val="lt1"/>
+            </a:fontRef>
+          </p:style>
+          <p:txBody>
+            <a:bodyPr rtlCol="0" anchor="ctr"/>
+            <a:lstStyle/>
+            <a:p>
+              <a:pPr algn="ctr"/>
+              <a:r>
+                <a:rPr lang="en-US" smtClean="0">
+                  <a:solidFill>
+                    <a:schemeClr val="bg1">
+                      <a:lumMod val="50000"/>
+                    </a:schemeClr>
+                  </a:solidFill>
+                  <a:latin typeface="Arial" pitchFamily="34" charset="0"/>
+                  <a:cs typeface="Arial" pitchFamily="34" charset="0"/>
+                </a:rPr>
+                <a:t>Package Registry</a:t>
+              </a:r>
+            </a:p>
+          </p:txBody>
+        </p:sp>
+        <p:sp>
+          <p:nvSpPr>
+            <p:cNvPr id="36" name="Abgerundetes Rechteck 35"/>
+            <p:cNvSpPr/>
+            <p:nvPr/>
+          </p:nvSpPr>
+          <p:spPr>
+            <a:xfrm>
+              <a:off x="3500429" y="5572140"/>
+              <a:ext cx="1913761" cy="361519"/>
+            </a:xfrm>
+            <a:prstGeom prst="roundRect">
+              <a:avLst/>
+            </a:prstGeom>
+            <a:solidFill>
+              <a:schemeClr val="accent3">
+                <a:lumMod val="40000"/>
+                <a:lumOff val="60000"/>
+              </a:schemeClr>
+            </a:solidFill>
+            <a:ln>
+              <a:solidFill>
+                <a:srgbClr val="00B050"/>
+              </a:solidFill>
+            </a:ln>
+          </p:spPr>
+          <p:style>
+            <a:lnRef idx="2">
+              <a:schemeClr val="accent1">
+                <a:shade val="50000"/>
+              </a:schemeClr>
+            </a:lnRef>
+            <a:fillRef idx="1">
+              <a:schemeClr val="accent1"/>
+            </a:fillRef>
+            <a:effectRef idx="0">
+              <a:schemeClr val="accent1"/>
+            </a:effectRef>
+            <a:fontRef idx="minor">
+              <a:schemeClr val="lt1"/>
+            </a:fontRef>
+          </p:style>
+          <p:txBody>
+            <a:bodyPr rtlCol="0" anchor="ctr"/>
+            <a:lstStyle/>
+            <a:p>
+              <a:pPr algn="ctr"/>
+              <a:r>
+                <a:rPr lang="en-US" sz="1600" b="1" smtClean="0">
+                  <a:solidFill>
+                    <a:schemeClr val="bg1">
+                      <a:lumMod val="50000"/>
+                    </a:schemeClr>
+                  </a:solidFill>
+                  <a:latin typeface="Arial" pitchFamily="34" charset="0"/>
+                  <a:cs typeface="Arial" pitchFamily="34" charset="0"/>
+                </a:rPr>
+                <a:t>Protocol</a:t>
+              </a:r>
+            </a:p>
+          </p:txBody>
+        </p:sp>
+        <p:grpSp>
+          <p:nvGrpSpPr>
+            <p:cNvPr id="37" name="Gruppieren 160"/>
+            <p:cNvGrpSpPr/>
+            <p:nvPr/>
+          </p:nvGrpSpPr>
+          <p:grpSpPr>
+            <a:xfrm>
+              <a:off x="3334307" y="4135632"/>
+              <a:ext cx="2326458" cy="642943"/>
+              <a:chOff x="5674566" y="1071546"/>
+              <a:chExt cx="2326458" cy="1285884"/>
+            </a:xfrm>
+          </p:grpSpPr>
+          <p:sp>
+            <p:nvSpPr>
+              <p:cNvPr id="38" name="Abgerundetes Rechteck 37"/>
+              <p:cNvSpPr/>
+              <p:nvPr/>
+            </p:nvSpPr>
+            <p:spPr>
+              <a:xfrm>
+                <a:off x="5674566" y="1222171"/>
+                <a:ext cx="2143140" cy="1135259"/>
+              </a:xfrm>
+              <a:prstGeom prst="roundRect">
+                <a:avLst>
+                  <a:gd name="adj" fmla="val 6160"/>
+                </a:avLst>
+              </a:prstGeom>
+              <a:solidFill>
+                <a:schemeClr val="accent1">
+                  <a:lumMod val="60000"/>
+                  <a:lumOff val="40000"/>
+                </a:schemeClr>
+              </a:solidFill>
+              <a:ln>
+                <a:solidFill>
+                  <a:schemeClr val="accent1">
+                    <a:lumMod val="75000"/>
+                  </a:schemeClr>
+                </a:solidFill>
+              </a:ln>
+            </p:spPr>
+            <p:style>
+              <a:lnRef idx="2">
+                <a:schemeClr val="accent1">
+                  <a:shade val="50000"/>
+                </a:schemeClr>
+              </a:lnRef>
+              <a:fillRef idx="1">
+                <a:schemeClr val="accent1"/>
+              </a:fillRef>
+              <a:effectRef idx="0">
+                <a:schemeClr val="accent1"/>
+              </a:effectRef>
+              <a:fontRef idx="minor">
+                <a:schemeClr val="lt1"/>
+              </a:fontRef>
+            </p:style>
+            <p:txBody>
+              <a:bodyPr rtlCol="0" anchor="ctr"/>
+              <a:lstStyle/>
+              <a:p>
+                <a:pPr algn="ctr"/>
+                <a:r>
+                  <a:rPr lang="en-US" smtClean="0">
+                    <a:solidFill>
+                      <a:schemeClr val="bg1"/>
+                    </a:solidFill>
+                    <a:latin typeface="Arial" pitchFamily="34" charset="0"/>
+                    <a:cs typeface="Arial" pitchFamily="34" charset="0"/>
+                  </a:rPr>
+                  <a:t>Transaction</a:t>
+                </a:r>
+              </a:p>
+            </p:txBody>
+          </p:sp>
+          <p:sp>
+            <p:nvSpPr>
+              <p:cNvPr id="39" name="Abgerundetes Rechteck 38"/>
+              <p:cNvSpPr/>
+              <p:nvPr/>
+            </p:nvSpPr>
+            <p:spPr>
+              <a:xfrm>
+                <a:off x="5766414" y="1150733"/>
+                <a:ext cx="2143140" cy="1135259"/>
+              </a:xfrm>
+              <a:prstGeom prst="roundRect">
+                <a:avLst>
+                  <a:gd name="adj" fmla="val 6160"/>
+                </a:avLst>
+              </a:prstGeom>
+              <a:solidFill>
+                <a:schemeClr val="accent1">
+                  <a:lumMod val="60000"/>
+                  <a:lumOff val="40000"/>
+                </a:schemeClr>
+              </a:solidFill>
+              <a:ln>
+                <a:solidFill>
+                  <a:schemeClr val="accent1">
+                    <a:lumMod val="75000"/>
+                  </a:schemeClr>
+                </a:solidFill>
+              </a:ln>
+            </p:spPr>
+            <p:style>
+              <a:lnRef idx="2">
+                <a:schemeClr val="accent1">
+                  <a:shade val="50000"/>
+                </a:schemeClr>
+              </a:lnRef>
+              <a:fillRef idx="1">
+                <a:schemeClr val="accent1"/>
+              </a:fillRef>
+              <a:effectRef idx="0">
+                <a:schemeClr val="accent1"/>
+              </a:effectRef>
+              <a:fontRef idx="minor">
+                <a:schemeClr val="lt1"/>
+              </a:fontRef>
+            </p:style>
+            <p:txBody>
+              <a:bodyPr rtlCol="0" anchor="ctr"/>
+              <a:lstStyle/>
+              <a:p>
+                <a:pPr algn="ctr"/>
+                <a:r>
+                  <a:rPr lang="en-US" smtClean="0">
+                    <a:solidFill>
+                      <a:schemeClr val="bg1"/>
+                    </a:solidFill>
+                    <a:latin typeface="Arial" pitchFamily="34" charset="0"/>
+                    <a:cs typeface="Arial" pitchFamily="34" charset="0"/>
+                  </a:rPr>
+                  <a:t>Transaction</a:t>
+                </a:r>
+              </a:p>
+            </p:txBody>
+          </p:sp>
+          <p:sp>
+            <p:nvSpPr>
+              <p:cNvPr id="40" name="Abgerundetes Rechteck 39"/>
+              <p:cNvSpPr/>
+              <p:nvPr/>
+            </p:nvSpPr>
+            <p:spPr>
+              <a:xfrm>
+                <a:off x="5857884" y="1071546"/>
+                <a:ext cx="2143140" cy="1135259"/>
+              </a:xfrm>
+              <a:prstGeom prst="roundRect">
+                <a:avLst>
+                  <a:gd name="adj" fmla="val 6160"/>
+                </a:avLst>
+              </a:prstGeom>
+              <a:solidFill>
+                <a:schemeClr val="accent1">
+                  <a:lumMod val="60000"/>
+                  <a:lumOff val="40000"/>
+                </a:schemeClr>
+              </a:solidFill>
+              <a:ln>
+                <a:solidFill>
+                  <a:schemeClr val="accent1">
+                    <a:lumMod val="75000"/>
+                  </a:schemeClr>
+                </a:solidFill>
+              </a:ln>
+            </p:spPr>
+            <p:style>
+              <a:lnRef idx="2">
+                <a:schemeClr val="accent1">
+                  <a:shade val="50000"/>
+                </a:schemeClr>
+              </a:lnRef>
+              <a:fillRef idx="1">
+                <a:schemeClr val="accent1"/>
+              </a:fillRef>
+              <a:effectRef idx="0">
+                <a:schemeClr val="accent1"/>
+              </a:effectRef>
+              <a:fontRef idx="minor">
+                <a:schemeClr val="lt1"/>
+              </a:fontRef>
+            </p:style>
+            <p:txBody>
+              <a:bodyPr rtlCol="0" anchor="ctr"/>
+              <a:lstStyle/>
+              <a:p>
+                <a:pPr algn="ctr"/>
+                <a:r>
+                  <a:rPr lang="en-US" smtClean="0">
+                    <a:solidFill>
+                      <a:schemeClr val="bg1"/>
+                    </a:solidFill>
+                    <a:latin typeface="Arial" pitchFamily="34" charset="0"/>
+                    <a:cs typeface="Arial" pitchFamily="34" charset="0"/>
+                  </a:rPr>
+                  <a:t>Transaction</a:t>
+                </a:r>
+              </a:p>
+            </p:txBody>
+          </p:sp>
+        </p:grpSp>
+      </p:grpSp>
+      <p:sp>
+        <p:nvSpPr>
+          <p:cNvPr id="4" name="Fußzeilenplatzhalter 3"/>
+          <p:cNvSpPr>
+            <a:spLocks noGrp="1"/>
+          </p:cNvSpPr>
+          <p:nvPr>
+            <p:ph type="ftr" sz="quarter" idx="11"/>
+          </p:nvPr>
+        </p:nvSpPr>
+        <p:spPr>
+          <a:xfrm>
+            <a:off x="428596" y="6396703"/>
+            <a:ext cx="7643866" cy="365125"/>
+          </a:xfrm>
+        </p:spPr>
+        <p:txBody>
+          <a:bodyPr/>
+          <a:lstStyle/>
+          <a:p>
+            <a:r>
+              <a:rPr lang="en-US" smtClean="0">
+                <a:latin typeface="Arial" pitchFamily="34" charset="0"/>
+                <a:cs typeface="Arial" pitchFamily="34" charset="0"/>
+              </a:rPr>
+              <a:t>Scale, Share and Store your Models with CDO 2.0</a:t>
+            </a:r>
+          </a:p>
+          <a:p>
+            <a:r>
+              <a:rPr lang="en-US" smtClean="0">
+                <a:latin typeface="Arial" pitchFamily="34" charset="0"/>
+                <a:cs typeface="Arial" pitchFamily="34" charset="0"/>
+              </a:rPr>
+              <a:t>© 2009 by Eike Stepper, Berlin, Germany. Made available under the EPL v1.0</a:t>
+            </a:r>
+            <a:endParaRPr lang="en-US">
+              <a:latin typeface="Arial" pitchFamily="34" charset="0"/>
+              <a:cs typeface="Arial" pitchFamily="34" charset="0"/>
+            </a:endParaRPr>
+          </a:p>
+        </p:txBody>
+      </p:sp>
+      <p:sp>
+        <p:nvSpPr>
+          <p:cNvPr id="5" name="Foliennummernplatzhalter 4"/>
+          <p:cNvSpPr>
+            <a:spLocks noGrp="1"/>
+          </p:cNvSpPr>
+          <p:nvPr>
+            <p:ph type="sldNum" sz="quarter" idx="12"/>
+          </p:nvPr>
+        </p:nvSpPr>
+        <p:spPr>
+          <a:xfrm>
+            <a:off x="8143900" y="6477401"/>
+            <a:ext cx="642942" cy="365125"/>
+          </a:xfrm>
+        </p:spPr>
+        <p:txBody>
+          <a:bodyPr/>
+          <a:lstStyle/>
+          <a:p>
+            <a:fld id="{D9EF761A-2398-4B80-BCA8-D29FD9D96DA2}" type="slidenum">
+              <a:rPr lang="en-US" smtClean="0">
+                <a:latin typeface="Arial" pitchFamily="34" charset="0"/>
+                <a:cs typeface="Arial" pitchFamily="34" charset="0"/>
+              </a:rPr>
+              <a:pPr/>
+              <a:t>15</a:t>
+            </a:fld>
+            <a:endParaRPr lang="en-US">
+              <a:latin typeface="Arial" pitchFamily="34" charset="0"/>
+              <a:cs typeface="Arial" pitchFamily="34" charset="0"/>
+            </a:endParaRPr>
+          </a:p>
+        </p:txBody>
+      </p:sp>
+      <p:grpSp>
+        <p:nvGrpSpPr>
+          <p:cNvPr id="24" name="Gruppieren 23"/>
+          <p:cNvGrpSpPr/>
+          <p:nvPr/>
+        </p:nvGrpSpPr>
+        <p:grpSpPr>
+          <a:xfrm>
+            <a:off x="3234710" y="3567547"/>
+            <a:ext cx="2531704" cy="2361783"/>
+            <a:chOff x="3234710" y="3571876"/>
+            <a:chExt cx="2531704" cy="2361783"/>
+          </a:xfrm>
+        </p:grpSpPr>
+        <p:sp>
+          <p:nvSpPr>
+            <p:cNvPr id="23" name="Abgerundetes Rechteck 22"/>
+            <p:cNvSpPr/>
+            <p:nvPr/>
+          </p:nvSpPr>
+          <p:spPr>
+            <a:xfrm>
+              <a:off x="3234710" y="3571876"/>
+              <a:ext cx="2531704" cy="2176694"/>
+            </a:xfrm>
+            <a:prstGeom prst="roundRect">
+              <a:avLst>
+                <a:gd name="adj" fmla="val 7994"/>
+              </a:avLst>
+            </a:prstGeom>
+            <a:solidFill>
+              <a:schemeClr val="accent1">
+                <a:lumMod val="40000"/>
+                <a:lumOff val="60000"/>
+              </a:schemeClr>
+            </a:solidFill>
+            <a:ln w="57150">
+              <a:solidFill>
+                <a:schemeClr val="accent1">
+                  <a:lumMod val="60000"/>
+                  <a:lumOff val="40000"/>
+                </a:schemeClr>
+              </a:solidFill>
+            </a:ln>
+          </p:spPr>
+          <p:style>
+            <a:lnRef idx="2">
+              <a:schemeClr val="accent1">
+                <a:shade val="50000"/>
+              </a:schemeClr>
+            </a:lnRef>
+            <a:fillRef idx="1">
+              <a:schemeClr val="accent1"/>
+            </a:fillRef>
+            <a:effectRef idx="0">
+              <a:schemeClr val="accent1"/>
+            </a:effectRef>
+            <a:fontRef idx="minor">
+              <a:schemeClr val="lt1"/>
+            </a:fontRef>
+          </p:style>
+          <p:txBody>
+            <a:bodyPr rtlCol="0" anchor="t"/>
+            <a:lstStyle/>
+            <a:p>
+              <a:pPr algn="ctr"/>
+              <a:r>
+                <a:rPr lang="en-US" sz="2000" b="1" smtClean="0">
+                  <a:solidFill>
+                    <a:schemeClr val="bg1">
+                      <a:lumMod val="50000"/>
+                    </a:schemeClr>
+                  </a:solidFill>
+                  <a:latin typeface="Arial" pitchFamily="34" charset="0"/>
+                  <a:cs typeface="Arial" pitchFamily="34" charset="0"/>
+                </a:rPr>
+                <a:t>Session</a:t>
+              </a:r>
+            </a:p>
+            <a:p>
+              <a:pPr algn="ctr"/>
+              <a:endParaRPr lang="en-US" sz="2000" b="1" smtClean="0">
+                <a:solidFill>
+                  <a:schemeClr val="bg1">
+                    <a:lumMod val="50000"/>
+                  </a:schemeClr>
+                </a:solidFill>
+                <a:latin typeface="Arial" pitchFamily="34" charset="0"/>
+                <a:cs typeface="Arial" pitchFamily="34" charset="0"/>
+              </a:endParaRPr>
+            </a:p>
+          </p:txBody>
+        </p:sp>
+        <p:sp>
+          <p:nvSpPr>
+            <p:cNvPr id="50" name="Abgerundetes Rechteck 49"/>
+            <p:cNvSpPr/>
+            <p:nvPr/>
+          </p:nvSpPr>
+          <p:spPr>
+            <a:xfrm>
+              <a:off x="3317112" y="4921449"/>
+              <a:ext cx="2357454" cy="500066"/>
+            </a:xfrm>
+            <a:prstGeom prst="roundRect">
+              <a:avLst>
+                <a:gd name="adj" fmla="val 7105"/>
+              </a:avLst>
+            </a:prstGeom>
+            <a:solidFill>
+              <a:schemeClr val="accent1">
+                <a:lumMod val="20000"/>
+                <a:lumOff val="80000"/>
+              </a:schemeClr>
+            </a:solidFill>
+            <a:ln>
+              <a:solidFill>
+                <a:schemeClr val="accent1">
+                  <a:lumMod val="60000"/>
+                  <a:lumOff val="40000"/>
+                </a:schemeClr>
+              </a:solidFill>
+            </a:ln>
+          </p:spPr>
+          <p:style>
+            <a:lnRef idx="2">
+              <a:schemeClr val="accent1">
+                <a:shade val="50000"/>
+              </a:schemeClr>
+            </a:lnRef>
+            <a:fillRef idx="1">
+              <a:schemeClr val="accent1"/>
+            </a:fillRef>
+            <a:effectRef idx="0">
+              <a:schemeClr val="accent1"/>
+            </a:effectRef>
+            <a:fontRef idx="minor">
+              <a:schemeClr val="lt1"/>
+            </a:fontRef>
+          </p:style>
+          <p:txBody>
+            <a:bodyPr rtlCol="0" anchor="ctr"/>
+            <a:lstStyle/>
+            <a:p>
+              <a:pPr algn="ctr"/>
+              <a:r>
+                <a:rPr lang="en-US" smtClean="0">
+                  <a:solidFill>
+                    <a:schemeClr val="bg1">
+                      <a:lumMod val="50000"/>
+                    </a:schemeClr>
+                  </a:solidFill>
+                  <a:latin typeface="Arial" pitchFamily="34" charset="0"/>
+                  <a:cs typeface="Arial" pitchFamily="34" charset="0"/>
+                </a:rPr>
+                <a:t>Package Registry</a:t>
+              </a:r>
+            </a:p>
+          </p:txBody>
+        </p:sp>
+        <p:sp>
+          <p:nvSpPr>
+            <p:cNvPr id="106" name="Abgerundetes Rechteck 105"/>
+            <p:cNvSpPr/>
+            <p:nvPr/>
+          </p:nvSpPr>
+          <p:spPr>
+            <a:xfrm>
+              <a:off x="3500429" y="5572140"/>
+              <a:ext cx="1913761" cy="361519"/>
+            </a:xfrm>
+            <a:prstGeom prst="roundRect">
+              <a:avLst/>
+            </a:prstGeom>
+            <a:solidFill>
+              <a:schemeClr val="accent3">
+                <a:lumMod val="40000"/>
+                <a:lumOff val="60000"/>
+              </a:schemeClr>
+            </a:solidFill>
+            <a:ln>
+              <a:solidFill>
+                <a:srgbClr val="00B050"/>
+              </a:solidFill>
+            </a:ln>
+          </p:spPr>
+          <p:style>
+            <a:lnRef idx="2">
+              <a:schemeClr val="accent1">
+                <a:shade val="50000"/>
+              </a:schemeClr>
+            </a:lnRef>
+            <a:fillRef idx="1">
+              <a:schemeClr val="accent1"/>
+            </a:fillRef>
+            <a:effectRef idx="0">
+              <a:schemeClr val="accent1"/>
+            </a:effectRef>
+            <a:fontRef idx="minor">
+              <a:schemeClr val="lt1"/>
+            </a:fontRef>
+          </p:style>
+          <p:txBody>
+            <a:bodyPr rtlCol="0" anchor="ctr"/>
+            <a:lstStyle/>
+            <a:p>
+              <a:pPr algn="ctr"/>
+              <a:r>
+                <a:rPr lang="en-US" sz="1600" b="1" smtClean="0">
+                  <a:solidFill>
+                    <a:schemeClr val="bg1">
+                      <a:lumMod val="50000"/>
+                    </a:schemeClr>
+                  </a:solidFill>
+                  <a:latin typeface="Arial" pitchFamily="34" charset="0"/>
+                  <a:cs typeface="Arial" pitchFamily="34" charset="0"/>
+                </a:rPr>
+                <a:t>Protocol</a:t>
+              </a:r>
+            </a:p>
+          </p:txBody>
+        </p:sp>
+        <p:grpSp>
+          <p:nvGrpSpPr>
+            <p:cNvPr id="3" name="Gruppieren 160"/>
+            <p:cNvGrpSpPr/>
+            <p:nvPr/>
+          </p:nvGrpSpPr>
+          <p:grpSpPr>
+            <a:xfrm>
+              <a:off x="3334307" y="4135631"/>
+              <a:ext cx="2326458" cy="642942"/>
+              <a:chOff x="5674566" y="1071546"/>
+              <a:chExt cx="2326458" cy="1285884"/>
+            </a:xfrm>
+          </p:grpSpPr>
+          <p:sp>
+            <p:nvSpPr>
+              <p:cNvPr id="109" name="Abgerundetes Rechteck 108"/>
+              <p:cNvSpPr/>
+              <p:nvPr/>
+            </p:nvSpPr>
+            <p:spPr>
+              <a:xfrm>
+                <a:off x="5674566" y="1222171"/>
+                <a:ext cx="2143140" cy="1135259"/>
+              </a:xfrm>
+              <a:prstGeom prst="roundRect">
+                <a:avLst>
+                  <a:gd name="adj" fmla="val 6160"/>
+                </a:avLst>
+              </a:prstGeom>
+              <a:solidFill>
+                <a:schemeClr val="accent1">
+                  <a:lumMod val="60000"/>
+                  <a:lumOff val="40000"/>
+                </a:schemeClr>
+              </a:solidFill>
+              <a:ln>
+                <a:solidFill>
+                  <a:schemeClr val="accent1">
+                    <a:lumMod val="75000"/>
+                  </a:schemeClr>
+                </a:solidFill>
+              </a:ln>
+            </p:spPr>
+            <p:style>
+              <a:lnRef idx="2">
+                <a:schemeClr val="accent1">
+                  <a:shade val="50000"/>
+                </a:schemeClr>
+              </a:lnRef>
+              <a:fillRef idx="1">
+                <a:schemeClr val="accent1"/>
+              </a:fillRef>
+              <a:effectRef idx="0">
+                <a:schemeClr val="accent1"/>
+              </a:effectRef>
+              <a:fontRef idx="minor">
+                <a:schemeClr val="lt1"/>
+              </a:fontRef>
+            </p:style>
+            <p:txBody>
+              <a:bodyPr rtlCol="0" anchor="ctr"/>
+              <a:lstStyle/>
+              <a:p>
+                <a:pPr algn="ctr"/>
+                <a:r>
+                  <a:rPr lang="en-US" smtClean="0">
+                    <a:solidFill>
+                      <a:schemeClr val="bg1"/>
+                    </a:solidFill>
+                    <a:latin typeface="Arial" pitchFamily="34" charset="0"/>
+                    <a:cs typeface="Arial" pitchFamily="34" charset="0"/>
+                  </a:rPr>
+                  <a:t>Transaction</a:t>
+                </a:r>
+              </a:p>
+            </p:txBody>
+          </p:sp>
+          <p:sp>
+            <p:nvSpPr>
+              <p:cNvPr id="112" name="Abgerundetes Rechteck 111"/>
+              <p:cNvSpPr/>
+              <p:nvPr/>
+            </p:nvSpPr>
+            <p:spPr>
+              <a:xfrm>
+                <a:off x="5766414" y="1150733"/>
+                <a:ext cx="2143140" cy="1135259"/>
+              </a:xfrm>
+              <a:prstGeom prst="roundRect">
+                <a:avLst>
+                  <a:gd name="adj" fmla="val 6160"/>
+                </a:avLst>
+              </a:prstGeom>
+              <a:solidFill>
+                <a:schemeClr val="accent1">
+                  <a:lumMod val="60000"/>
+                  <a:lumOff val="40000"/>
+                </a:schemeClr>
+              </a:solidFill>
+              <a:ln>
+                <a:solidFill>
+                  <a:schemeClr val="accent1">
+                    <a:lumMod val="75000"/>
+                  </a:schemeClr>
+                </a:solidFill>
+              </a:ln>
+            </p:spPr>
+            <p:style>
+              <a:lnRef idx="2">
+                <a:schemeClr val="accent1">
+                  <a:shade val="50000"/>
+                </a:schemeClr>
+              </a:lnRef>
+              <a:fillRef idx="1">
+                <a:schemeClr val="accent1"/>
+              </a:fillRef>
+              <a:effectRef idx="0">
+                <a:schemeClr val="accent1"/>
+              </a:effectRef>
+              <a:fontRef idx="minor">
+                <a:schemeClr val="lt1"/>
+              </a:fontRef>
+            </p:style>
+            <p:txBody>
+              <a:bodyPr rtlCol="0" anchor="ctr"/>
+              <a:lstStyle/>
+              <a:p>
+                <a:pPr algn="ctr"/>
+                <a:r>
+                  <a:rPr lang="en-US" smtClean="0">
+                    <a:solidFill>
+                      <a:schemeClr val="bg1"/>
+                    </a:solidFill>
+                    <a:latin typeface="Arial" pitchFamily="34" charset="0"/>
+                    <a:cs typeface="Arial" pitchFamily="34" charset="0"/>
+                  </a:rPr>
+                  <a:t>Transaction</a:t>
+                </a:r>
+              </a:p>
+            </p:txBody>
+          </p:sp>
+          <p:sp>
+            <p:nvSpPr>
+              <p:cNvPr id="115" name="Abgerundetes Rechteck 114"/>
+              <p:cNvSpPr/>
+              <p:nvPr/>
+            </p:nvSpPr>
+            <p:spPr>
+              <a:xfrm>
+                <a:off x="5857884" y="1071546"/>
+                <a:ext cx="2143140" cy="1135259"/>
+              </a:xfrm>
+              <a:prstGeom prst="roundRect">
+                <a:avLst>
+                  <a:gd name="adj" fmla="val 6160"/>
+                </a:avLst>
+              </a:prstGeom>
+              <a:solidFill>
+                <a:schemeClr val="accent1">
+                  <a:lumMod val="60000"/>
+                  <a:lumOff val="40000"/>
+                </a:schemeClr>
+              </a:solidFill>
+              <a:ln>
+                <a:solidFill>
+                  <a:schemeClr val="accent1">
+                    <a:lumMod val="75000"/>
+                  </a:schemeClr>
+                </a:solidFill>
+              </a:ln>
+            </p:spPr>
+            <p:style>
+              <a:lnRef idx="2">
+                <a:schemeClr val="accent1">
+                  <a:shade val="50000"/>
+                </a:schemeClr>
+              </a:lnRef>
+              <a:fillRef idx="1">
+                <a:schemeClr val="accent1"/>
+              </a:fillRef>
+              <a:effectRef idx="0">
+                <a:schemeClr val="accent1"/>
+              </a:effectRef>
+              <a:fontRef idx="minor">
+                <a:schemeClr val="lt1"/>
+              </a:fontRef>
+            </p:style>
+            <p:txBody>
+              <a:bodyPr rtlCol="0" anchor="ctr"/>
+              <a:lstStyle/>
+              <a:p>
+                <a:pPr algn="ctr"/>
+                <a:r>
+                  <a:rPr lang="en-US" smtClean="0">
+                    <a:solidFill>
+                      <a:schemeClr val="bg1"/>
+                    </a:solidFill>
+                    <a:latin typeface="Arial" pitchFamily="34" charset="0"/>
+                    <a:cs typeface="Arial" pitchFamily="34" charset="0"/>
+                  </a:rPr>
+                  <a:t>Transaction</a:t>
+                </a:r>
+              </a:p>
+            </p:txBody>
+          </p:sp>
+        </p:grpSp>
+      </p:grpSp>
+      <p:sp>
+        <p:nvSpPr>
+          <p:cNvPr id="160" name="Abgerundetes Rechteck 159"/>
+          <p:cNvSpPr/>
+          <p:nvPr/>
+        </p:nvSpPr>
+        <p:spPr>
+          <a:xfrm>
+            <a:off x="642910" y="2000240"/>
+            <a:ext cx="7715304" cy="928694"/>
+          </a:xfrm>
+          <a:prstGeom prst="roundRect">
+            <a:avLst>
+              <a:gd name="adj" fmla="val 9406"/>
+            </a:avLst>
+          </a:prstGeom>
+          <a:solidFill>
+            <a:srgbClr val="FFD47D"/>
+          </a:solidFill>
+          <a:ln w="57150">
+            <a:solidFill>
+              <a:srgbClr val="FFAA01"/>
+            </a:solidFill>
+          </a:ln>
+        </p:spPr>
+        <p:style>
+          <a:lnRef idx="2">
+            <a:schemeClr val="accent1">
+              <a:shade val="50000"/>
+            </a:schemeClr>
+          </a:lnRef>
+          <a:fillRef idx="1">
+            <a:schemeClr val="accent1"/>
+          </a:fillRef>
+          <a:effectRef idx="0">
+            <a:schemeClr val="accent1"/>
+          </a:effectRef>
+          <a:fontRef idx="minor">
+            <a:schemeClr val="lt1"/>
+          </a:fontRef>
+        </p:style>
+        <p:txBody>
+          <a:bodyPr rtlCol="0" anchor="ctr"/>
+          <a:lstStyle/>
+          <a:p>
+            <a:pPr algn="ctr"/>
+            <a:r>
+              <a:rPr lang="en-US" sz="1600" b="1" smtClean="0">
+                <a:solidFill>
+                  <a:schemeClr val="bg1">
+                    <a:lumMod val="50000"/>
+                  </a:schemeClr>
+                </a:solidFill>
+                <a:latin typeface="Arial" pitchFamily="34" charset="0"/>
+                <a:cs typeface="Arial" pitchFamily="34" charset="0"/>
+              </a:rPr>
+              <a:t>ResourceSet</a:t>
+            </a:r>
+            <a:endParaRPr lang="en-US" sz="1600" b="1" smtClean="0">
+              <a:solidFill>
+                <a:schemeClr val="bg1">
+                  <a:lumMod val="50000"/>
+                </a:schemeClr>
+              </a:solidFill>
+              <a:latin typeface="Arial" pitchFamily="34" charset="0"/>
+              <a:cs typeface="Arial" pitchFamily="34" charset="0"/>
+            </a:endParaRPr>
+          </a:p>
+        </p:txBody>
+      </p:sp>
+      <p:grpSp>
+        <p:nvGrpSpPr>
+          <p:cNvPr id="82" name="Gruppieren 81"/>
+          <p:cNvGrpSpPr/>
+          <p:nvPr/>
+        </p:nvGrpSpPr>
+        <p:grpSpPr>
+          <a:xfrm>
+            <a:off x="1790055" y="2657959"/>
+            <a:ext cx="5496591" cy="1604075"/>
+            <a:chOff x="1790055" y="1619576"/>
+            <a:chExt cx="5496591" cy="2642458"/>
+          </a:xfrm>
+        </p:grpSpPr>
+        <p:cxnSp>
+          <p:nvCxnSpPr>
+            <p:cNvPr id="64" name="Gewinkelte Verbindung 120"/>
+            <p:cNvCxnSpPr/>
+            <p:nvPr/>
+          </p:nvCxnSpPr>
+          <p:spPr>
+            <a:xfrm rot="5400000">
+              <a:off x="4424767" y="1704817"/>
+              <a:ext cx="2626962" cy="2456480"/>
+            </a:xfrm>
+            <a:prstGeom prst="straightConnector1">
+              <a:avLst/>
+            </a:prstGeom>
+            <a:ln w="38100">
+              <a:solidFill>
+                <a:srgbClr val="C00000"/>
+              </a:solidFill>
+              <a:headEnd type="none" w="med" len="med"/>
+              <a:tailEnd type="oval" w="med" len="med"/>
+            </a:ln>
+          </p:spPr>
+          <p:style>
+            <a:lnRef idx="1">
+              <a:schemeClr val="accent1"/>
+            </a:lnRef>
+            <a:fillRef idx="0">
+              <a:schemeClr val="accent1"/>
+            </a:fillRef>
+            <a:effectRef idx="0">
+              <a:schemeClr val="accent1"/>
+            </a:effectRef>
+            <a:fontRef idx="minor">
+              <a:schemeClr val="tx1"/>
+            </a:fontRef>
+          </p:style>
+        </p:cxnSp>
+        <p:cxnSp>
+          <p:nvCxnSpPr>
+            <p:cNvPr id="67" name="Gewinkelte Verbindung 120"/>
+            <p:cNvCxnSpPr/>
+            <p:nvPr/>
+          </p:nvCxnSpPr>
+          <p:spPr>
+            <a:xfrm rot="10800000" flipV="1">
+              <a:off x="1790055" y="1643048"/>
+              <a:ext cx="4841703" cy="2618986"/>
+            </a:xfrm>
+            <a:prstGeom prst="straightConnector1">
+              <a:avLst/>
+            </a:prstGeom>
+            <a:ln w="38100">
+              <a:solidFill>
+                <a:srgbClr val="C00000"/>
+              </a:solidFill>
+              <a:headEnd type="none" w="med" len="med"/>
+              <a:tailEnd type="oval" w="med" len="med"/>
+            </a:ln>
+          </p:spPr>
+          <p:style>
+            <a:lnRef idx="1">
+              <a:schemeClr val="accent1"/>
+            </a:lnRef>
+            <a:fillRef idx="0">
+              <a:schemeClr val="accent1"/>
+            </a:fillRef>
+            <a:effectRef idx="0">
+              <a:schemeClr val="accent1"/>
+            </a:effectRef>
+            <a:fontRef idx="minor">
+              <a:schemeClr val="tx1"/>
+            </a:fontRef>
+          </p:style>
+        </p:cxnSp>
+        <p:cxnSp>
+          <p:nvCxnSpPr>
+            <p:cNvPr id="70" name="Gewinkelte Verbindung 120"/>
+            <p:cNvCxnSpPr/>
+            <p:nvPr/>
+          </p:nvCxnSpPr>
+          <p:spPr>
+            <a:xfrm rot="5400000">
+              <a:off x="5979805" y="2947447"/>
+              <a:ext cx="2595741" cy="17940"/>
+            </a:xfrm>
+            <a:prstGeom prst="straightConnector1">
+              <a:avLst/>
+            </a:prstGeom>
+            <a:ln w="38100">
+              <a:solidFill>
+                <a:srgbClr val="C00000"/>
+              </a:solidFill>
+              <a:headEnd type="none" w="med" len="med"/>
+              <a:tailEnd type="oval" w="med" len="med"/>
+            </a:ln>
+          </p:spPr>
+          <p:style>
+            <a:lnRef idx="1">
+              <a:schemeClr val="accent1"/>
+            </a:lnRef>
+            <a:fillRef idx="0">
+              <a:schemeClr val="accent1"/>
+            </a:fillRef>
+            <a:effectRef idx="0">
+              <a:schemeClr val="accent1"/>
+            </a:effectRef>
+            <a:fontRef idx="minor">
+              <a:schemeClr val="tx1"/>
+            </a:fontRef>
+          </p:style>
+        </p:cxnSp>
+      </p:grpSp>
+      <p:sp>
+        <p:nvSpPr>
+          <p:cNvPr id="162" name="Abgerundetes Rechteck 161"/>
+          <p:cNvSpPr/>
+          <p:nvPr/>
+        </p:nvSpPr>
+        <p:spPr>
+          <a:xfrm>
+            <a:off x="6286512" y="2214554"/>
+            <a:ext cx="1317258" cy="500066"/>
+          </a:xfrm>
+          <a:prstGeom prst="roundRect">
+            <a:avLst>
+              <a:gd name="adj" fmla="val 7105"/>
+            </a:avLst>
+          </a:prstGeom>
+          <a:solidFill>
+            <a:schemeClr val="accent1">
+              <a:lumMod val="20000"/>
+              <a:lumOff val="80000"/>
+            </a:schemeClr>
+          </a:solidFill>
+          <a:ln>
+            <a:solidFill>
+              <a:schemeClr val="accent1">
+                <a:lumMod val="60000"/>
+                <a:lumOff val="40000"/>
+              </a:schemeClr>
+            </a:solidFill>
+          </a:ln>
+        </p:spPr>
+        <p:style>
+          <a:lnRef idx="2">
+            <a:schemeClr val="accent1">
+              <a:shade val="50000"/>
+            </a:schemeClr>
+          </a:lnRef>
+          <a:fillRef idx="1">
+            <a:schemeClr val="accent1"/>
+          </a:fillRef>
+          <a:effectRef idx="0">
+            <a:schemeClr val="accent1"/>
+          </a:effectRef>
+          <a:fontRef idx="minor">
+            <a:schemeClr val="lt1"/>
+          </a:fontRef>
+        </p:style>
+        <p:txBody>
+          <a:bodyPr rtlCol="0" anchor="ctr"/>
+          <a:lstStyle/>
+          <a:p>
+            <a:pPr algn="ctr"/>
+            <a:r>
+              <a:rPr lang="en-US" smtClean="0">
+                <a:solidFill>
+                  <a:schemeClr val="bg1">
+                    <a:lumMod val="50000"/>
+                  </a:schemeClr>
+                </a:solidFill>
+                <a:latin typeface="Arial" pitchFamily="34" charset="0"/>
+                <a:cs typeface="Arial" pitchFamily="34" charset="0"/>
+              </a:rPr>
+              <a:t>View Set</a:t>
+            </a:r>
+            <a:endParaRPr lang="en-US" smtClean="0">
+              <a:solidFill>
+                <a:schemeClr val="bg1">
+                  <a:lumMod val="50000"/>
+                </a:schemeClr>
+              </a:solidFill>
+              <a:latin typeface="Arial" pitchFamily="34" charset="0"/>
+              <a:cs typeface="Arial" pitchFamily="34" charset="0"/>
+            </a:endParaRPr>
+          </a:p>
+        </p:txBody>
+      </p:sp>
+      <p:grpSp>
+        <p:nvGrpSpPr>
+          <p:cNvPr id="83" name="Gruppieren 82"/>
+          <p:cNvGrpSpPr/>
+          <p:nvPr/>
+        </p:nvGrpSpPr>
+        <p:grpSpPr>
+          <a:xfrm>
+            <a:off x="1428726" y="2657960"/>
+            <a:ext cx="5715042" cy="2389898"/>
+            <a:chOff x="1428726" y="1604074"/>
+            <a:chExt cx="5715042" cy="3443784"/>
+          </a:xfrm>
+        </p:grpSpPr>
+        <p:cxnSp>
+          <p:nvCxnSpPr>
+            <p:cNvPr id="73" name="Gewinkelte Verbindung 120"/>
+            <p:cNvCxnSpPr/>
+            <p:nvPr/>
+          </p:nvCxnSpPr>
+          <p:spPr>
+            <a:xfrm rot="16200000" flipH="1">
+              <a:off x="-130801" y="3202575"/>
+              <a:ext cx="3404808" cy="285753"/>
+            </a:xfrm>
+            <a:prstGeom prst="straightConnector1">
+              <a:avLst/>
+            </a:prstGeom>
+            <a:ln w="38100">
+              <a:solidFill>
+                <a:srgbClr val="C00000"/>
+              </a:solidFill>
+              <a:headEnd type="none" w="med" len="med"/>
+              <a:tailEnd type="oval" w="med" len="med"/>
+            </a:ln>
+          </p:spPr>
+          <p:style>
+            <a:lnRef idx="1">
+              <a:schemeClr val="accent1"/>
+            </a:lnRef>
+            <a:fillRef idx="0">
+              <a:schemeClr val="accent1"/>
+            </a:fillRef>
+            <a:effectRef idx="0">
+              <a:schemeClr val="accent1"/>
+            </a:effectRef>
+            <a:fontRef idx="minor">
+              <a:schemeClr val="tx1"/>
+            </a:fontRef>
+          </p:style>
+        </p:cxnSp>
+        <p:cxnSp>
+          <p:nvCxnSpPr>
+            <p:cNvPr id="76" name="Gewinkelte Verbindung 120"/>
+            <p:cNvCxnSpPr/>
+            <p:nvPr/>
+          </p:nvCxnSpPr>
+          <p:spPr>
+            <a:xfrm rot="16200000" flipH="1">
+              <a:off x="1511685" y="2130417"/>
+              <a:ext cx="3443783" cy="2391098"/>
+            </a:xfrm>
+            <a:prstGeom prst="straightConnector1">
+              <a:avLst/>
+            </a:prstGeom>
+            <a:ln w="38100">
+              <a:solidFill>
+                <a:srgbClr val="C00000"/>
+              </a:solidFill>
+              <a:headEnd type="none" w="med" len="med"/>
+              <a:tailEnd type="oval" w="med" len="med"/>
+            </a:ln>
+          </p:spPr>
+          <p:style>
+            <a:lnRef idx="1">
+              <a:schemeClr val="accent1"/>
+            </a:lnRef>
+            <a:fillRef idx="0">
+              <a:schemeClr val="accent1"/>
+            </a:fillRef>
+            <a:effectRef idx="0">
+              <a:schemeClr val="accent1"/>
+            </a:effectRef>
+            <a:fontRef idx="minor">
+              <a:schemeClr val="tx1"/>
+            </a:fontRef>
+          </p:style>
+        </p:cxnSp>
+        <p:cxnSp>
+          <p:nvCxnSpPr>
+            <p:cNvPr id="79" name="Gewinkelte Verbindung 120"/>
+            <p:cNvCxnSpPr/>
+            <p:nvPr/>
+          </p:nvCxnSpPr>
+          <p:spPr>
+            <a:xfrm>
+              <a:off x="2679514" y="1643047"/>
+              <a:ext cx="4464254" cy="3404811"/>
+            </a:xfrm>
+            <a:prstGeom prst="straightConnector1">
+              <a:avLst/>
+            </a:prstGeom>
+            <a:ln w="38100">
+              <a:solidFill>
+                <a:srgbClr val="C00000"/>
+              </a:solidFill>
+              <a:headEnd type="none" w="med" len="med"/>
+              <a:tailEnd type="oval" w="med" len="med"/>
+            </a:ln>
+          </p:spPr>
+          <p:style>
+            <a:lnRef idx="1">
+              <a:schemeClr val="accent1"/>
+            </a:lnRef>
+            <a:fillRef idx="0">
+              <a:schemeClr val="accent1"/>
+            </a:fillRef>
+            <a:effectRef idx="0">
+              <a:schemeClr val="accent1"/>
+            </a:effectRef>
+            <a:fontRef idx="minor">
+              <a:schemeClr val="tx1"/>
+            </a:fontRef>
+          </p:style>
+        </p:cxnSp>
+      </p:grpSp>
+      <p:sp>
+        <p:nvSpPr>
+          <p:cNvPr id="42" name="Abgerundetes Rechteck 41"/>
+          <p:cNvSpPr/>
+          <p:nvPr/>
+        </p:nvSpPr>
+        <p:spPr>
+          <a:xfrm>
+            <a:off x="877634" y="2214554"/>
+            <a:ext cx="2357454" cy="500066"/>
+          </a:xfrm>
+          <a:prstGeom prst="roundRect">
+            <a:avLst>
+              <a:gd name="adj" fmla="val 7105"/>
+            </a:avLst>
+          </a:prstGeom>
+          <a:solidFill>
+            <a:schemeClr val="accent1">
+              <a:lumMod val="20000"/>
+              <a:lumOff val="80000"/>
+            </a:schemeClr>
+          </a:solidFill>
+          <a:ln>
+            <a:solidFill>
+              <a:schemeClr val="accent1">
+                <a:lumMod val="60000"/>
+                <a:lumOff val="40000"/>
+              </a:schemeClr>
+            </a:solidFill>
+          </a:ln>
+        </p:spPr>
+        <p:style>
+          <a:lnRef idx="2">
+            <a:schemeClr val="accent1">
+              <a:shade val="50000"/>
+            </a:schemeClr>
+          </a:lnRef>
+          <a:fillRef idx="1">
+            <a:schemeClr val="accent1"/>
+          </a:fillRef>
+          <a:effectRef idx="0">
+            <a:schemeClr val="accent1"/>
+          </a:effectRef>
+          <a:fontRef idx="minor">
+            <a:schemeClr val="lt1"/>
+          </a:fontRef>
+        </p:style>
+        <p:txBody>
+          <a:bodyPr rtlCol="0" anchor="ctr"/>
+          <a:lstStyle/>
+          <a:p>
+            <a:pPr algn="ctr"/>
+            <a:r>
+              <a:rPr lang="en-US" smtClean="0">
+                <a:solidFill>
+                  <a:schemeClr val="bg1">
+                    <a:lumMod val="50000"/>
+                  </a:schemeClr>
+                </a:solidFill>
+                <a:latin typeface="Arial" pitchFamily="34" charset="0"/>
+                <a:cs typeface="Arial" pitchFamily="34" charset="0"/>
+              </a:rPr>
+              <a:t>Package Registry</a:t>
+            </a:r>
+          </a:p>
+        </p:txBody>
+      </p:sp>
+    </p:spTree>
+  </p:cSld>
+  <p:clrMapOvr>
+    <a:masterClrMapping/>
+  </p:clrMapOvr>
+  <p:transition>
+    <p:fade/>
+  </p:transition>
+  <p:timing>
+    <p:tnLst>
+      <p:par>
+        <p:cTn id="1" dur="indefinite" restart="never" nodeType="tmRoot">
+          <p:childTnLst>
+            <p:seq concurrent="1" nextAc="seek">
+              <p:cTn id="2" dur="indefinite" nodeType="mainSeq">
+                <p:childTnLst>
+                  <p:par>
+                    <p:cTn id="3" fill="hold">
+                      <p:stCondLst>
+                        <p:cond delay="indefinite"/>
+                        <p:cond evt="onBegin" delay="0">
+                          <p:tn val="2"/>
+                        </p:cond>
+                      </p:stCondLst>
+                      <p:childTnLst>
+                        <p:par>
+                          <p:cTn id="4" fill="hold">
+                            <p:stCondLst>
+                              <p:cond delay="0"/>
+                            </p:stCondLst>
+                            <p:childTnLst>
+                              <p:par>
+                                <p:cTn id="5" presetID="63" presetClass="path" presetSubtype="0" accel="50000" decel="50000" fill="hold" nodeType="withEffect">
+                                  <p:stCondLst>
+                                    <p:cond delay="0"/>
+                                  </p:stCondLst>
+                                  <p:childTnLst>
+                                    <p:animMotion origin="layout" path="M -0.29861 0.00023 L 1.38889E-6 4.44444E-6 " pathEditMode="relative" rAng="0" ptsTypes="AA">
+                                      <p:cBhvr>
+                                        <p:cTn id="6" dur="1000" fill="hold"/>
+                                        <p:tgtEl>
+                                          <p:spTgt spid="33"/>
+                                        </p:tgtEl>
+                                        <p:attrNameLst>
+                                          <p:attrName>ppt_x</p:attrName>
+                                          <p:attrName>ppt_y</p:attrName>
+                                        </p:attrNameLst>
+                                      </p:cBhvr>
+                                      <p:rCtr x="149" y="0"/>
+                                    </p:animMotion>
+                                  </p:childTnLst>
+                                </p:cTn>
+                              </p:par>
+                              <p:par>
+                                <p:cTn id="7" presetID="35" presetClass="path" presetSubtype="0" accel="50000" decel="50000" fill="hold" nodeType="withEffect">
+                                  <p:stCondLst>
+                                    <p:cond delay="0"/>
+                                  </p:stCondLst>
+                                  <p:childTnLst>
+                                    <p:animMotion origin="layout" path="M 0.29913 2.96296E-6 L -1.94444E-6 2.96296E-6 " pathEditMode="relative" rAng="0" ptsTypes="AA">
+                                      <p:cBhvr>
+                                        <p:cTn id="8" dur="1000" fill="hold"/>
+                                        <p:tgtEl>
+                                          <p:spTgt spid="25"/>
+                                        </p:tgtEl>
+                                        <p:attrNameLst>
+                                          <p:attrName>ppt_x</p:attrName>
+                                          <p:attrName>ppt_y</p:attrName>
+                                        </p:attrNameLst>
+                                      </p:cBhvr>
+                                      <p:rCtr x="-150" y="0"/>
+                                    </p:animMotion>
+                                  </p:childTnLst>
+                                </p:cTn>
+                              </p:par>
+                            </p:childTnLst>
+                          </p:cTn>
+                        </p:par>
+                      </p:childTnLst>
+                    </p:cTn>
+                  </p:par>
+                  <p:par>
+                    <p:cTn id="9" fill="hold">
+                      <p:stCondLst>
+                        <p:cond delay="indefinite"/>
+                      </p:stCondLst>
+                      <p:childTnLst>
+                        <p:par>
+                          <p:cTn id="10" fill="hold">
+                            <p:stCondLst>
+                              <p:cond delay="0"/>
+                            </p:stCondLst>
+                            <p:childTnLst>
+                              <p:par>
+                                <p:cTn id="11" presetID="10" presetClass="entr" presetSubtype="0" fill="hold" grpId="0" nodeType="clickEffect">
+                                  <p:stCondLst>
+                                    <p:cond delay="0"/>
+                                  </p:stCondLst>
+                                  <p:childTnLst>
+                                    <p:set>
+                                      <p:cBhvr>
+                                        <p:cTn id="12" dur="1" fill="hold">
+                                          <p:stCondLst>
+                                            <p:cond delay="0"/>
+                                          </p:stCondLst>
+                                        </p:cTn>
+                                        <p:tgtEl>
+                                          <p:spTgt spid="162"/>
+                                        </p:tgtEl>
+                                        <p:attrNameLst>
+                                          <p:attrName>style.visibility</p:attrName>
+                                        </p:attrNameLst>
+                                      </p:cBhvr>
+                                      <p:to>
+                                        <p:strVal val="visible"/>
+                                      </p:to>
+                                    </p:set>
+                                    <p:animEffect transition="in" filter="fade">
+                                      <p:cBhvr>
+                                        <p:cTn id="13" dur="500"/>
+                                        <p:tgtEl>
+                                          <p:spTgt spid="162"/>
+                                        </p:tgtEl>
+                                      </p:cBhvr>
+                                    </p:animEffect>
+                                  </p:childTnLst>
+                                </p:cTn>
+                              </p:par>
+                            </p:childTnLst>
+                          </p:cTn>
+                        </p:par>
+                      </p:childTnLst>
+                    </p:cTn>
+                  </p:par>
+                  <p:par>
+                    <p:cTn id="14" fill="hold">
+                      <p:stCondLst>
+                        <p:cond delay="indefinite"/>
+                      </p:stCondLst>
+                      <p:childTnLst>
+                        <p:par>
+                          <p:cTn id="15" fill="hold">
+                            <p:stCondLst>
+                              <p:cond delay="0"/>
+                            </p:stCondLst>
+                            <p:childTnLst>
+                              <p:par>
+                                <p:cTn id="16" presetID="10" presetClass="entr" presetSubtype="0" fill="hold" nodeType="clickEffect">
+                                  <p:stCondLst>
+                                    <p:cond delay="0"/>
+                                  </p:stCondLst>
+                                  <p:childTnLst>
+                                    <p:set>
+                                      <p:cBhvr>
+                                        <p:cTn id="17" dur="1" fill="hold">
+                                          <p:stCondLst>
+                                            <p:cond delay="0"/>
+                                          </p:stCondLst>
+                                        </p:cTn>
+                                        <p:tgtEl>
+                                          <p:spTgt spid="82"/>
+                                        </p:tgtEl>
+                                        <p:attrNameLst>
+                                          <p:attrName>style.visibility</p:attrName>
+                                        </p:attrNameLst>
+                                      </p:cBhvr>
+                                      <p:to>
+                                        <p:strVal val="visible"/>
+                                      </p:to>
+                                    </p:set>
+                                    <p:animEffect transition="in" filter="fade">
+                                      <p:cBhvr>
+                                        <p:cTn id="18" dur="500"/>
+                                        <p:tgtEl>
+                                          <p:spTgt spid="82"/>
+                                        </p:tgtEl>
+                                      </p:cBhvr>
+                                    </p:animEffect>
+                                  </p:childTnLst>
+                                </p:cTn>
+                              </p:par>
+                            </p:childTnLst>
+                          </p:cTn>
+                        </p:par>
+                      </p:childTnLst>
+                    </p:cTn>
+                  </p:par>
+                  <p:par>
+                    <p:cTn id="19" fill="hold">
+                      <p:stCondLst>
+                        <p:cond delay="indefinite"/>
+                      </p:stCondLst>
+                      <p:childTnLst>
+                        <p:par>
+                          <p:cTn id="20" fill="hold">
+                            <p:stCondLst>
+                              <p:cond delay="0"/>
+                            </p:stCondLst>
+                            <p:childTnLst>
+                              <p:par>
+                                <p:cTn id="21" presetID="10" presetClass="entr" presetSubtype="0" fill="hold" nodeType="clickEffect">
+                                  <p:stCondLst>
+                                    <p:cond delay="0"/>
+                                  </p:stCondLst>
+                                  <p:childTnLst>
+                                    <p:set>
+                                      <p:cBhvr>
+                                        <p:cTn id="22" dur="1" fill="hold">
+                                          <p:stCondLst>
+                                            <p:cond delay="0"/>
+                                          </p:stCondLst>
+                                        </p:cTn>
+                                        <p:tgtEl>
+                                          <p:spTgt spid="83"/>
+                                        </p:tgtEl>
+                                        <p:attrNameLst>
+                                          <p:attrName>style.visibility</p:attrName>
+                                        </p:attrNameLst>
+                                      </p:cBhvr>
+                                      <p:to>
+                                        <p:strVal val="visible"/>
+                                      </p:to>
+                                    </p:set>
+                                    <p:animEffect transition="in" filter="fade">
+                                      <p:cBhvr>
+                                        <p:cTn id="23" dur="500"/>
+                                        <p:tgtEl>
+                                          <p:spTgt spid="83"/>
+                                        </p:tgtEl>
+                                      </p:cBhvr>
+                                    </p:animEffect>
+                                  </p:childTnLst>
+                                </p:cTn>
+                              </p:par>
+                              <p:par>
+                                <p:cTn id="24" presetID="10" presetClass="exit" presetSubtype="0" fill="hold" nodeType="withEffect">
+                                  <p:stCondLst>
+                                    <p:cond delay="0"/>
+                                  </p:stCondLst>
+                                  <p:childTnLst>
+                                    <p:animEffect transition="out" filter="fade">
+                                      <p:cBhvr>
+                                        <p:cTn id="25" dur="500"/>
+                                        <p:tgtEl>
+                                          <p:spTgt spid="82"/>
+                                        </p:tgtEl>
+                                      </p:cBhvr>
+                                    </p:animEffect>
+                                    <p:set>
+                                      <p:cBhvr>
+                                        <p:cTn id="26" dur="1" fill="hold">
+                                          <p:stCondLst>
+                                            <p:cond delay="499"/>
+                                          </p:stCondLst>
+                                        </p:cTn>
+                                        <p:tgtEl>
+                                          <p:spTgt spid="82"/>
+                                        </p:tgtEl>
+                                        <p:attrNameLst>
+                                          <p:attrName>style.visibility</p:attrName>
+                                        </p:attrNameLst>
+                                      </p:cBhvr>
+                                      <p:to>
+                                        <p:strVal val="hidden"/>
+                                      </p:to>
+                                    </p:set>
+                                  </p:childTnLst>
+                                </p:cTn>
+                              </p:par>
+                            </p:childTnLst>
+                          </p:cTn>
+                        </p:par>
+                      </p:childTnLst>
+                    </p:cTn>
+                  </p:par>
+                </p:childTnLst>
+              </p:cTn>
+              <p:prevCondLst>
+                <p:cond evt="onPrev" delay="0">
+                  <p:tgtEl>
+                    <p:sldTgt/>
+                  </p:tgtEl>
+                </p:cond>
+              </p:prevCondLst>
+              <p:nextCondLst>
+                <p:cond evt="onNext" delay="0">
+                  <p:tgtEl>
+                    <p:sldTgt/>
+                  </p:tgtEl>
+                </p:cond>
+              </p:nextCondLst>
+            </p:seq>
+          </p:childTnLst>
+        </p:cTn>
+      </p:par>
+    </p:tnLst>
+    <p:bldLst>
+      <p:bldP spid="162" grpId="0" animBg="1"/>
+    </p:bldLst>
+  </p:timing>
+</p:sld>
+</file>
+
+<file path=ppt/slides/slide16.xml><?xml version="1.0" encoding="utf-8"?>
+<p:sld xmlns:a="http://schemas.openxmlformats.org/drawingml/2006/main" xmlns:r="http://schemas.openxmlformats.org/officeDocument/2006/relationships" xmlns:p="http://schemas.openxmlformats.org/presentationml/2006/main">
+  <p:cSld>
+    <p:spTree>
+      <p:nvGrpSpPr>
+        <p:cNvPr id="1" name=""/>
+        <p:cNvGrpSpPr/>
+        <p:nvPr/>
+      </p:nvGrpSpPr>
+      <p:grpSpPr>
+        <a:xfrm>
+          <a:off x="0" y="0"/>
+          <a:ext cx="0" cy="0"/>
+          <a:chOff x="0" y="0"/>
+          <a:chExt cx="0" cy="0"/>
+        </a:xfrm>
+      </p:grpSpPr>
+      <p:sp>
+        <p:nvSpPr>
+          <p:cNvPr id="46" name="Abgerundetes Rechteck 45"/>
+          <p:cNvSpPr/>
+          <p:nvPr/>
+        </p:nvSpPr>
+        <p:spPr>
+          <a:xfrm>
+            <a:off x="6418802" y="500042"/>
+            <a:ext cx="836846" cy="4366426"/>
+          </a:xfrm>
+          <a:prstGeom prst="roundRect">
+            <a:avLst/>
+          </a:prstGeom>
+          <a:solidFill>
+            <a:srgbClr val="FFE8B9"/>
+          </a:solidFill>
+          <a:ln>
+            <a:solidFill>
+              <a:srgbClr val="FFC247"/>
+            </a:solidFill>
+          </a:ln>
+        </p:spPr>
+        <p:style>
+          <a:lnRef idx="2">
+            <a:schemeClr val="accent1">
+              <a:shade val="50000"/>
+            </a:schemeClr>
+          </a:lnRef>
+          <a:fillRef idx="1">
+            <a:schemeClr val="accent1"/>
+          </a:fillRef>
+          <a:effectRef idx="0">
+            <a:schemeClr val="accent1"/>
+          </a:effectRef>
+          <a:fontRef idx="minor">
+            <a:schemeClr val="lt1"/>
+          </a:fontRef>
+        </p:style>
+        <p:txBody>
+          <a:bodyPr rtlCol="0" anchor="ctr"/>
+          <a:lstStyle/>
+          <a:p>
+            <a:pPr algn="ctr"/>
+            <a:endParaRPr lang="en-US" smtClean="0">
+              <a:solidFill>
+                <a:schemeClr val="bg1">
+                  <a:lumMod val="50000"/>
+                </a:schemeClr>
+              </a:solidFill>
+              <a:latin typeface="Arial" pitchFamily="34" charset="0"/>
+              <a:cs typeface="Arial" pitchFamily="34" charset="0"/>
+            </a:endParaRPr>
+          </a:p>
+        </p:txBody>
+      </p:sp>
+      <p:sp>
+        <p:nvSpPr>
+          <p:cNvPr id="47" name="Abgerundetes Rechteck 46"/>
+          <p:cNvSpPr/>
+          <p:nvPr/>
+        </p:nvSpPr>
+        <p:spPr>
+          <a:xfrm>
+            <a:off x="7398524" y="500042"/>
+            <a:ext cx="834387" cy="4366426"/>
+          </a:xfrm>
+          <a:prstGeom prst="roundRect">
+            <a:avLst/>
+          </a:prstGeom>
+          <a:solidFill>
+            <a:srgbClr val="FFE8B9"/>
+          </a:solidFill>
+          <a:ln>
+            <a:solidFill>
+              <a:srgbClr val="FFC247"/>
+            </a:solidFill>
+          </a:ln>
+        </p:spPr>
+        <p:style>
+          <a:lnRef idx="2">
+            <a:schemeClr val="accent1">
+              <a:shade val="50000"/>
+            </a:schemeClr>
+          </a:lnRef>
+          <a:fillRef idx="1">
+            <a:schemeClr val="accent1"/>
+          </a:fillRef>
+          <a:effectRef idx="0">
+            <a:schemeClr val="accent1"/>
+          </a:effectRef>
+          <a:fontRef idx="minor">
+            <a:schemeClr val="lt1"/>
+          </a:fontRef>
+        </p:style>
+        <p:txBody>
+          <a:bodyPr rtlCol="0" anchor="ctr"/>
+          <a:lstStyle/>
+          <a:p>
+            <a:pPr algn="ctr"/>
+            <a:endParaRPr lang="en-US" smtClean="0">
+              <a:solidFill>
+                <a:schemeClr val="bg1">
+                  <a:lumMod val="50000"/>
+                </a:schemeClr>
+              </a:solidFill>
+              <a:latin typeface="Arial" pitchFamily="34" charset="0"/>
+              <a:cs typeface="Arial" pitchFamily="34" charset="0"/>
+            </a:endParaRPr>
+          </a:p>
+        </p:txBody>
+      </p:sp>
+      <p:sp>
+        <p:nvSpPr>
+          <p:cNvPr id="44" name="Abgerundetes Rechteck 43"/>
+          <p:cNvSpPr/>
+          <p:nvPr/>
+        </p:nvSpPr>
+        <p:spPr>
+          <a:xfrm>
+            <a:off x="3686963" y="500042"/>
+            <a:ext cx="836846" cy="4366426"/>
+          </a:xfrm>
+          <a:prstGeom prst="roundRect">
+            <a:avLst/>
+          </a:prstGeom>
+          <a:solidFill>
+            <a:srgbClr val="FFE8B9"/>
+          </a:solidFill>
+          <a:ln>
+            <a:solidFill>
+              <a:srgbClr val="FFC247"/>
+            </a:solidFill>
+          </a:ln>
+        </p:spPr>
+        <p:style>
+          <a:lnRef idx="2">
+            <a:schemeClr val="accent1">
+              <a:shade val="50000"/>
+            </a:schemeClr>
+          </a:lnRef>
+          <a:fillRef idx="1">
+            <a:schemeClr val="accent1"/>
+          </a:fillRef>
+          <a:effectRef idx="0">
+            <a:schemeClr val="accent1"/>
+          </a:effectRef>
+          <a:fontRef idx="minor">
+            <a:schemeClr val="lt1"/>
+          </a:fontRef>
+        </p:style>
+        <p:txBody>
+          <a:bodyPr rtlCol="0" anchor="ctr"/>
+          <a:lstStyle/>
+          <a:p>
+            <a:pPr algn="ctr"/>
+            <a:endParaRPr lang="en-US" smtClean="0">
+              <a:solidFill>
+                <a:schemeClr val="bg1">
+                  <a:lumMod val="50000"/>
+                </a:schemeClr>
+              </a:solidFill>
+              <a:latin typeface="Arial" pitchFamily="34" charset="0"/>
+              <a:cs typeface="Arial" pitchFamily="34" charset="0"/>
+            </a:endParaRPr>
+          </a:p>
+        </p:txBody>
+      </p:sp>
+      <p:sp>
+        <p:nvSpPr>
+          <p:cNvPr id="45" name="Abgerundetes Rechteck 44"/>
+          <p:cNvSpPr/>
+          <p:nvPr/>
+        </p:nvSpPr>
+        <p:spPr>
+          <a:xfrm>
+            <a:off x="4666685" y="500042"/>
+            <a:ext cx="834387" cy="4366426"/>
+          </a:xfrm>
+          <a:prstGeom prst="roundRect">
+            <a:avLst/>
+          </a:prstGeom>
+          <a:solidFill>
+            <a:srgbClr val="FFE8B9"/>
+          </a:solidFill>
+          <a:ln>
+            <a:solidFill>
+              <a:srgbClr val="FFC247"/>
+            </a:solidFill>
+          </a:ln>
+        </p:spPr>
+        <p:style>
+          <a:lnRef idx="2">
+            <a:schemeClr val="accent1">
+              <a:shade val="50000"/>
+            </a:schemeClr>
+          </a:lnRef>
+          <a:fillRef idx="1">
+            <a:schemeClr val="accent1"/>
+          </a:fillRef>
+          <a:effectRef idx="0">
+            <a:schemeClr val="accent1"/>
+          </a:effectRef>
+          <a:fontRef idx="minor">
+            <a:schemeClr val="lt1"/>
+          </a:fontRef>
+        </p:style>
+        <p:txBody>
+          <a:bodyPr rtlCol="0" anchor="ctr"/>
+          <a:lstStyle/>
+          <a:p>
+            <a:pPr algn="ctr"/>
+            <a:endParaRPr lang="en-US" smtClean="0">
+              <a:solidFill>
+                <a:schemeClr val="bg1">
+                  <a:lumMod val="50000"/>
+                </a:schemeClr>
+              </a:solidFill>
+              <a:latin typeface="Arial" pitchFamily="34" charset="0"/>
+              <a:cs typeface="Arial" pitchFamily="34" charset="0"/>
+            </a:endParaRPr>
+          </a:p>
+        </p:txBody>
+      </p:sp>
+      <p:sp>
+        <p:nvSpPr>
+          <p:cNvPr id="40" name="Abgerundetes Rechteck 39"/>
+          <p:cNvSpPr/>
+          <p:nvPr/>
+        </p:nvSpPr>
+        <p:spPr>
+          <a:xfrm>
+            <a:off x="6252301" y="4135632"/>
+            <a:ext cx="2143140" cy="567630"/>
+          </a:xfrm>
+          <a:prstGeom prst="roundRect">
+            <a:avLst>
+              <a:gd name="adj" fmla="val 6160"/>
+            </a:avLst>
+          </a:prstGeom>
+          <a:solidFill>
+            <a:schemeClr val="accent1">
+              <a:lumMod val="60000"/>
+              <a:lumOff val="40000"/>
+            </a:schemeClr>
+          </a:solidFill>
+          <a:ln>
+            <a:solidFill>
+              <a:schemeClr val="accent1">
+                <a:lumMod val="75000"/>
+              </a:schemeClr>
+            </a:solidFill>
+          </a:ln>
+        </p:spPr>
+        <p:style>
+          <a:lnRef idx="2">
+            <a:schemeClr val="accent1">
+              <a:shade val="50000"/>
+            </a:schemeClr>
+          </a:lnRef>
+          <a:fillRef idx="1">
+            <a:schemeClr val="accent1"/>
+          </a:fillRef>
+          <a:effectRef idx="0">
+            <a:schemeClr val="accent1"/>
+          </a:effectRef>
+          <a:fontRef idx="minor">
+            <a:schemeClr val="lt1"/>
+          </a:fontRef>
+        </p:style>
+        <p:txBody>
+          <a:bodyPr rtlCol="0" anchor="ctr"/>
+          <a:lstStyle/>
+          <a:p>
+            <a:pPr algn="ctr"/>
+            <a:r>
+              <a:rPr lang="en-US" smtClean="0">
+                <a:solidFill>
+                  <a:schemeClr val="bg1"/>
+                </a:solidFill>
+                <a:latin typeface="Arial" pitchFamily="34" charset="0"/>
+                <a:cs typeface="Arial" pitchFamily="34" charset="0"/>
+              </a:rPr>
+              <a:t>Transaction</a:t>
+            </a:r>
+          </a:p>
+        </p:txBody>
+      </p:sp>
+      <p:sp>
+        <p:nvSpPr>
+          <p:cNvPr id="4" name="Fußzeilenplatzhalter 3"/>
+          <p:cNvSpPr>
+            <a:spLocks noGrp="1"/>
+          </p:cNvSpPr>
+          <p:nvPr>
+            <p:ph type="ftr" sz="quarter" idx="11"/>
+          </p:nvPr>
+        </p:nvSpPr>
+        <p:spPr>
+          <a:xfrm>
+            <a:off x="428596" y="6396703"/>
+            <a:ext cx="7643866" cy="365125"/>
+          </a:xfrm>
+        </p:spPr>
+        <p:txBody>
+          <a:bodyPr/>
+          <a:lstStyle/>
+          <a:p>
+            <a:r>
+              <a:rPr lang="en-US" smtClean="0">
+                <a:latin typeface="Arial" pitchFamily="34" charset="0"/>
+                <a:cs typeface="Arial" pitchFamily="34" charset="0"/>
+              </a:rPr>
+              <a:t>Scale, Share and Store your Models with CDO 2.0</a:t>
+            </a:r>
+          </a:p>
+          <a:p>
+            <a:r>
+              <a:rPr lang="en-US" smtClean="0">
+                <a:latin typeface="Arial" pitchFamily="34" charset="0"/>
+                <a:cs typeface="Arial" pitchFamily="34" charset="0"/>
+              </a:rPr>
+              <a:t>© 2009 by Eike Stepper, Berlin, Germany. Made available under the EPL v1.0</a:t>
+            </a:r>
+            <a:endParaRPr lang="en-US">
+              <a:latin typeface="Arial" pitchFamily="34" charset="0"/>
+              <a:cs typeface="Arial" pitchFamily="34" charset="0"/>
+            </a:endParaRPr>
+          </a:p>
+        </p:txBody>
+      </p:sp>
+      <p:sp>
+        <p:nvSpPr>
+          <p:cNvPr id="5" name="Foliennummernplatzhalter 4"/>
+          <p:cNvSpPr>
+            <a:spLocks noGrp="1"/>
+          </p:cNvSpPr>
+          <p:nvPr>
+            <p:ph type="sldNum" sz="quarter" idx="12"/>
+          </p:nvPr>
+        </p:nvSpPr>
+        <p:spPr>
+          <a:xfrm>
+            <a:off x="8143900" y="6477401"/>
+            <a:ext cx="642942" cy="365125"/>
+          </a:xfrm>
+        </p:spPr>
+        <p:txBody>
+          <a:bodyPr/>
+          <a:lstStyle/>
+          <a:p>
+            <a:fld id="{D9EF761A-2398-4B80-BCA8-D29FD9D96DA2}" type="slidenum">
+              <a:rPr lang="en-US" smtClean="0">
+                <a:latin typeface="Arial" pitchFamily="34" charset="0"/>
+                <a:cs typeface="Arial" pitchFamily="34" charset="0"/>
+              </a:rPr>
+              <a:pPr/>
+              <a:t>16</a:t>
+            </a:fld>
+            <a:endParaRPr lang="en-US">
+              <a:latin typeface="Arial" pitchFamily="34" charset="0"/>
+              <a:cs typeface="Arial" pitchFamily="34" charset="0"/>
+            </a:endParaRPr>
+          </a:p>
+        </p:txBody>
+      </p:sp>
+      <p:sp>
+        <p:nvSpPr>
+          <p:cNvPr id="115" name="Abgerundetes Rechteck 114"/>
+          <p:cNvSpPr/>
+          <p:nvPr/>
+        </p:nvSpPr>
+        <p:spPr>
+          <a:xfrm>
+            <a:off x="3517625" y="4131302"/>
+            <a:ext cx="2143140" cy="567630"/>
+          </a:xfrm>
+          <a:prstGeom prst="roundRect">
+            <a:avLst>
+              <a:gd name="adj" fmla="val 6160"/>
+            </a:avLst>
+          </a:prstGeom>
+          <a:solidFill>
+            <a:schemeClr val="accent1">
+              <a:lumMod val="60000"/>
+              <a:lumOff val="40000"/>
+            </a:schemeClr>
+          </a:solidFill>
+          <a:ln>
+            <a:solidFill>
+              <a:schemeClr val="accent1">
+                <a:lumMod val="75000"/>
+              </a:schemeClr>
+            </a:solidFill>
+          </a:ln>
+        </p:spPr>
+        <p:style>
+          <a:lnRef idx="2">
+            <a:schemeClr val="accent1">
+              <a:shade val="50000"/>
+            </a:schemeClr>
+          </a:lnRef>
+          <a:fillRef idx="1">
+            <a:schemeClr val="accent1"/>
+          </a:fillRef>
+          <a:effectRef idx="0">
+            <a:schemeClr val="accent1"/>
+          </a:effectRef>
+          <a:fontRef idx="minor">
+            <a:schemeClr val="lt1"/>
+          </a:fontRef>
+        </p:style>
+        <p:txBody>
+          <a:bodyPr rtlCol="0" anchor="ctr"/>
+          <a:lstStyle/>
+          <a:p>
+            <a:pPr algn="ctr"/>
+            <a:r>
+              <a:rPr lang="en-US" smtClean="0">
+                <a:solidFill>
+                  <a:schemeClr val="bg1"/>
+                </a:solidFill>
+                <a:latin typeface="Arial" pitchFamily="34" charset="0"/>
+                <a:cs typeface="Arial" pitchFamily="34" charset="0"/>
+              </a:rPr>
+              <a:t>Transaction</a:t>
+            </a:r>
+          </a:p>
+        </p:txBody>
+      </p:sp>
+      <p:sp>
+        <p:nvSpPr>
+          <p:cNvPr id="41" name="Abgerundetes Rechteck 40"/>
+          <p:cNvSpPr/>
+          <p:nvPr/>
+        </p:nvSpPr>
+        <p:spPr>
+          <a:xfrm>
+            <a:off x="949072" y="500042"/>
+            <a:ext cx="836846" cy="4366426"/>
+          </a:xfrm>
+          <a:prstGeom prst="roundRect">
+            <a:avLst/>
+          </a:prstGeom>
+          <a:solidFill>
+            <a:srgbClr val="FFE8B9"/>
+          </a:solidFill>
+          <a:ln>
+            <a:solidFill>
+              <a:srgbClr val="FFC247"/>
+            </a:solidFill>
+          </a:ln>
+        </p:spPr>
+        <p:style>
+          <a:lnRef idx="2">
+            <a:schemeClr val="accent1">
+              <a:shade val="50000"/>
+            </a:schemeClr>
+          </a:lnRef>
+          <a:fillRef idx="1">
+            <a:schemeClr val="accent1"/>
+          </a:fillRef>
+          <a:effectRef idx="0">
+            <a:schemeClr val="accent1"/>
+          </a:effectRef>
+          <a:fontRef idx="minor">
+            <a:schemeClr val="lt1"/>
+          </a:fontRef>
+        </p:style>
+        <p:txBody>
+          <a:bodyPr rtlCol="0" anchor="ctr"/>
+          <a:lstStyle/>
+          <a:p>
+            <a:pPr algn="ctr"/>
+            <a:endParaRPr lang="en-US" smtClean="0">
+              <a:solidFill>
+                <a:schemeClr val="bg1">
+                  <a:lumMod val="50000"/>
+                </a:schemeClr>
+              </a:solidFill>
+              <a:latin typeface="Arial" pitchFamily="34" charset="0"/>
+              <a:cs typeface="Arial" pitchFamily="34" charset="0"/>
+            </a:endParaRPr>
+          </a:p>
+        </p:txBody>
+      </p:sp>
+      <p:sp>
+        <p:nvSpPr>
+          <p:cNvPr id="43" name="Abgerundetes Rechteck 42"/>
+          <p:cNvSpPr/>
+          <p:nvPr/>
+        </p:nvSpPr>
+        <p:spPr>
+          <a:xfrm>
+            <a:off x="1928794" y="500042"/>
+            <a:ext cx="834387" cy="4366426"/>
+          </a:xfrm>
+          <a:prstGeom prst="roundRect">
+            <a:avLst/>
+          </a:prstGeom>
+          <a:solidFill>
+            <a:srgbClr val="FFE8B9"/>
+          </a:solidFill>
+          <a:ln>
+            <a:solidFill>
+              <a:srgbClr val="FFC247"/>
+            </a:solidFill>
+          </a:ln>
+        </p:spPr>
+        <p:style>
+          <a:lnRef idx="2">
+            <a:schemeClr val="accent1">
+              <a:shade val="50000"/>
+            </a:schemeClr>
+          </a:lnRef>
+          <a:fillRef idx="1">
+            <a:schemeClr val="accent1"/>
+          </a:fillRef>
+          <a:effectRef idx="0">
+            <a:schemeClr val="accent1"/>
+          </a:effectRef>
+          <a:fontRef idx="minor">
+            <a:schemeClr val="lt1"/>
+          </a:fontRef>
+        </p:style>
+        <p:txBody>
+          <a:bodyPr rtlCol="0" anchor="ctr"/>
+          <a:lstStyle/>
+          <a:p>
+            <a:pPr algn="ctr"/>
+            <a:endParaRPr lang="en-US" smtClean="0">
+              <a:solidFill>
+                <a:schemeClr val="bg1">
+                  <a:lumMod val="50000"/>
+                </a:schemeClr>
+              </a:solidFill>
+              <a:latin typeface="Arial" pitchFamily="34" charset="0"/>
+              <a:cs typeface="Arial" pitchFamily="34" charset="0"/>
+            </a:endParaRPr>
+          </a:p>
+        </p:txBody>
+      </p:sp>
+      <p:grpSp>
+        <p:nvGrpSpPr>
+          <p:cNvPr id="98" name="Gruppieren 97"/>
+          <p:cNvGrpSpPr/>
+          <p:nvPr/>
+        </p:nvGrpSpPr>
+        <p:grpSpPr>
+          <a:xfrm>
+            <a:off x="1071538" y="588070"/>
+            <a:ext cx="535785" cy="1197856"/>
+            <a:chOff x="1071538" y="588070"/>
+            <a:chExt cx="535785" cy="1197856"/>
+          </a:xfrm>
+        </p:grpSpPr>
+        <p:sp>
+          <p:nvSpPr>
+            <p:cNvPr id="49" name="Ellipse 48"/>
+            <p:cNvSpPr/>
+            <p:nvPr/>
+          </p:nvSpPr>
+          <p:spPr>
+            <a:xfrm>
+              <a:off x="1071538" y="588070"/>
+              <a:ext cx="357190" cy="357190"/>
+            </a:xfrm>
+            <a:prstGeom prst="ellipse">
+              <a:avLst/>
+            </a:prstGeom>
+            <a:solidFill>
+              <a:srgbClr val="FFD47D"/>
+            </a:solidFill>
+            <a:ln>
+              <a:solidFill>
+                <a:srgbClr val="FFAA01"/>
+              </a:solidFill>
+            </a:ln>
+          </p:spPr>
+          <p:style>
+            <a:lnRef idx="2">
+              <a:schemeClr val="accent1">
+                <a:shade val="50000"/>
+              </a:schemeClr>
+            </a:lnRef>
+            <a:fillRef idx="1">
+              <a:schemeClr val="accent1"/>
+            </a:fillRef>
+            <a:effectRef idx="0">
+              <a:schemeClr val="accent1"/>
+            </a:effectRef>
+            <a:fontRef idx="minor">
+              <a:schemeClr val="lt1"/>
+            </a:fontRef>
+          </p:style>
+          <p:txBody>
+            <a:bodyPr rtlCol="0" anchor="ctr"/>
+            <a:lstStyle/>
+            <a:p>
+              <a:pPr algn="ctr"/>
+              <a:r>
+                <a:rPr lang="en-US" smtClean="0">
+                  <a:solidFill>
+                    <a:schemeClr val="tx1">
+                      <a:lumMod val="50000"/>
+                      <a:lumOff val="50000"/>
+                    </a:schemeClr>
+                  </a:solidFill>
+                  <a:latin typeface="Arial" pitchFamily="34" charset="0"/>
+                  <a:cs typeface="Arial" pitchFamily="34" charset="0"/>
+                </a:rPr>
+                <a:t>1</a:t>
+              </a:r>
+              <a:endParaRPr lang="en-US">
+                <a:solidFill>
+                  <a:schemeClr val="tx1">
+                    <a:lumMod val="50000"/>
+                    <a:lumOff val="50000"/>
+                  </a:schemeClr>
+                </a:solidFill>
+                <a:latin typeface="Arial" pitchFamily="34" charset="0"/>
+                <a:cs typeface="Arial" pitchFamily="34" charset="0"/>
+              </a:endParaRPr>
+            </a:p>
+          </p:txBody>
+        </p:sp>
+        <p:sp>
+          <p:nvSpPr>
+            <p:cNvPr id="51" name="Ellipse 50"/>
+            <p:cNvSpPr/>
+            <p:nvPr/>
+          </p:nvSpPr>
+          <p:spPr>
+            <a:xfrm>
+              <a:off x="1250133" y="945260"/>
+              <a:ext cx="357190" cy="357190"/>
+            </a:xfrm>
+            <a:prstGeom prst="ellipse">
+              <a:avLst/>
+            </a:prstGeom>
+            <a:solidFill>
+              <a:srgbClr val="FFD47D"/>
+            </a:solidFill>
+            <a:ln>
+              <a:solidFill>
+                <a:srgbClr val="FFAA01"/>
+              </a:solidFill>
+            </a:ln>
+          </p:spPr>
+          <p:style>
+            <a:lnRef idx="2">
+              <a:schemeClr val="accent1">
+                <a:shade val="50000"/>
+              </a:schemeClr>
+            </a:lnRef>
+            <a:fillRef idx="1">
+              <a:schemeClr val="accent1"/>
+            </a:fillRef>
+            <a:effectRef idx="0">
+              <a:schemeClr val="accent1"/>
+            </a:effectRef>
+            <a:fontRef idx="minor">
+              <a:schemeClr val="lt1"/>
+            </a:fontRef>
+          </p:style>
+          <p:txBody>
+            <a:bodyPr rtlCol="0" anchor="ctr"/>
+            <a:lstStyle/>
+            <a:p>
+              <a:pPr algn="ctr"/>
+              <a:r>
+                <a:rPr lang="en-US" smtClean="0">
+                  <a:solidFill>
+                    <a:schemeClr val="tx1">
+                      <a:lumMod val="50000"/>
+                      <a:lumOff val="50000"/>
+                    </a:schemeClr>
+                  </a:solidFill>
+                  <a:latin typeface="Arial" pitchFamily="34" charset="0"/>
+                  <a:cs typeface="Arial" pitchFamily="34" charset="0"/>
+                </a:rPr>
+                <a:t>2</a:t>
+              </a:r>
+              <a:endParaRPr lang="en-US">
+                <a:solidFill>
+                  <a:schemeClr val="tx1">
+                    <a:lumMod val="50000"/>
+                    <a:lumOff val="50000"/>
+                  </a:schemeClr>
+                </a:solidFill>
+                <a:latin typeface="Arial" pitchFamily="34" charset="0"/>
+                <a:cs typeface="Arial" pitchFamily="34" charset="0"/>
+              </a:endParaRPr>
+            </a:p>
+          </p:txBody>
+        </p:sp>
+        <p:sp>
+          <p:nvSpPr>
+            <p:cNvPr id="52" name="Ellipse 51"/>
+            <p:cNvSpPr/>
+            <p:nvPr/>
+          </p:nvSpPr>
+          <p:spPr>
+            <a:xfrm>
+              <a:off x="1071538" y="1428736"/>
+              <a:ext cx="357190" cy="357190"/>
+            </a:xfrm>
+            <a:prstGeom prst="ellipse">
+              <a:avLst/>
+            </a:prstGeom>
+            <a:solidFill>
+              <a:srgbClr val="FFD47D"/>
+            </a:solidFill>
+            <a:ln>
+              <a:solidFill>
+                <a:srgbClr val="FFAA01"/>
+              </a:solidFill>
+            </a:ln>
+          </p:spPr>
+          <p:style>
+            <a:lnRef idx="2">
+              <a:schemeClr val="accent1">
+                <a:shade val="50000"/>
+              </a:schemeClr>
+            </a:lnRef>
+            <a:fillRef idx="1">
+              <a:schemeClr val="accent1"/>
+            </a:fillRef>
+            <a:effectRef idx="0">
+              <a:schemeClr val="accent1"/>
+            </a:effectRef>
+            <a:fontRef idx="minor">
+              <a:schemeClr val="lt1"/>
+            </a:fontRef>
+          </p:style>
+          <p:txBody>
+            <a:bodyPr rtlCol="0" anchor="ctr"/>
+            <a:lstStyle/>
+            <a:p>
+              <a:pPr algn="ctr"/>
+              <a:r>
+                <a:rPr lang="en-US" smtClean="0">
+                  <a:solidFill>
+                    <a:schemeClr val="tx1">
+                      <a:lumMod val="50000"/>
+                      <a:lumOff val="50000"/>
+                    </a:schemeClr>
+                  </a:solidFill>
+                  <a:latin typeface="Arial" pitchFamily="34" charset="0"/>
+                  <a:cs typeface="Arial" pitchFamily="34" charset="0"/>
+                </a:rPr>
+                <a:t>3</a:t>
+              </a:r>
+              <a:endParaRPr lang="en-US">
+                <a:solidFill>
+                  <a:schemeClr val="tx1">
+                    <a:lumMod val="50000"/>
+                    <a:lumOff val="50000"/>
+                  </a:schemeClr>
+                </a:solidFill>
+                <a:latin typeface="Arial" pitchFamily="34" charset="0"/>
+                <a:cs typeface="Arial" pitchFamily="34" charset="0"/>
+              </a:endParaRPr>
+            </a:p>
+          </p:txBody>
+        </p:sp>
+      </p:grpSp>
+      <p:grpSp>
+        <p:nvGrpSpPr>
+          <p:cNvPr id="99" name="Gruppieren 98"/>
+          <p:cNvGrpSpPr/>
+          <p:nvPr/>
+        </p:nvGrpSpPr>
+        <p:grpSpPr>
+          <a:xfrm>
+            <a:off x="2143108" y="857232"/>
+            <a:ext cx="357190" cy="840666"/>
+            <a:chOff x="2143108" y="857232"/>
+            <a:chExt cx="357190" cy="840666"/>
+          </a:xfrm>
+        </p:grpSpPr>
+        <p:sp>
+          <p:nvSpPr>
+            <p:cNvPr id="87" name="Ellipse 86"/>
+            <p:cNvSpPr/>
+            <p:nvPr/>
+          </p:nvSpPr>
+          <p:spPr>
+            <a:xfrm>
+              <a:off x="2143108" y="857232"/>
+              <a:ext cx="357190" cy="357190"/>
+            </a:xfrm>
+            <a:prstGeom prst="ellipse">
+              <a:avLst/>
+            </a:prstGeom>
+            <a:solidFill>
+              <a:srgbClr val="FFD47D"/>
+            </a:solidFill>
+            <a:ln>
+              <a:solidFill>
+                <a:srgbClr val="FFAA01"/>
+              </a:solidFill>
+            </a:ln>
+          </p:spPr>
+          <p:style>
+            <a:lnRef idx="2">
+              <a:schemeClr val="accent1">
+                <a:shade val="50000"/>
+              </a:schemeClr>
+            </a:lnRef>
+            <a:fillRef idx="1">
+              <a:schemeClr val="accent1"/>
+            </a:fillRef>
+            <a:effectRef idx="0">
+              <a:schemeClr val="accent1"/>
+            </a:effectRef>
+            <a:fontRef idx="minor">
+              <a:schemeClr val="lt1"/>
+            </a:fontRef>
+          </p:style>
+          <p:txBody>
+            <a:bodyPr rtlCol="0" anchor="ctr"/>
+            <a:lstStyle/>
+            <a:p>
+              <a:pPr algn="ctr"/>
+              <a:r>
+                <a:rPr lang="en-US" smtClean="0">
+                  <a:solidFill>
+                    <a:schemeClr val="tx1">
+                      <a:lumMod val="50000"/>
+                      <a:lumOff val="50000"/>
+                    </a:schemeClr>
+                  </a:solidFill>
+                  <a:latin typeface="Arial" pitchFamily="34" charset="0"/>
+                  <a:cs typeface="Arial" pitchFamily="34" charset="0"/>
+                </a:rPr>
+                <a:t>4</a:t>
+              </a:r>
+              <a:endParaRPr lang="en-US">
+                <a:solidFill>
+                  <a:schemeClr val="tx1">
+                    <a:lumMod val="50000"/>
+                    <a:lumOff val="50000"/>
+                  </a:schemeClr>
+                </a:solidFill>
+                <a:latin typeface="Arial" pitchFamily="34" charset="0"/>
+                <a:cs typeface="Arial" pitchFamily="34" charset="0"/>
+              </a:endParaRPr>
+            </a:p>
+          </p:txBody>
+        </p:sp>
+        <p:sp>
+          <p:nvSpPr>
+            <p:cNvPr id="88" name="Ellipse 87"/>
+            <p:cNvSpPr/>
+            <p:nvPr/>
+          </p:nvSpPr>
+          <p:spPr>
+            <a:xfrm>
+              <a:off x="2143108" y="1340708"/>
+              <a:ext cx="357190" cy="357190"/>
+            </a:xfrm>
+            <a:prstGeom prst="ellipse">
+              <a:avLst/>
+            </a:prstGeom>
+            <a:solidFill>
+              <a:srgbClr val="FFD47D"/>
+            </a:solidFill>
+            <a:ln>
+              <a:solidFill>
+                <a:srgbClr val="FFAA01"/>
+              </a:solidFill>
+            </a:ln>
+          </p:spPr>
+          <p:style>
+            <a:lnRef idx="2">
+              <a:schemeClr val="accent1">
+                <a:shade val="50000"/>
+              </a:schemeClr>
+            </a:lnRef>
+            <a:fillRef idx="1">
+              <a:schemeClr val="accent1"/>
+            </a:fillRef>
+            <a:effectRef idx="0">
+              <a:schemeClr val="accent1"/>
+            </a:effectRef>
+            <a:fontRef idx="minor">
+              <a:schemeClr val="lt1"/>
+            </a:fontRef>
+          </p:style>
+          <p:txBody>
+            <a:bodyPr rtlCol="0" anchor="ctr"/>
+            <a:lstStyle/>
+            <a:p>
+              <a:pPr algn="ctr"/>
+              <a:r>
+                <a:rPr lang="en-US" smtClean="0">
+                  <a:solidFill>
+                    <a:schemeClr val="tx1">
+                      <a:lumMod val="50000"/>
+                      <a:lumOff val="50000"/>
+                    </a:schemeClr>
+                  </a:solidFill>
+                  <a:latin typeface="Arial" pitchFamily="34" charset="0"/>
+                  <a:cs typeface="Arial" pitchFamily="34" charset="0"/>
+                </a:rPr>
+                <a:t>5</a:t>
+              </a:r>
+              <a:endParaRPr lang="en-US">
+                <a:solidFill>
+                  <a:schemeClr val="tx1">
+                    <a:lumMod val="50000"/>
+                    <a:lumOff val="50000"/>
+                  </a:schemeClr>
+                </a:solidFill>
+                <a:latin typeface="Arial" pitchFamily="34" charset="0"/>
+                <a:cs typeface="Arial" pitchFamily="34" charset="0"/>
+              </a:endParaRPr>
+            </a:p>
+          </p:txBody>
+        </p:sp>
+      </p:grpSp>
+      <p:grpSp>
+        <p:nvGrpSpPr>
+          <p:cNvPr id="100" name="Gruppieren 99"/>
+          <p:cNvGrpSpPr/>
+          <p:nvPr/>
+        </p:nvGrpSpPr>
+        <p:grpSpPr>
+          <a:xfrm>
+            <a:off x="3821901" y="588070"/>
+            <a:ext cx="535785" cy="1288423"/>
+            <a:chOff x="3821901" y="588070"/>
+            <a:chExt cx="535785" cy="1288423"/>
+          </a:xfrm>
+        </p:grpSpPr>
+        <p:sp>
+          <p:nvSpPr>
+            <p:cNvPr id="89" name="Ellipse 88"/>
+            <p:cNvSpPr/>
+            <p:nvPr/>
+          </p:nvSpPr>
+          <p:spPr>
+            <a:xfrm>
+              <a:off x="4000496" y="588070"/>
+              <a:ext cx="357190" cy="357190"/>
+            </a:xfrm>
+            <a:prstGeom prst="ellipse">
+              <a:avLst/>
+            </a:prstGeom>
+            <a:solidFill>
+              <a:srgbClr val="FFD47D"/>
+            </a:solidFill>
+            <a:ln>
+              <a:solidFill>
+                <a:srgbClr val="FFAA01"/>
+              </a:solidFill>
+            </a:ln>
+          </p:spPr>
+          <p:style>
+            <a:lnRef idx="2">
+              <a:schemeClr val="accent1">
+                <a:shade val="50000"/>
+              </a:schemeClr>
+            </a:lnRef>
+            <a:fillRef idx="1">
+              <a:schemeClr val="accent1"/>
+            </a:fillRef>
+            <a:effectRef idx="0">
+              <a:schemeClr val="accent1"/>
+            </a:effectRef>
+            <a:fontRef idx="minor">
+              <a:schemeClr val="lt1"/>
+            </a:fontRef>
+          </p:style>
+          <p:txBody>
+            <a:bodyPr rtlCol="0" anchor="ctr"/>
+            <a:lstStyle/>
+            <a:p>
+              <a:pPr algn="ctr"/>
+              <a:r>
+                <a:rPr lang="en-US" smtClean="0">
+                  <a:solidFill>
+                    <a:schemeClr val="tx1">
+                      <a:lumMod val="50000"/>
+                      <a:lumOff val="50000"/>
+                    </a:schemeClr>
+                  </a:solidFill>
+                  <a:latin typeface="Arial" pitchFamily="34" charset="0"/>
+                  <a:cs typeface="Arial" pitchFamily="34" charset="0"/>
+                </a:rPr>
+                <a:t>1</a:t>
+              </a:r>
+              <a:endParaRPr lang="en-US">
+                <a:solidFill>
+                  <a:schemeClr val="tx1">
+                    <a:lumMod val="50000"/>
+                    <a:lumOff val="50000"/>
+                  </a:schemeClr>
+                </a:solidFill>
+                <a:latin typeface="Arial" pitchFamily="34" charset="0"/>
+                <a:cs typeface="Arial" pitchFamily="34" charset="0"/>
+              </a:endParaRPr>
+            </a:p>
+          </p:txBody>
+        </p:sp>
+        <p:sp>
+          <p:nvSpPr>
+            <p:cNvPr id="90" name="Ellipse 89"/>
+            <p:cNvSpPr/>
+            <p:nvPr/>
+          </p:nvSpPr>
+          <p:spPr>
+            <a:xfrm>
+              <a:off x="3821901" y="1035827"/>
+              <a:ext cx="357190" cy="357190"/>
+            </a:xfrm>
+            <a:prstGeom prst="ellipse">
+              <a:avLst/>
+            </a:prstGeom>
+            <a:solidFill>
+              <a:srgbClr val="FFD47D"/>
+            </a:solidFill>
+            <a:ln>
+              <a:solidFill>
+                <a:srgbClr val="FFAA01"/>
+              </a:solidFill>
+            </a:ln>
+          </p:spPr>
+          <p:style>
+            <a:lnRef idx="2">
+              <a:schemeClr val="accent1">
+                <a:shade val="50000"/>
+              </a:schemeClr>
+            </a:lnRef>
+            <a:fillRef idx="1">
+              <a:schemeClr val="accent1"/>
+            </a:fillRef>
+            <a:effectRef idx="0">
+              <a:schemeClr val="accent1"/>
+            </a:effectRef>
+            <a:fontRef idx="minor">
+              <a:schemeClr val="lt1"/>
+            </a:fontRef>
+          </p:style>
+          <p:txBody>
+            <a:bodyPr rtlCol="0" anchor="ctr"/>
+            <a:lstStyle/>
+            <a:p>
+              <a:pPr algn="ctr"/>
+              <a:r>
+                <a:rPr lang="en-US" smtClean="0">
+                  <a:solidFill>
+                    <a:schemeClr val="tx1">
+                      <a:lumMod val="50000"/>
+                      <a:lumOff val="50000"/>
+                    </a:schemeClr>
+                  </a:solidFill>
+                  <a:latin typeface="Arial" pitchFamily="34" charset="0"/>
+                  <a:cs typeface="Arial" pitchFamily="34" charset="0"/>
+                </a:rPr>
+                <a:t>2</a:t>
+              </a:r>
+              <a:endParaRPr lang="en-US">
+                <a:solidFill>
+                  <a:schemeClr val="tx1">
+                    <a:lumMod val="50000"/>
+                    <a:lumOff val="50000"/>
+                  </a:schemeClr>
+                </a:solidFill>
+                <a:latin typeface="Arial" pitchFamily="34" charset="0"/>
+                <a:cs typeface="Arial" pitchFamily="34" charset="0"/>
+              </a:endParaRPr>
+            </a:p>
+          </p:txBody>
+        </p:sp>
+        <p:sp>
+          <p:nvSpPr>
+            <p:cNvPr id="92" name="Ellipse 91"/>
+            <p:cNvSpPr/>
+            <p:nvPr/>
+          </p:nvSpPr>
+          <p:spPr>
+            <a:xfrm>
+              <a:off x="3821901" y="1519303"/>
+              <a:ext cx="357190" cy="357190"/>
+            </a:xfrm>
+            <a:prstGeom prst="ellipse">
+              <a:avLst/>
+            </a:prstGeom>
+            <a:solidFill>
+              <a:srgbClr val="FFD47D"/>
+            </a:solidFill>
+            <a:ln>
+              <a:solidFill>
+                <a:srgbClr val="FFAA01"/>
+              </a:solidFill>
+            </a:ln>
+          </p:spPr>
+          <p:style>
+            <a:lnRef idx="2">
+              <a:schemeClr val="accent1">
+                <a:shade val="50000"/>
+              </a:schemeClr>
+            </a:lnRef>
+            <a:fillRef idx="1">
+              <a:schemeClr val="accent1"/>
+            </a:fillRef>
+            <a:effectRef idx="0">
+              <a:schemeClr val="accent1"/>
+            </a:effectRef>
+            <a:fontRef idx="minor">
+              <a:schemeClr val="lt1"/>
+            </a:fontRef>
+          </p:style>
+          <p:txBody>
+            <a:bodyPr rtlCol="0" anchor="ctr"/>
+            <a:lstStyle/>
+            <a:p>
+              <a:pPr algn="ctr"/>
+              <a:r>
+                <a:rPr lang="en-US" smtClean="0">
+                  <a:solidFill>
+                    <a:schemeClr val="tx1">
+                      <a:lumMod val="50000"/>
+                      <a:lumOff val="50000"/>
+                    </a:schemeClr>
+                  </a:solidFill>
+                  <a:latin typeface="Arial" pitchFamily="34" charset="0"/>
+                  <a:cs typeface="Arial" pitchFamily="34" charset="0"/>
+                </a:rPr>
+                <a:t>3</a:t>
+              </a:r>
+              <a:endParaRPr lang="en-US">
+                <a:solidFill>
+                  <a:schemeClr val="tx1">
+                    <a:lumMod val="50000"/>
+                    <a:lumOff val="50000"/>
+                  </a:schemeClr>
+                </a:solidFill>
+                <a:latin typeface="Arial" pitchFamily="34" charset="0"/>
+                <a:cs typeface="Arial" pitchFamily="34" charset="0"/>
+              </a:endParaRPr>
+            </a:p>
+          </p:txBody>
+        </p:sp>
+      </p:grpSp>
+      <p:sp>
+        <p:nvSpPr>
+          <p:cNvPr id="93" name="Ellipse 92"/>
+          <p:cNvSpPr/>
+          <p:nvPr/>
+        </p:nvSpPr>
+        <p:spPr>
+          <a:xfrm>
+            <a:off x="4857752" y="857232"/>
+            <a:ext cx="357190" cy="357190"/>
+          </a:xfrm>
+          <a:prstGeom prst="ellipse">
+            <a:avLst/>
+          </a:prstGeom>
+          <a:solidFill>
+            <a:srgbClr val="FFD47D"/>
+          </a:solidFill>
+          <a:ln>
+            <a:solidFill>
+              <a:srgbClr val="FFAA01"/>
+            </a:solidFill>
+          </a:ln>
+        </p:spPr>
+        <p:style>
+          <a:lnRef idx="2">
+            <a:schemeClr val="accent1">
+              <a:shade val="50000"/>
+            </a:schemeClr>
+          </a:lnRef>
+          <a:fillRef idx="1">
+            <a:schemeClr val="accent1"/>
+          </a:fillRef>
+          <a:effectRef idx="0">
+            <a:schemeClr val="accent1"/>
+          </a:effectRef>
+          <a:fontRef idx="minor">
+            <a:schemeClr val="lt1"/>
+          </a:fontRef>
+        </p:style>
+        <p:txBody>
+          <a:bodyPr rtlCol="0" anchor="ctr"/>
+          <a:lstStyle/>
+          <a:p>
+            <a:pPr algn="ctr"/>
+            <a:r>
+              <a:rPr lang="en-US" smtClean="0">
+                <a:solidFill>
+                  <a:schemeClr val="tx1">
+                    <a:lumMod val="50000"/>
+                    <a:lumOff val="50000"/>
+                  </a:schemeClr>
+                </a:solidFill>
+                <a:latin typeface="Arial" pitchFamily="34" charset="0"/>
+                <a:cs typeface="Arial" pitchFamily="34" charset="0"/>
+              </a:rPr>
+              <a:t>4</a:t>
+            </a:r>
+            <a:endParaRPr lang="en-US">
+              <a:solidFill>
+                <a:schemeClr val="tx1">
+                  <a:lumMod val="50000"/>
+                  <a:lumOff val="50000"/>
+                </a:schemeClr>
+              </a:solidFill>
+              <a:latin typeface="Arial" pitchFamily="34" charset="0"/>
+              <a:cs typeface="Arial" pitchFamily="34" charset="0"/>
+            </a:endParaRPr>
+          </a:p>
+        </p:txBody>
+      </p:sp>
+      <p:grpSp>
+        <p:nvGrpSpPr>
+          <p:cNvPr id="101" name="Gruppieren 100"/>
+          <p:cNvGrpSpPr/>
+          <p:nvPr/>
+        </p:nvGrpSpPr>
+        <p:grpSpPr>
+          <a:xfrm>
+            <a:off x="6572264" y="1035827"/>
+            <a:ext cx="535785" cy="714380"/>
+            <a:chOff x="6572264" y="1035827"/>
+            <a:chExt cx="535785" cy="714380"/>
+          </a:xfrm>
+        </p:grpSpPr>
+        <p:sp>
+          <p:nvSpPr>
+            <p:cNvPr id="91" name="Ellipse 90"/>
+            <p:cNvSpPr/>
+            <p:nvPr/>
+          </p:nvSpPr>
+          <p:spPr>
+            <a:xfrm>
+              <a:off x="6750859" y="1035827"/>
+              <a:ext cx="357190" cy="357190"/>
+            </a:xfrm>
+            <a:prstGeom prst="ellipse">
+              <a:avLst/>
+            </a:prstGeom>
+            <a:solidFill>
+              <a:srgbClr val="FFD47D"/>
+            </a:solidFill>
+            <a:ln>
+              <a:solidFill>
+                <a:srgbClr val="FFAA01"/>
+              </a:solidFill>
+            </a:ln>
+          </p:spPr>
+          <p:style>
+            <a:lnRef idx="2">
+              <a:schemeClr val="accent1">
+                <a:shade val="50000"/>
+              </a:schemeClr>
+            </a:lnRef>
+            <a:fillRef idx="1">
+              <a:schemeClr val="accent1"/>
+            </a:fillRef>
+            <a:effectRef idx="0">
+              <a:schemeClr val="accent1"/>
+            </a:effectRef>
+            <a:fontRef idx="minor">
+              <a:schemeClr val="lt1"/>
+            </a:fontRef>
+          </p:style>
+          <p:txBody>
+            <a:bodyPr rtlCol="0" anchor="ctr"/>
+            <a:lstStyle/>
+            <a:p>
+              <a:pPr algn="ctr"/>
+              <a:r>
+                <a:rPr lang="en-US" smtClean="0">
+                  <a:solidFill>
+                    <a:schemeClr val="tx1">
+                      <a:lumMod val="50000"/>
+                      <a:lumOff val="50000"/>
+                    </a:schemeClr>
+                  </a:solidFill>
+                  <a:latin typeface="Arial" pitchFamily="34" charset="0"/>
+                  <a:cs typeface="Arial" pitchFamily="34" charset="0"/>
+                </a:rPr>
+                <a:t>1</a:t>
+              </a:r>
+              <a:endParaRPr lang="en-US">
+                <a:solidFill>
+                  <a:schemeClr val="tx1">
+                    <a:lumMod val="50000"/>
+                    <a:lumOff val="50000"/>
+                  </a:schemeClr>
+                </a:solidFill>
+                <a:latin typeface="Arial" pitchFamily="34" charset="0"/>
+                <a:cs typeface="Arial" pitchFamily="34" charset="0"/>
+              </a:endParaRPr>
+            </a:p>
+          </p:txBody>
+        </p:sp>
+        <p:sp>
+          <p:nvSpPr>
+            <p:cNvPr id="94" name="Ellipse 93"/>
+            <p:cNvSpPr/>
+            <p:nvPr/>
+          </p:nvSpPr>
+          <p:spPr>
+            <a:xfrm>
+              <a:off x="6572264" y="1393017"/>
+              <a:ext cx="357190" cy="357190"/>
+            </a:xfrm>
+            <a:prstGeom prst="ellipse">
+              <a:avLst/>
+            </a:prstGeom>
+            <a:solidFill>
+              <a:srgbClr val="FFD47D"/>
+            </a:solidFill>
+            <a:ln>
+              <a:solidFill>
+                <a:srgbClr val="FFAA01"/>
+              </a:solidFill>
+            </a:ln>
+          </p:spPr>
+          <p:style>
+            <a:lnRef idx="2">
+              <a:schemeClr val="accent1">
+                <a:shade val="50000"/>
+              </a:schemeClr>
+            </a:lnRef>
+            <a:fillRef idx="1">
+              <a:schemeClr val="accent1"/>
+            </a:fillRef>
+            <a:effectRef idx="0">
+              <a:schemeClr val="accent1"/>
+            </a:effectRef>
+            <a:fontRef idx="minor">
+              <a:schemeClr val="lt1"/>
+            </a:fontRef>
+          </p:style>
+          <p:txBody>
+            <a:bodyPr rtlCol="0" anchor="ctr"/>
+            <a:lstStyle/>
+            <a:p>
+              <a:pPr algn="ctr"/>
+              <a:r>
+                <a:rPr lang="en-US" smtClean="0">
+                  <a:solidFill>
+                    <a:schemeClr val="tx1">
+                      <a:lumMod val="50000"/>
+                      <a:lumOff val="50000"/>
+                    </a:schemeClr>
+                  </a:solidFill>
+                  <a:latin typeface="Arial" pitchFamily="34" charset="0"/>
+                  <a:cs typeface="Arial" pitchFamily="34" charset="0"/>
+                </a:rPr>
+                <a:t>2</a:t>
+              </a:r>
+              <a:endParaRPr lang="en-US">
+                <a:solidFill>
+                  <a:schemeClr val="tx1">
+                    <a:lumMod val="50000"/>
+                    <a:lumOff val="50000"/>
+                  </a:schemeClr>
+                </a:solidFill>
+                <a:latin typeface="Arial" pitchFamily="34" charset="0"/>
+                <a:cs typeface="Arial" pitchFamily="34" charset="0"/>
+              </a:endParaRPr>
+            </a:p>
+          </p:txBody>
+        </p:sp>
+      </p:grpSp>
+      <p:grpSp>
+        <p:nvGrpSpPr>
+          <p:cNvPr id="102" name="Gruppieren 101"/>
+          <p:cNvGrpSpPr/>
+          <p:nvPr/>
+        </p:nvGrpSpPr>
+        <p:grpSpPr>
+          <a:xfrm>
+            <a:off x="7465239" y="678637"/>
+            <a:ext cx="714380" cy="1109828"/>
+            <a:chOff x="7465239" y="678637"/>
+            <a:chExt cx="714380" cy="1109828"/>
+          </a:xfrm>
+        </p:grpSpPr>
+        <p:sp>
+          <p:nvSpPr>
+            <p:cNvPr id="95" name="Ellipse 94"/>
+            <p:cNvSpPr/>
+            <p:nvPr/>
+          </p:nvSpPr>
+          <p:spPr>
+            <a:xfrm>
+              <a:off x="7465239" y="678637"/>
+              <a:ext cx="357190" cy="357190"/>
+            </a:xfrm>
+            <a:prstGeom prst="ellipse">
+              <a:avLst/>
+            </a:prstGeom>
+            <a:solidFill>
+              <a:srgbClr val="FFD47D"/>
+            </a:solidFill>
+            <a:ln>
+              <a:solidFill>
+                <a:srgbClr val="FFAA01"/>
+              </a:solidFill>
+            </a:ln>
+          </p:spPr>
+          <p:style>
+            <a:lnRef idx="2">
+              <a:schemeClr val="accent1">
+                <a:shade val="50000"/>
+              </a:schemeClr>
+            </a:lnRef>
+            <a:fillRef idx="1">
+              <a:schemeClr val="accent1"/>
+            </a:fillRef>
+            <a:effectRef idx="0">
+              <a:schemeClr val="accent1"/>
+            </a:effectRef>
+            <a:fontRef idx="minor">
+              <a:schemeClr val="lt1"/>
+            </a:fontRef>
+          </p:style>
+          <p:txBody>
+            <a:bodyPr rtlCol="0" anchor="ctr"/>
+            <a:lstStyle/>
+            <a:p>
+              <a:pPr algn="ctr"/>
+              <a:r>
+                <a:rPr lang="en-US" smtClean="0">
+                  <a:solidFill>
+                    <a:schemeClr val="tx1">
+                      <a:lumMod val="50000"/>
+                      <a:lumOff val="50000"/>
+                    </a:schemeClr>
+                  </a:solidFill>
+                  <a:latin typeface="Arial" pitchFamily="34" charset="0"/>
+                  <a:cs typeface="Arial" pitchFamily="34" charset="0"/>
+                </a:rPr>
+                <a:t>3</a:t>
+              </a:r>
+              <a:endParaRPr lang="en-US">
+                <a:solidFill>
+                  <a:schemeClr val="tx1">
+                    <a:lumMod val="50000"/>
+                    <a:lumOff val="50000"/>
+                  </a:schemeClr>
+                </a:solidFill>
+                <a:latin typeface="Arial" pitchFamily="34" charset="0"/>
+                <a:cs typeface="Arial" pitchFamily="34" charset="0"/>
+              </a:endParaRPr>
+            </a:p>
+          </p:txBody>
+        </p:sp>
+        <p:sp>
+          <p:nvSpPr>
+            <p:cNvPr id="96" name="Ellipse 95"/>
+            <p:cNvSpPr/>
+            <p:nvPr/>
+          </p:nvSpPr>
+          <p:spPr>
+            <a:xfrm>
+              <a:off x="7822429" y="947799"/>
+              <a:ext cx="357190" cy="357190"/>
+            </a:xfrm>
+            <a:prstGeom prst="ellipse">
+              <a:avLst/>
+            </a:prstGeom>
+            <a:solidFill>
+              <a:srgbClr val="FFD47D"/>
+            </a:solidFill>
+            <a:ln>
+              <a:solidFill>
+                <a:srgbClr val="FFAA01"/>
+              </a:solidFill>
+            </a:ln>
+          </p:spPr>
+          <p:style>
+            <a:lnRef idx="2">
+              <a:schemeClr val="accent1">
+                <a:shade val="50000"/>
+              </a:schemeClr>
+            </a:lnRef>
+            <a:fillRef idx="1">
+              <a:schemeClr val="accent1"/>
+            </a:fillRef>
+            <a:effectRef idx="0">
+              <a:schemeClr val="accent1"/>
+            </a:effectRef>
+            <a:fontRef idx="minor">
+              <a:schemeClr val="lt1"/>
+            </a:fontRef>
+          </p:style>
+          <p:txBody>
+            <a:bodyPr rtlCol="0" anchor="ctr"/>
+            <a:lstStyle/>
+            <a:p>
+              <a:pPr algn="ctr"/>
+              <a:r>
+                <a:rPr lang="en-US" smtClean="0">
+                  <a:solidFill>
+                    <a:schemeClr val="tx1">
+                      <a:lumMod val="50000"/>
+                      <a:lumOff val="50000"/>
+                    </a:schemeClr>
+                  </a:solidFill>
+                  <a:latin typeface="Arial" pitchFamily="34" charset="0"/>
+                  <a:cs typeface="Arial" pitchFamily="34" charset="0"/>
+                </a:rPr>
+                <a:t>4</a:t>
+              </a:r>
+              <a:endParaRPr lang="en-US">
+                <a:solidFill>
+                  <a:schemeClr val="tx1">
+                    <a:lumMod val="50000"/>
+                    <a:lumOff val="50000"/>
+                  </a:schemeClr>
+                </a:solidFill>
+                <a:latin typeface="Arial" pitchFamily="34" charset="0"/>
+                <a:cs typeface="Arial" pitchFamily="34" charset="0"/>
+              </a:endParaRPr>
+            </a:p>
+          </p:txBody>
+        </p:sp>
+        <p:sp>
+          <p:nvSpPr>
+            <p:cNvPr id="97" name="Ellipse 96"/>
+            <p:cNvSpPr/>
+            <p:nvPr/>
+          </p:nvSpPr>
+          <p:spPr>
+            <a:xfrm>
+              <a:off x="7822429" y="1431275"/>
+              <a:ext cx="357190" cy="357190"/>
+            </a:xfrm>
+            <a:prstGeom prst="ellipse">
+              <a:avLst/>
+            </a:prstGeom>
+            <a:solidFill>
+              <a:srgbClr val="FFD47D"/>
+            </a:solidFill>
+            <a:ln>
+              <a:solidFill>
+                <a:srgbClr val="FFAA01"/>
+              </a:solidFill>
+            </a:ln>
+          </p:spPr>
+          <p:style>
+            <a:lnRef idx="2">
+              <a:schemeClr val="accent1">
+                <a:shade val="50000"/>
+              </a:schemeClr>
+            </a:lnRef>
+            <a:fillRef idx="1">
+              <a:schemeClr val="accent1"/>
+            </a:fillRef>
+            <a:effectRef idx="0">
+              <a:schemeClr val="accent1"/>
+            </a:effectRef>
+            <a:fontRef idx="minor">
+              <a:schemeClr val="lt1"/>
+            </a:fontRef>
+          </p:style>
+          <p:txBody>
+            <a:bodyPr rtlCol="0" anchor="ctr"/>
+            <a:lstStyle/>
+            <a:p>
+              <a:pPr algn="ctr"/>
+              <a:r>
+                <a:rPr lang="en-US" smtClean="0">
+                  <a:solidFill>
+                    <a:schemeClr val="tx1">
+                      <a:lumMod val="50000"/>
+                      <a:lumOff val="50000"/>
+                    </a:schemeClr>
+                  </a:solidFill>
+                  <a:latin typeface="Arial" pitchFamily="34" charset="0"/>
+                  <a:cs typeface="Arial" pitchFamily="34" charset="0"/>
+                </a:rPr>
+                <a:t>5</a:t>
+              </a:r>
+              <a:endParaRPr lang="en-US">
+                <a:solidFill>
+                  <a:schemeClr val="tx1">
+                    <a:lumMod val="50000"/>
+                    <a:lumOff val="50000"/>
+                  </a:schemeClr>
+                </a:solidFill>
+                <a:latin typeface="Arial" pitchFamily="34" charset="0"/>
+                <a:cs typeface="Arial" pitchFamily="34" charset="0"/>
+              </a:endParaRPr>
+            </a:p>
+          </p:txBody>
+        </p:sp>
+      </p:grpSp>
+      <p:sp>
+        <p:nvSpPr>
+          <p:cNvPr id="160" name="Abgerundetes Rechteck 159"/>
+          <p:cNvSpPr/>
+          <p:nvPr/>
+        </p:nvSpPr>
+        <p:spPr>
+          <a:xfrm>
+            <a:off x="642910" y="2000240"/>
+            <a:ext cx="7715304" cy="928694"/>
+          </a:xfrm>
+          <a:prstGeom prst="roundRect">
+            <a:avLst>
+              <a:gd name="adj" fmla="val 9406"/>
+            </a:avLst>
+          </a:prstGeom>
+          <a:solidFill>
+            <a:srgbClr val="FFD47D"/>
+          </a:solidFill>
+          <a:ln w="57150">
+            <a:solidFill>
+              <a:srgbClr val="FFAA01"/>
+            </a:solidFill>
+          </a:ln>
+        </p:spPr>
+        <p:style>
+          <a:lnRef idx="2">
+            <a:schemeClr val="accent1">
+              <a:shade val="50000"/>
+            </a:schemeClr>
+          </a:lnRef>
+          <a:fillRef idx="1">
+            <a:schemeClr val="accent1"/>
+          </a:fillRef>
+          <a:effectRef idx="0">
+            <a:schemeClr val="accent1"/>
+          </a:effectRef>
+          <a:fontRef idx="minor">
+            <a:schemeClr val="lt1"/>
+          </a:fontRef>
+        </p:style>
+        <p:txBody>
+          <a:bodyPr rtlCol="0" anchor="ctr"/>
+          <a:lstStyle/>
+          <a:p>
+            <a:pPr algn="ctr"/>
+            <a:r>
+              <a:rPr lang="en-US" sz="1600" b="1" smtClean="0">
+                <a:solidFill>
+                  <a:schemeClr val="bg1">
+                    <a:lumMod val="50000"/>
+                  </a:schemeClr>
+                </a:solidFill>
+                <a:latin typeface="Arial" pitchFamily="34" charset="0"/>
+                <a:cs typeface="Arial" pitchFamily="34" charset="0"/>
+              </a:rPr>
+              <a:t>ResourceSet</a:t>
+            </a:r>
+            <a:endParaRPr lang="en-US" sz="1600" b="1" smtClean="0">
+              <a:solidFill>
+                <a:schemeClr val="bg1">
+                  <a:lumMod val="50000"/>
+                </a:schemeClr>
+              </a:solidFill>
+              <a:latin typeface="Arial" pitchFamily="34" charset="0"/>
+              <a:cs typeface="Arial" pitchFamily="34" charset="0"/>
+            </a:endParaRPr>
+          </a:p>
+        </p:txBody>
+      </p:sp>
+      <p:sp>
+        <p:nvSpPr>
+          <p:cNvPr id="32" name="Abgerundetes Rechteck 31"/>
+          <p:cNvSpPr/>
+          <p:nvPr/>
+        </p:nvSpPr>
+        <p:spPr>
+          <a:xfrm>
+            <a:off x="782949" y="4135632"/>
+            <a:ext cx="2143140" cy="567630"/>
+          </a:xfrm>
+          <a:prstGeom prst="roundRect">
+            <a:avLst>
+              <a:gd name="adj" fmla="val 6160"/>
+            </a:avLst>
+          </a:prstGeom>
+          <a:solidFill>
+            <a:schemeClr val="accent1">
+              <a:lumMod val="60000"/>
+              <a:lumOff val="40000"/>
+            </a:schemeClr>
+          </a:solidFill>
+          <a:ln>
+            <a:solidFill>
+              <a:schemeClr val="accent1">
+                <a:lumMod val="75000"/>
+              </a:schemeClr>
+            </a:solidFill>
+          </a:ln>
+        </p:spPr>
+        <p:style>
+          <a:lnRef idx="2">
+            <a:schemeClr val="accent1">
+              <a:shade val="50000"/>
+            </a:schemeClr>
+          </a:lnRef>
+          <a:fillRef idx="1">
+            <a:schemeClr val="accent1"/>
+          </a:fillRef>
+          <a:effectRef idx="0">
+            <a:schemeClr val="accent1"/>
+          </a:effectRef>
+          <a:fontRef idx="minor">
+            <a:schemeClr val="lt1"/>
+          </a:fontRef>
+        </p:style>
+        <p:txBody>
+          <a:bodyPr rtlCol="0" anchor="ctr"/>
+          <a:lstStyle/>
+          <a:p>
+            <a:pPr algn="ctr"/>
+            <a:r>
+              <a:rPr lang="en-US" smtClean="0">
+                <a:solidFill>
+                  <a:schemeClr val="bg1"/>
+                </a:solidFill>
+                <a:latin typeface="Arial" pitchFamily="34" charset="0"/>
+                <a:cs typeface="Arial" pitchFamily="34" charset="0"/>
+              </a:rPr>
+              <a:t>Transaction</a:t>
+            </a:r>
+          </a:p>
+        </p:txBody>
+      </p:sp>
+      <p:grpSp>
+        <p:nvGrpSpPr>
+          <p:cNvPr id="190" name="Gruppieren 189"/>
+          <p:cNvGrpSpPr/>
+          <p:nvPr/>
+        </p:nvGrpSpPr>
+        <p:grpSpPr>
+          <a:xfrm>
+            <a:off x="1212833" y="686751"/>
+            <a:ext cx="6794733" cy="1002564"/>
+            <a:chOff x="1212833" y="686751"/>
+            <a:chExt cx="6794733" cy="1002564"/>
+          </a:xfrm>
+        </p:grpSpPr>
+        <p:cxnSp>
+          <p:nvCxnSpPr>
+            <p:cNvPr id="128" name="Gerade Verbindung mit Pfeil 127"/>
+            <p:cNvCxnSpPr/>
+            <p:nvPr/>
+          </p:nvCxnSpPr>
+          <p:spPr>
+            <a:xfrm>
+              <a:off x="1425844" y="805912"/>
+              <a:ext cx="736170" cy="170481"/>
+            </a:xfrm>
+            <a:prstGeom prst="straightConnector1">
+              <a:avLst/>
+            </a:prstGeom>
+            <a:ln>
+              <a:tailEnd type="arrow"/>
+            </a:ln>
+          </p:spPr>
+          <p:style>
+            <a:lnRef idx="1">
+              <a:schemeClr val="accent1"/>
+            </a:lnRef>
+            <a:fillRef idx="0">
+              <a:schemeClr val="accent1"/>
+            </a:fillRef>
+            <a:effectRef idx="0">
+              <a:schemeClr val="accent1"/>
+            </a:effectRef>
+            <a:fontRef idx="minor">
+              <a:schemeClr val="tx1"/>
+            </a:fontRef>
+          </p:style>
+        </p:cxnSp>
+        <p:cxnSp>
+          <p:nvCxnSpPr>
+            <p:cNvPr id="133" name="Gerade Verbindung mit Pfeil 132"/>
+            <p:cNvCxnSpPr/>
+            <p:nvPr/>
+          </p:nvCxnSpPr>
+          <p:spPr>
+            <a:xfrm flipV="1">
+              <a:off x="1604075" y="1069384"/>
+              <a:ext cx="557939" cy="54243"/>
+            </a:xfrm>
+            <a:prstGeom prst="straightConnector1">
+              <a:avLst/>
+            </a:prstGeom>
+            <a:ln>
+              <a:tailEnd type="arrow"/>
+            </a:ln>
+          </p:spPr>
+          <p:style>
+            <a:lnRef idx="1">
+              <a:schemeClr val="accent1"/>
+            </a:lnRef>
+            <a:fillRef idx="0">
+              <a:schemeClr val="accent1"/>
+            </a:fillRef>
+            <a:effectRef idx="0">
+              <a:schemeClr val="accent1"/>
+            </a:effectRef>
+            <a:fontRef idx="minor">
+              <a:schemeClr val="tx1"/>
+            </a:fontRef>
+          </p:style>
+        </p:cxnSp>
+        <p:cxnSp>
+          <p:nvCxnSpPr>
+            <p:cNvPr id="136" name="Gerade Verbindung mit Pfeil 135"/>
+            <p:cNvCxnSpPr/>
+            <p:nvPr/>
+          </p:nvCxnSpPr>
+          <p:spPr>
+            <a:xfrm rot="10800000" flipV="1">
+              <a:off x="1425844" y="1519303"/>
+              <a:ext cx="717264" cy="77021"/>
+            </a:xfrm>
+            <a:prstGeom prst="straightConnector1">
+              <a:avLst/>
+            </a:prstGeom>
+            <a:ln>
+              <a:tailEnd type="arrow"/>
+            </a:ln>
+          </p:spPr>
+          <p:style>
+            <a:lnRef idx="1">
+              <a:schemeClr val="accent1"/>
+            </a:lnRef>
+            <a:fillRef idx="0">
+              <a:schemeClr val="accent1"/>
+            </a:fillRef>
+            <a:effectRef idx="0">
+              <a:schemeClr val="accent1"/>
+            </a:effectRef>
+            <a:fontRef idx="minor">
+              <a:schemeClr val="tx1"/>
+            </a:fontRef>
+          </p:style>
+        </p:cxnSp>
+        <p:cxnSp>
+          <p:nvCxnSpPr>
+            <p:cNvPr id="138" name="Gerade Verbindung mit Pfeil 137"/>
+            <p:cNvCxnSpPr/>
+            <p:nvPr/>
+          </p:nvCxnSpPr>
+          <p:spPr>
+            <a:xfrm rot="16200000" flipH="1">
+              <a:off x="971700" y="1188958"/>
+              <a:ext cx="484654" cy="2388"/>
+            </a:xfrm>
+            <a:prstGeom prst="straightConnector1">
+              <a:avLst/>
+            </a:prstGeom>
+            <a:ln>
+              <a:tailEnd type="arrow"/>
+            </a:ln>
+          </p:spPr>
+          <p:style>
+            <a:lnRef idx="1">
+              <a:schemeClr val="accent1"/>
+            </a:lnRef>
+            <a:fillRef idx="0">
+              <a:schemeClr val="accent1"/>
+            </a:fillRef>
+            <a:effectRef idx="0">
+              <a:schemeClr val="accent1"/>
+            </a:effectRef>
+            <a:fontRef idx="minor">
+              <a:schemeClr val="tx1"/>
+            </a:fontRef>
+          </p:style>
+        </p:cxnSp>
+        <p:cxnSp>
+          <p:nvCxnSpPr>
+            <p:cNvPr id="141" name="Gerade Verbindung mit Pfeil 140"/>
+            <p:cNvCxnSpPr/>
+            <p:nvPr/>
+          </p:nvCxnSpPr>
+          <p:spPr>
+            <a:xfrm>
+              <a:off x="1406938" y="686751"/>
+              <a:ext cx="2591625" cy="64917"/>
+            </a:xfrm>
+            <a:prstGeom prst="straightConnector1">
+              <a:avLst/>
+            </a:prstGeom>
+            <a:ln>
+              <a:tailEnd type="arrow"/>
+            </a:ln>
+          </p:spPr>
+          <p:style>
+            <a:lnRef idx="1">
+              <a:schemeClr val="accent1"/>
+            </a:lnRef>
+            <a:fillRef idx="0">
+              <a:schemeClr val="accent1"/>
+            </a:fillRef>
+            <a:effectRef idx="0">
+              <a:schemeClr val="accent1"/>
+            </a:effectRef>
+            <a:fontRef idx="minor">
+              <a:schemeClr val="tx1"/>
+            </a:fontRef>
+          </p:style>
+        </p:cxnSp>
+        <p:cxnSp>
+          <p:nvCxnSpPr>
+            <p:cNvPr id="143" name="Gerade Verbindung mit Pfeil 142"/>
+            <p:cNvCxnSpPr/>
+            <p:nvPr/>
+          </p:nvCxnSpPr>
+          <p:spPr>
+            <a:xfrm rot="10800000" flipV="1">
+              <a:off x="2487478" y="818721"/>
+              <a:ext cx="1513018" cy="180920"/>
+            </a:xfrm>
+            <a:prstGeom prst="straightConnector1">
+              <a:avLst/>
+            </a:prstGeom>
+            <a:ln>
+              <a:tailEnd type="arrow"/>
+            </a:ln>
+          </p:spPr>
+          <p:style>
+            <a:lnRef idx="1">
+              <a:schemeClr val="accent1"/>
+            </a:lnRef>
+            <a:fillRef idx="0">
+              <a:schemeClr val="accent1"/>
+            </a:fillRef>
+            <a:effectRef idx="0">
+              <a:schemeClr val="accent1"/>
+            </a:effectRef>
+            <a:fontRef idx="minor">
+              <a:schemeClr val="tx1"/>
+            </a:fontRef>
+          </p:style>
+        </p:cxnSp>
+        <p:cxnSp>
+          <p:nvCxnSpPr>
+            <p:cNvPr id="145" name="Gerade Verbindung mit Pfeil 144"/>
+            <p:cNvCxnSpPr/>
+            <p:nvPr/>
+          </p:nvCxnSpPr>
+          <p:spPr>
+            <a:xfrm>
+              <a:off x="5199681" y="1131376"/>
+              <a:ext cx="1387099" cy="379709"/>
+            </a:xfrm>
+            <a:prstGeom prst="straightConnector1">
+              <a:avLst/>
+            </a:prstGeom>
+            <a:ln>
+              <a:tailEnd type="arrow"/>
+            </a:ln>
+          </p:spPr>
+          <p:style>
+            <a:lnRef idx="1">
+              <a:schemeClr val="accent1"/>
+            </a:lnRef>
+            <a:fillRef idx="0">
+              <a:schemeClr val="accent1"/>
+            </a:fillRef>
+            <a:effectRef idx="0">
+              <a:schemeClr val="accent1"/>
+            </a:effectRef>
+            <a:fontRef idx="minor">
+              <a:schemeClr val="tx1"/>
+            </a:fontRef>
+          </p:style>
+        </p:cxnSp>
+        <p:cxnSp>
+          <p:nvCxnSpPr>
+            <p:cNvPr id="149" name="Gerade Verbindung mit Pfeil 148"/>
+            <p:cNvCxnSpPr/>
+            <p:nvPr/>
+          </p:nvCxnSpPr>
+          <p:spPr>
+            <a:xfrm>
+              <a:off x="5214942" y="1024567"/>
+              <a:ext cx="1542319" cy="176552"/>
+            </a:xfrm>
+            <a:prstGeom prst="straightConnector1">
+              <a:avLst/>
+            </a:prstGeom>
+            <a:ln>
+              <a:tailEnd type="arrow"/>
+            </a:ln>
+          </p:spPr>
+          <p:style>
+            <a:lnRef idx="1">
+              <a:schemeClr val="accent1"/>
+            </a:lnRef>
+            <a:fillRef idx="0">
+              <a:schemeClr val="accent1"/>
+            </a:fillRef>
+            <a:effectRef idx="0">
+              <a:schemeClr val="accent1"/>
+            </a:effectRef>
+            <a:fontRef idx="minor">
+              <a:schemeClr val="tx1"/>
+            </a:fontRef>
+          </p:style>
+        </p:cxnSp>
+        <p:cxnSp>
+          <p:nvCxnSpPr>
+            <p:cNvPr id="151" name="Gerade Verbindung mit Pfeil 150"/>
+            <p:cNvCxnSpPr/>
+            <p:nvPr/>
+          </p:nvCxnSpPr>
+          <p:spPr>
+            <a:xfrm rot="10800000" flipV="1">
+              <a:off x="7093167" y="953145"/>
+              <a:ext cx="400265" cy="188063"/>
+            </a:xfrm>
+            <a:prstGeom prst="straightConnector1">
+              <a:avLst/>
+            </a:prstGeom>
+            <a:ln>
+              <a:tailEnd type="arrow"/>
+            </a:ln>
+          </p:spPr>
+          <p:style>
+            <a:lnRef idx="1">
+              <a:schemeClr val="accent1"/>
+            </a:lnRef>
+            <a:fillRef idx="0">
+              <a:schemeClr val="accent1"/>
+            </a:fillRef>
+            <a:effectRef idx="0">
+              <a:schemeClr val="accent1"/>
+            </a:effectRef>
+            <a:fontRef idx="minor">
+              <a:schemeClr val="tx1"/>
+            </a:fontRef>
+          </p:style>
+        </p:cxnSp>
+        <p:cxnSp>
+          <p:nvCxnSpPr>
+            <p:cNvPr id="155" name="Gerade Verbindung mit Pfeil 154"/>
+            <p:cNvCxnSpPr/>
+            <p:nvPr/>
+          </p:nvCxnSpPr>
+          <p:spPr>
+            <a:xfrm rot="10800000" flipV="1">
+              <a:off x="5184184" y="845162"/>
+              <a:ext cx="2276653" cy="115731"/>
+            </a:xfrm>
+            <a:prstGeom prst="straightConnector1">
+              <a:avLst/>
+            </a:prstGeom>
+            <a:ln>
+              <a:tailEnd type="arrow"/>
+            </a:ln>
+          </p:spPr>
+          <p:style>
+            <a:lnRef idx="1">
+              <a:schemeClr val="accent1"/>
+            </a:lnRef>
+            <a:fillRef idx="0">
+              <a:schemeClr val="accent1"/>
+            </a:fillRef>
+            <a:effectRef idx="0">
+              <a:schemeClr val="accent1"/>
+            </a:effectRef>
+            <a:fontRef idx="minor">
+              <a:schemeClr val="tx1"/>
+            </a:fontRef>
+          </p:style>
+        </p:cxnSp>
+        <p:cxnSp>
+          <p:nvCxnSpPr>
+            <p:cNvPr id="157" name="Gerade Verbindung mit Pfeil 156"/>
+            <p:cNvCxnSpPr/>
+            <p:nvPr/>
+          </p:nvCxnSpPr>
+          <p:spPr>
+            <a:xfrm rot="10800000" flipV="1">
+              <a:off x="4176794" y="1092865"/>
+              <a:ext cx="680959" cy="85006"/>
+            </a:xfrm>
+            <a:prstGeom prst="straightConnector1">
+              <a:avLst/>
+            </a:prstGeom>
+            <a:ln>
+              <a:tailEnd type="arrow"/>
+            </a:ln>
+          </p:spPr>
+          <p:style>
+            <a:lnRef idx="1">
+              <a:schemeClr val="accent1"/>
+            </a:lnRef>
+            <a:fillRef idx="0">
+              <a:schemeClr val="accent1"/>
+            </a:fillRef>
+            <a:effectRef idx="0">
+              <a:schemeClr val="accent1"/>
+            </a:effectRef>
+            <a:fontRef idx="minor">
+              <a:schemeClr val="tx1"/>
+            </a:fontRef>
+          </p:style>
+        </p:cxnSp>
+        <p:cxnSp>
+          <p:nvCxnSpPr>
+            <p:cNvPr id="159" name="Gerade Verbindung mit Pfeil 158"/>
+            <p:cNvCxnSpPr/>
+            <p:nvPr/>
+          </p:nvCxnSpPr>
+          <p:spPr>
+            <a:xfrm>
+              <a:off x="4339043" y="836906"/>
+              <a:ext cx="535174" cy="123989"/>
+            </a:xfrm>
+            <a:prstGeom prst="straightConnector1">
+              <a:avLst/>
+            </a:prstGeom>
+            <a:ln>
+              <a:tailEnd type="arrow"/>
+            </a:ln>
+          </p:spPr>
+          <p:style>
+            <a:lnRef idx="1">
+              <a:schemeClr val="accent1"/>
+            </a:lnRef>
+            <a:fillRef idx="0">
+              <a:schemeClr val="accent1"/>
+            </a:fillRef>
+            <a:effectRef idx="0">
+              <a:schemeClr val="accent1"/>
+            </a:effectRef>
+            <a:fontRef idx="minor">
+              <a:schemeClr val="tx1"/>
+            </a:fontRef>
+          </p:style>
+        </p:cxnSp>
+        <p:cxnSp>
+          <p:nvCxnSpPr>
+            <p:cNvPr id="163" name="Gerade Verbindung mit Pfeil 162"/>
+            <p:cNvCxnSpPr/>
+            <p:nvPr/>
+          </p:nvCxnSpPr>
+          <p:spPr>
+            <a:xfrm rot="5400000">
+              <a:off x="3938897" y="1458723"/>
+              <a:ext cx="119778" cy="445"/>
+            </a:xfrm>
+            <a:prstGeom prst="straightConnector1">
+              <a:avLst/>
+            </a:prstGeom>
+            <a:ln>
+              <a:tailEnd type="arrow"/>
+            </a:ln>
+          </p:spPr>
+          <p:style>
+            <a:lnRef idx="1">
+              <a:schemeClr val="accent1"/>
+            </a:lnRef>
+            <a:fillRef idx="0">
+              <a:schemeClr val="accent1"/>
+            </a:fillRef>
+            <a:effectRef idx="0">
+              <a:schemeClr val="accent1"/>
+            </a:effectRef>
+            <a:fontRef idx="minor">
+              <a:schemeClr val="tx1"/>
+            </a:fontRef>
+          </p:style>
+        </p:cxnSp>
+        <p:cxnSp>
+          <p:nvCxnSpPr>
+            <p:cNvPr id="165" name="Gerade Verbindung mit Pfeil 164"/>
+            <p:cNvCxnSpPr/>
+            <p:nvPr/>
+          </p:nvCxnSpPr>
+          <p:spPr>
+            <a:xfrm rot="5400000" flipH="1" flipV="1">
+              <a:off x="2252617" y="1277257"/>
+              <a:ext cx="133532" cy="5806"/>
+            </a:xfrm>
+            <a:prstGeom prst="straightConnector1">
+              <a:avLst/>
+            </a:prstGeom>
+            <a:ln>
+              <a:tailEnd type="arrow"/>
+            </a:ln>
+          </p:spPr>
+          <p:style>
+            <a:lnRef idx="1">
+              <a:schemeClr val="accent1"/>
+            </a:lnRef>
+            <a:fillRef idx="0">
+              <a:schemeClr val="accent1"/>
+            </a:fillRef>
+            <a:effectRef idx="0">
+              <a:schemeClr val="accent1"/>
+            </a:effectRef>
+            <a:fontRef idx="minor">
+              <a:schemeClr val="tx1"/>
+            </a:fontRef>
+          </p:style>
+        </p:cxnSp>
+        <p:cxnSp>
+          <p:nvCxnSpPr>
+            <p:cNvPr id="168" name="Gerade Verbindung mit Pfeil 167"/>
+            <p:cNvCxnSpPr/>
+            <p:nvPr/>
+          </p:nvCxnSpPr>
+          <p:spPr>
+            <a:xfrm rot="5400000">
+              <a:off x="1278712" y="1348379"/>
+              <a:ext cx="145139" cy="49347"/>
+            </a:xfrm>
+            <a:prstGeom prst="straightConnector1">
+              <a:avLst/>
+            </a:prstGeom>
+            <a:ln>
+              <a:tailEnd type="arrow"/>
+            </a:ln>
+          </p:spPr>
+          <p:style>
+            <a:lnRef idx="1">
+              <a:schemeClr val="accent1"/>
+            </a:lnRef>
+            <a:fillRef idx="0">
+              <a:schemeClr val="accent1"/>
+            </a:fillRef>
+            <a:effectRef idx="0">
+              <a:schemeClr val="accent1"/>
+            </a:effectRef>
+            <a:fontRef idx="minor">
+              <a:schemeClr val="tx1"/>
+            </a:fontRef>
+          </p:style>
+        </p:cxnSp>
+        <p:cxnSp>
+          <p:nvCxnSpPr>
+            <p:cNvPr id="171" name="Gerade Verbindung mit Pfeil 170"/>
+            <p:cNvCxnSpPr/>
+            <p:nvPr/>
+          </p:nvCxnSpPr>
+          <p:spPr>
+            <a:xfrm rot="5400000">
+              <a:off x="4020191" y="966602"/>
+              <a:ext cx="108066" cy="50158"/>
+            </a:xfrm>
+            <a:prstGeom prst="straightConnector1">
+              <a:avLst/>
+            </a:prstGeom>
+            <a:ln>
+              <a:tailEnd type="arrow"/>
+            </a:ln>
+          </p:spPr>
+          <p:style>
+            <a:lnRef idx="1">
+              <a:schemeClr val="accent1"/>
+            </a:lnRef>
+            <a:fillRef idx="0">
+              <a:schemeClr val="accent1"/>
+            </a:fillRef>
+            <a:effectRef idx="0">
+              <a:schemeClr val="accent1"/>
+            </a:effectRef>
+            <a:fontRef idx="minor">
+              <a:schemeClr val="tx1"/>
+            </a:fontRef>
+          </p:style>
+        </p:cxnSp>
+        <p:cxnSp>
+          <p:nvCxnSpPr>
+            <p:cNvPr id="175" name="Gerade Verbindung mit Pfeil 174"/>
+            <p:cNvCxnSpPr/>
+            <p:nvPr/>
+          </p:nvCxnSpPr>
+          <p:spPr>
+            <a:xfrm rot="16200000" flipH="1">
+              <a:off x="7598043" y="1135250"/>
+              <a:ext cx="410710" cy="216979"/>
+            </a:xfrm>
+            <a:prstGeom prst="straightConnector1">
+              <a:avLst/>
+            </a:prstGeom>
+            <a:ln>
+              <a:tailEnd type="arrow"/>
+            </a:ln>
+          </p:spPr>
+          <p:style>
+            <a:lnRef idx="1">
+              <a:schemeClr val="accent1"/>
+            </a:lnRef>
+            <a:fillRef idx="0">
+              <a:schemeClr val="accent1"/>
+            </a:fillRef>
+            <a:effectRef idx="0">
+              <a:schemeClr val="accent1"/>
+            </a:effectRef>
+            <a:fontRef idx="minor">
+              <a:schemeClr val="tx1"/>
+            </a:fontRef>
+          </p:style>
+        </p:cxnSp>
+        <p:cxnSp>
+          <p:nvCxnSpPr>
+            <p:cNvPr id="179" name="Gerade Verbindung mit Pfeil 178"/>
+            <p:cNvCxnSpPr/>
+            <p:nvPr/>
+          </p:nvCxnSpPr>
+          <p:spPr>
+            <a:xfrm rot="5400000" flipH="1" flipV="1">
+              <a:off x="7938331" y="1360858"/>
+              <a:ext cx="133698" cy="4772"/>
+            </a:xfrm>
+            <a:prstGeom prst="straightConnector1">
+              <a:avLst/>
+            </a:prstGeom>
+            <a:ln>
+              <a:tailEnd type="arrow"/>
+            </a:ln>
+          </p:spPr>
+          <p:style>
+            <a:lnRef idx="1">
+              <a:schemeClr val="accent1"/>
+            </a:lnRef>
+            <a:fillRef idx="0">
+              <a:schemeClr val="accent1"/>
+            </a:fillRef>
+            <a:effectRef idx="0">
+              <a:schemeClr val="accent1"/>
+            </a:effectRef>
+            <a:fontRef idx="minor">
+              <a:schemeClr val="tx1"/>
+            </a:fontRef>
+          </p:style>
+        </p:cxnSp>
+        <p:cxnSp>
+          <p:nvCxnSpPr>
+            <p:cNvPr id="191" name="Gerade Verbindung mit Pfeil 190"/>
+            <p:cNvCxnSpPr/>
+            <p:nvPr/>
+          </p:nvCxnSpPr>
+          <p:spPr>
+            <a:xfrm>
+              <a:off x="2503182" y="1519304"/>
+              <a:ext cx="1332649" cy="146764"/>
+            </a:xfrm>
+            <a:prstGeom prst="straightConnector1">
+              <a:avLst/>
+            </a:prstGeom>
+            <a:ln>
+              <a:tailEnd type="arrow"/>
+            </a:ln>
+          </p:spPr>
+          <p:style>
+            <a:lnRef idx="1">
+              <a:schemeClr val="accent1"/>
+            </a:lnRef>
+            <a:fillRef idx="0">
+              <a:schemeClr val="accent1"/>
+            </a:fillRef>
+            <a:effectRef idx="0">
+              <a:schemeClr val="accent1"/>
+            </a:effectRef>
+            <a:fontRef idx="minor">
+              <a:schemeClr val="tx1"/>
+            </a:fontRef>
+          </p:style>
+        </p:cxnSp>
+        <p:cxnSp>
+          <p:nvCxnSpPr>
+            <p:cNvPr id="193" name="Gerade Verbindung mit Pfeil 192"/>
+            <p:cNvCxnSpPr/>
+            <p:nvPr/>
+          </p:nvCxnSpPr>
+          <p:spPr>
+            <a:xfrm rot="10800000" flipV="1">
+              <a:off x="4169044" y="1603443"/>
+              <a:ext cx="2403220" cy="85872"/>
+            </a:xfrm>
+            <a:prstGeom prst="straightConnector1">
+              <a:avLst/>
+            </a:prstGeom>
+            <a:ln>
+              <a:tailEnd type="arrow"/>
+            </a:ln>
+          </p:spPr>
+          <p:style>
+            <a:lnRef idx="1">
+              <a:schemeClr val="accent1"/>
+            </a:lnRef>
+            <a:fillRef idx="0">
+              <a:schemeClr val="accent1"/>
+            </a:fillRef>
+            <a:effectRef idx="0">
+              <a:schemeClr val="accent1"/>
+            </a:effectRef>
+            <a:fontRef idx="minor">
+              <a:schemeClr val="tx1"/>
+            </a:fontRef>
+          </p:style>
+        </p:cxnSp>
+        <p:cxnSp>
+          <p:nvCxnSpPr>
+            <p:cNvPr id="195" name="Gerade Verbindung mit Pfeil 194"/>
+            <p:cNvCxnSpPr/>
+            <p:nvPr/>
+          </p:nvCxnSpPr>
+          <p:spPr>
+            <a:xfrm>
+              <a:off x="6929454" y="1573909"/>
+              <a:ext cx="889441" cy="45664"/>
+            </a:xfrm>
+            <a:prstGeom prst="straightConnector1">
+              <a:avLst/>
+            </a:prstGeom>
+            <a:ln>
+              <a:tailEnd type="arrow"/>
+            </a:ln>
+          </p:spPr>
+          <p:style>
+            <a:lnRef idx="1">
+              <a:schemeClr val="accent1"/>
+            </a:lnRef>
+            <a:fillRef idx="0">
+              <a:schemeClr val="accent1"/>
+            </a:fillRef>
+            <a:effectRef idx="0">
+              <a:schemeClr val="accent1"/>
+            </a:effectRef>
+            <a:fontRef idx="minor">
+              <a:schemeClr val="tx1"/>
+            </a:fontRef>
+          </p:style>
+        </p:cxnSp>
+      </p:grpSp>
+      <p:grpSp>
+        <p:nvGrpSpPr>
+          <p:cNvPr id="232" name="Gruppieren 231"/>
+          <p:cNvGrpSpPr/>
+          <p:nvPr/>
+        </p:nvGrpSpPr>
+        <p:grpSpPr>
+          <a:xfrm>
+            <a:off x="1790055" y="2214554"/>
+            <a:ext cx="5813715" cy="2047480"/>
+            <a:chOff x="1790055" y="2214554"/>
+            <a:chExt cx="5813715" cy="2047480"/>
+          </a:xfrm>
+        </p:grpSpPr>
+        <p:grpSp>
+          <p:nvGrpSpPr>
+            <p:cNvPr id="227" name="Gruppieren 226"/>
+            <p:cNvGrpSpPr/>
+            <p:nvPr/>
+          </p:nvGrpSpPr>
+          <p:grpSpPr>
+            <a:xfrm>
+              <a:off x="1790055" y="2657959"/>
+              <a:ext cx="5496591" cy="1604075"/>
+              <a:chOff x="1790055" y="1619576"/>
+              <a:chExt cx="5496591" cy="2642458"/>
+            </a:xfrm>
+          </p:grpSpPr>
+          <p:cxnSp>
+            <p:nvCxnSpPr>
+              <p:cNvPr id="228" name="Gewinkelte Verbindung 120"/>
+              <p:cNvCxnSpPr/>
+              <p:nvPr/>
+            </p:nvCxnSpPr>
+            <p:spPr>
+              <a:xfrm rot="5400000">
+                <a:off x="4424767" y="1704817"/>
+                <a:ext cx="2626962" cy="2456480"/>
+              </a:xfrm>
+              <a:prstGeom prst="straightConnector1">
+                <a:avLst/>
+              </a:prstGeom>
+              <a:ln w="38100">
+                <a:solidFill>
+                  <a:srgbClr val="C00000"/>
+                </a:solidFill>
+                <a:headEnd type="none" w="med" len="med"/>
+                <a:tailEnd type="oval" w="med" len="med"/>
+              </a:ln>
+            </p:spPr>
+            <p:style>
+              <a:lnRef idx="1">
+                <a:schemeClr val="accent1"/>
+              </a:lnRef>
+              <a:fillRef idx="0">
+                <a:schemeClr val="accent1"/>
+              </a:fillRef>
+              <a:effectRef idx="0">
+                <a:schemeClr val="accent1"/>
+              </a:effectRef>
+              <a:fontRef idx="minor">
+                <a:schemeClr val="tx1"/>
+              </a:fontRef>
+            </p:style>
+          </p:cxnSp>
+          <p:cxnSp>
+            <p:nvCxnSpPr>
+              <p:cNvPr id="229" name="Gewinkelte Verbindung 120"/>
+              <p:cNvCxnSpPr/>
+              <p:nvPr/>
+            </p:nvCxnSpPr>
+            <p:spPr>
+              <a:xfrm rot="10800000" flipV="1">
+                <a:off x="1790055" y="1643048"/>
+                <a:ext cx="4841703" cy="2618986"/>
+              </a:xfrm>
+              <a:prstGeom prst="straightConnector1">
+                <a:avLst/>
+              </a:prstGeom>
+              <a:ln w="38100">
+                <a:solidFill>
+                  <a:srgbClr val="C00000"/>
+                </a:solidFill>
+                <a:headEnd type="none" w="med" len="med"/>
+                <a:tailEnd type="oval" w="med" len="med"/>
+              </a:ln>
+            </p:spPr>
+            <p:style>
+              <a:lnRef idx="1">
+                <a:schemeClr val="accent1"/>
+              </a:lnRef>
+              <a:fillRef idx="0">
+                <a:schemeClr val="accent1"/>
+              </a:fillRef>
+              <a:effectRef idx="0">
+                <a:schemeClr val="accent1"/>
+              </a:effectRef>
+              <a:fontRef idx="minor">
+                <a:schemeClr val="tx1"/>
+              </a:fontRef>
+            </p:style>
+          </p:cxnSp>
+          <p:cxnSp>
+            <p:nvCxnSpPr>
+              <p:cNvPr id="230" name="Gewinkelte Verbindung 120"/>
+              <p:cNvCxnSpPr/>
+              <p:nvPr/>
+            </p:nvCxnSpPr>
+            <p:spPr>
+              <a:xfrm rot="5400000">
+                <a:off x="5979805" y="2947447"/>
+                <a:ext cx="2595741" cy="17940"/>
+              </a:xfrm>
+              <a:prstGeom prst="straightConnector1">
+                <a:avLst/>
+              </a:prstGeom>
+              <a:ln w="38100">
+                <a:solidFill>
+                  <a:srgbClr val="C00000"/>
+                </a:solidFill>
+                <a:headEnd type="none" w="med" len="med"/>
+                <a:tailEnd type="oval" w="med" len="med"/>
+              </a:ln>
+            </p:spPr>
+            <p:style>
+              <a:lnRef idx="1">
+                <a:schemeClr val="accent1"/>
+              </a:lnRef>
+              <a:fillRef idx="0">
+                <a:schemeClr val="accent1"/>
+              </a:fillRef>
+              <a:effectRef idx="0">
+                <a:schemeClr val="accent1"/>
+              </a:effectRef>
+              <a:fontRef idx="minor">
+                <a:schemeClr val="tx1"/>
+              </a:fontRef>
+            </p:style>
+          </p:cxnSp>
+        </p:grpSp>
+        <p:sp>
+          <p:nvSpPr>
+            <p:cNvPr id="231" name="Abgerundetes Rechteck 230"/>
+            <p:cNvSpPr/>
+            <p:nvPr/>
+          </p:nvSpPr>
+          <p:spPr>
+            <a:xfrm>
+              <a:off x="6286512" y="2214554"/>
+              <a:ext cx="1317258" cy="500066"/>
+            </a:xfrm>
+            <a:prstGeom prst="roundRect">
+              <a:avLst>
+                <a:gd name="adj" fmla="val 7105"/>
+              </a:avLst>
+            </a:prstGeom>
+            <a:solidFill>
+              <a:schemeClr val="accent1">
+                <a:lumMod val="20000"/>
+                <a:lumOff val="80000"/>
+              </a:schemeClr>
+            </a:solidFill>
+            <a:ln>
+              <a:solidFill>
+                <a:schemeClr val="accent1">
+                  <a:lumMod val="60000"/>
+                  <a:lumOff val="40000"/>
+                </a:schemeClr>
+              </a:solidFill>
+            </a:ln>
+          </p:spPr>
+          <p:style>
+            <a:lnRef idx="2">
+              <a:schemeClr val="accent1">
+                <a:shade val="50000"/>
+              </a:schemeClr>
+            </a:lnRef>
+            <a:fillRef idx="1">
+              <a:schemeClr val="accent1"/>
+            </a:fillRef>
+            <a:effectRef idx="0">
+              <a:schemeClr val="accent1"/>
+            </a:effectRef>
+            <a:fontRef idx="minor">
+              <a:schemeClr val="lt1"/>
+            </a:fontRef>
+          </p:style>
+          <p:txBody>
+            <a:bodyPr rtlCol="0" anchor="ctr"/>
+            <a:lstStyle/>
+            <a:p>
+              <a:pPr algn="ctr"/>
+              <a:r>
+                <a:rPr lang="en-US" smtClean="0">
+                  <a:solidFill>
+                    <a:schemeClr val="bg1">
+                      <a:lumMod val="50000"/>
+                    </a:schemeClr>
+                  </a:solidFill>
+                  <a:latin typeface="Arial" pitchFamily="34" charset="0"/>
+                  <a:cs typeface="Arial" pitchFamily="34" charset="0"/>
+                </a:rPr>
+                <a:t>View Set</a:t>
+              </a:r>
+              <a:endParaRPr lang="en-US" smtClean="0">
+                <a:solidFill>
+                  <a:schemeClr val="bg1">
+                    <a:lumMod val="50000"/>
+                  </a:schemeClr>
+                </a:solidFill>
+                <a:latin typeface="Arial" pitchFamily="34" charset="0"/>
+                <a:cs typeface="Arial" pitchFamily="34" charset="0"/>
+              </a:endParaRPr>
+            </a:p>
+          </p:txBody>
+        </p:sp>
+      </p:grpSp>
+      <p:grpSp>
+        <p:nvGrpSpPr>
+          <p:cNvPr id="222" name="Gruppieren 221"/>
+          <p:cNvGrpSpPr/>
+          <p:nvPr/>
+        </p:nvGrpSpPr>
+        <p:grpSpPr>
+          <a:xfrm>
+            <a:off x="2340227" y="2217270"/>
+            <a:ext cx="4078575" cy="928692"/>
+            <a:chOff x="911467" y="5143513"/>
+            <a:chExt cx="4078575" cy="928692"/>
+          </a:xfrm>
+        </p:grpSpPr>
+        <p:cxnSp>
+          <p:nvCxnSpPr>
+            <p:cNvPr id="223" name="Gewinkelte Verbindung 120"/>
+            <p:cNvCxnSpPr/>
+            <p:nvPr/>
+          </p:nvCxnSpPr>
+          <p:spPr>
+            <a:xfrm rot="16200000" flipH="1">
+              <a:off x="2603739" y="5749854"/>
+              <a:ext cx="438568" cy="206134"/>
+            </a:xfrm>
+            <a:prstGeom prst="straightConnector1">
+              <a:avLst/>
+            </a:prstGeom>
+            <a:ln w="38100">
+              <a:solidFill>
+                <a:srgbClr val="C00000"/>
+              </a:solidFill>
+              <a:headEnd type="none" w="med" len="med"/>
+              <a:tailEnd type="oval" w="med" len="med"/>
+            </a:ln>
+          </p:spPr>
+          <p:style>
+            <a:lnRef idx="1">
+              <a:schemeClr val="accent1"/>
+            </a:lnRef>
+            <a:fillRef idx="0">
+              <a:schemeClr val="accent1"/>
+            </a:fillRef>
+            <a:effectRef idx="0">
+              <a:schemeClr val="accent1"/>
+            </a:effectRef>
+            <a:fontRef idx="minor">
+              <a:schemeClr val="tx1"/>
+            </a:fontRef>
+          </p:style>
+        </p:cxnSp>
+        <p:cxnSp>
+          <p:nvCxnSpPr>
+            <p:cNvPr id="215" name="Gewinkelte Verbindung 120"/>
+            <p:cNvCxnSpPr>
+              <a:stCxn id="211" idx="3"/>
+            </p:cNvCxnSpPr>
+            <p:nvPr/>
+          </p:nvCxnSpPr>
+          <p:spPr>
+            <a:xfrm>
+              <a:off x="2804574" y="5393546"/>
+              <a:ext cx="2185468" cy="1588"/>
+            </a:xfrm>
+            <a:prstGeom prst="straightConnector1">
+              <a:avLst/>
+            </a:prstGeom>
+            <a:ln w="38100">
+              <a:solidFill>
+                <a:srgbClr val="C00000"/>
+              </a:solidFill>
+              <a:headEnd type="none" w="med" len="med"/>
+              <a:tailEnd type="oval" w="med" len="med"/>
+            </a:ln>
+          </p:spPr>
+          <p:style>
+            <a:lnRef idx="1">
+              <a:schemeClr val="accent1"/>
+            </a:lnRef>
+            <a:fillRef idx="0">
+              <a:schemeClr val="accent1"/>
+            </a:fillRef>
+            <a:effectRef idx="0">
+              <a:schemeClr val="accent1"/>
+            </a:effectRef>
+            <a:fontRef idx="minor">
+              <a:schemeClr val="tx1"/>
+            </a:fontRef>
+          </p:style>
+        </p:cxnSp>
+        <p:cxnSp>
+          <p:nvCxnSpPr>
+            <p:cNvPr id="218" name="Gewinkelte Verbindung 120"/>
+            <p:cNvCxnSpPr/>
+            <p:nvPr/>
+          </p:nvCxnSpPr>
+          <p:spPr>
+            <a:xfrm>
+              <a:off x="2763181" y="5499114"/>
+              <a:ext cx="923782" cy="144465"/>
+            </a:xfrm>
+            <a:prstGeom prst="straightConnector1">
+              <a:avLst/>
+            </a:prstGeom>
+            <a:ln w="38100">
+              <a:solidFill>
+                <a:srgbClr val="C00000"/>
+              </a:solidFill>
+              <a:headEnd type="none" w="med" len="med"/>
+              <a:tailEnd type="oval" w="med" len="med"/>
+            </a:ln>
+          </p:spPr>
+          <p:style>
+            <a:lnRef idx="1">
+              <a:schemeClr val="accent1"/>
+            </a:lnRef>
+            <a:fillRef idx="0">
+              <a:schemeClr val="accent1"/>
+            </a:fillRef>
+            <a:effectRef idx="0">
+              <a:schemeClr val="accent1"/>
+            </a:effectRef>
+            <a:fontRef idx="minor">
+              <a:schemeClr val="tx1"/>
+            </a:fontRef>
+          </p:style>
+        </p:cxnSp>
+        <p:cxnSp>
+          <p:nvCxnSpPr>
+            <p:cNvPr id="220" name="Gewinkelte Verbindung 120"/>
+            <p:cNvCxnSpPr/>
+            <p:nvPr/>
+          </p:nvCxnSpPr>
+          <p:spPr>
+            <a:xfrm>
+              <a:off x="2774197" y="5579390"/>
+              <a:ext cx="511919" cy="278502"/>
+            </a:xfrm>
+            <a:prstGeom prst="straightConnector1">
+              <a:avLst/>
+            </a:prstGeom>
+            <a:ln w="38100">
+              <a:solidFill>
+                <a:srgbClr val="C00000"/>
+              </a:solidFill>
+              <a:headEnd type="none" w="med" len="med"/>
+              <a:tailEnd type="oval" w="med" len="med"/>
+            </a:ln>
+          </p:spPr>
+          <p:style>
+            <a:lnRef idx="1">
+              <a:schemeClr val="accent1"/>
+            </a:lnRef>
+            <a:fillRef idx="0">
+              <a:schemeClr val="accent1"/>
+            </a:fillRef>
+            <a:effectRef idx="0">
+              <a:schemeClr val="accent1"/>
+            </a:effectRef>
+            <a:fontRef idx="minor">
+              <a:schemeClr val="tx1"/>
+            </a:fontRef>
+          </p:style>
+        </p:cxnSp>
+        <p:sp>
+          <p:nvSpPr>
+            <p:cNvPr id="211" name="Abgerundetes Rechteck 210"/>
+            <p:cNvSpPr/>
+            <p:nvPr/>
+          </p:nvSpPr>
+          <p:spPr>
+            <a:xfrm>
+              <a:off x="911467" y="5143513"/>
+              <a:ext cx="1893107" cy="500066"/>
+            </a:xfrm>
+            <a:prstGeom prst="roundRect">
+              <a:avLst>
+                <a:gd name="adj" fmla="val 7105"/>
+              </a:avLst>
+            </a:prstGeom>
+            <a:solidFill>
+              <a:schemeClr val="accent1">
+                <a:lumMod val="20000"/>
+                <a:lumOff val="80000"/>
+              </a:schemeClr>
+            </a:solidFill>
+            <a:ln>
+              <a:solidFill>
+                <a:schemeClr val="accent1">
+                  <a:lumMod val="60000"/>
+                  <a:lumOff val="40000"/>
+                </a:schemeClr>
+              </a:solidFill>
+            </a:ln>
+          </p:spPr>
+          <p:style>
+            <a:lnRef idx="2">
+              <a:schemeClr val="accent1">
+                <a:shade val="50000"/>
+              </a:schemeClr>
+            </a:lnRef>
+            <a:fillRef idx="1">
+              <a:schemeClr val="accent1"/>
+            </a:fillRef>
+            <a:effectRef idx="0">
+              <a:schemeClr val="accent1"/>
+            </a:effectRef>
+            <a:fontRef idx="minor">
+              <a:schemeClr val="lt1"/>
+            </a:fontRef>
+          </p:style>
+          <p:txBody>
+            <a:bodyPr rtlCol="0" anchor="ctr"/>
+            <a:lstStyle/>
+            <a:p>
+              <a:pPr algn="ctr"/>
+              <a:r>
+                <a:rPr lang="en-US" smtClean="0">
+                  <a:solidFill>
+                    <a:schemeClr val="bg1">
+                      <a:lumMod val="50000"/>
+                    </a:schemeClr>
+                  </a:solidFill>
+                  <a:latin typeface="Arial" pitchFamily="34" charset="0"/>
+                  <a:cs typeface="Arial" pitchFamily="34" charset="0"/>
+                </a:rPr>
+                <a:t>XA Transaction</a:t>
+              </a:r>
+              <a:endParaRPr lang="en-US" smtClean="0">
                 <a:solidFill>
                   <a:schemeClr val="bg1">
                     <a:lumMod val="50000"/>
@@ -20671,6 +24498,9 @@
                     <p:cTn id="3" fill="hold">
                       <p:stCondLst>
                         <p:cond delay="indefinite"/>
+                        <p:cond evt="onBegin" delay="0">
+                          <p:tn val="2"/>
+                        </p:cond>
                       </p:stCondLst>
                       <p:childTnLst>
                         <p:par>
@@ -20680,7 +24510,7 @@
                             </p:stCondLst>
                             <p:childTnLst>
                               <p:par>
-                                <p:cTn id="5" presetID="10" presetClass="entr" presetSubtype="0" fill="hold" nodeType="clickEffect">
+                                <p:cTn id="5" presetID="10" presetClass="entr" presetSubtype="0" fill="hold" nodeType="afterEffect">
                                   <p:stCondLst>
                                     <p:cond delay="0"/>
                                   </p:stCondLst>
@@ -20693,7 +24523,7 @@
                                           </p:stCondLst>
                                         </p:cTn>
                                         <p:tgtEl>
-                                          <p:spTgt spid="152"/>
+                                          <p:spTgt spid="100"/>
                                         </p:tgtEl>
                                         <p:attrNameLst>
                                           <p:attrName>style.visibility</p:attrName>
@@ -20707,7 +24537,973 @@
                                       <p:cBhvr>
                                         <p:cTn id="7" dur="500"/>
                                         <p:tgtEl>
-                                          <p:spTgt spid="152"/>
+                                          <p:spTgt spid="100"/>
+                                        </p:tgtEl>
+                                      </p:cBhvr>
+                                    </p:animEffect>
+                                  </p:childTnLst>
+                                </p:cTn>
+                              </p:par>
+                              <p:par>
+                                <p:cTn id="8" presetID="10" presetClass="entr" presetSubtype="0" fill="hold" grpId="0" nodeType="withEffect">
+                                  <p:stCondLst>
+                                    <p:cond delay="0"/>
+                                  </p:stCondLst>
+                                  <p:childTnLst>
+                                    <p:set>
+                                      <p:cBhvr>
+                                        <p:cTn id="9" dur="1" fill="hold">
+                                          <p:stCondLst>
+                                            <p:cond delay="0"/>
+                                          </p:stCondLst>
+                                        </p:cTn>
+                                        <p:tgtEl>
+                                          <p:spTgt spid="44"/>
+                                        </p:tgtEl>
+                                        <p:attrNameLst>
+                                          <p:attrName>style.visibility</p:attrName>
+                                        </p:attrNameLst>
+                                      </p:cBhvr>
+                                      <p:to>
+                                        <p:strVal val="visible"/>
+                                      </p:to>
+                                    </p:set>
+                                    <p:animEffect transition="in" filter="fade">
+                                      <p:cBhvr>
+                                        <p:cTn id="10" dur="500"/>
+                                        <p:tgtEl>
+                                          <p:spTgt spid="44"/>
+                                        </p:tgtEl>
+                                      </p:cBhvr>
+                                    </p:animEffect>
+                                  </p:childTnLst>
+                                </p:cTn>
+                              </p:par>
+                              <p:par>
+                                <p:cTn id="11" presetID="64" presetClass="path" presetSubtype="0" accel="50000" decel="50000" fill="hold" nodeType="withEffect">
+                                  <p:stCondLst>
+                                    <p:cond delay="0"/>
+                                  </p:stCondLst>
+                                  <p:childTnLst>
+                                    <p:animMotion origin="layout" path="M -2.22222E-6 0.46736 L -2.22222E-6 3.7037E-7 " pathEditMode="relative" rAng="0" ptsTypes="AA">
+                                      <p:cBhvr>
+                                        <p:cTn id="12" dur="1000" fill="hold"/>
+                                        <p:tgtEl>
+                                          <p:spTgt spid="100"/>
+                                        </p:tgtEl>
+                                        <p:attrNameLst>
+                                          <p:attrName>ppt_x</p:attrName>
+                                          <p:attrName>ppt_y</p:attrName>
+                                        </p:attrNameLst>
+                                      </p:cBhvr>
+                                      <p:rCtr x="0" y="-234"/>
+                                    </p:animMotion>
+                                  </p:childTnLst>
+                                </p:cTn>
+                              </p:par>
+                            </p:childTnLst>
+                          </p:cTn>
+                        </p:par>
+                        <p:par>
+                          <p:cTn id="13" fill="hold">
+                            <p:stCondLst>
+                              <p:cond delay="1000"/>
+                            </p:stCondLst>
+                            <p:childTnLst>
+                              <p:par>
+                                <p:cTn id="14" presetID="10" presetClass="entr" presetSubtype="0" fill="hold" nodeType="afterEffect">
+                                  <p:stCondLst>
+                                    <p:cond delay="0"/>
+                                  </p:stCondLst>
+                                  <p:childTnLst>
+                                    <p:set>
+                                      <p:cBhvr>
+                                        <p:cTn id="15" dur="1" fill="hold">
+                                          <p:stCondLst>
+                                            <p:cond delay="0"/>
+                                          </p:stCondLst>
+                                        </p:cTn>
+                                        <p:tgtEl>
+                                          <p:spTgt spid="99"/>
+                                        </p:tgtEl>
+                                        <p:attrNameLst>
+                                          <p:attrName>style.visibility</p:attrName>
+                                        </p:attrNameLst>
+                                      </p:cBhvr>
+                                      <p:to>
+                                        <p:strVal val="visible"/>
+                                      </p:to>
+                                    </p:set>
+                                    <p:animEffect transition="in" filter="fade">
+                                      <p:cBhvr>
+                                        <p:cTn id="16" dur="500"/>
+                                        <p:tgtEl>
+                                          <p:spTgt spid="99"/>
+                                        </p:tgtEl>
+                                      </p:cBhvr>
+                                    </p:animEffect>
+                                  </p:childTnLst>
+                                </p:cTn>
+                              </p:par>
+                              <p:par>
+                                <p:cTn id="17" presetID="10" presetClass="entr" presetSubtype="0" fill="hold" grpId="0" nodeType="withEffect">
+                                  <p:stCondLst>
+                                    <p:cond delay="0"/>
+                                  </p:stCondLst>
+                                  <p:childTnLst>
+                                    <p:set>
+                                      <p:cBhvr>
+                                        <p:cTn id="18" dur="1" fill="hold">
+                                          <p:stCondLst>
+                                            <p:cond delay="0"/>
+                                          </p:stCondLst>
+                                        </p:cTn>
+                                        <p:tgtEl>
+                                          <p:spTgt spid="43"/>
+                                        </p:tgtEl>
+                                        <p:attrNameLst>
+                                          <p:attrName>style.visibility</p:attrName>
+                                        </p:attrNameLst>
+                                      </p:cBhvr>
+                                      <p:to>
+                                        <p:strVal val="visible"/>
+                                      </p:to>
+                                    </p:set>
+                                    <p:animEffect transition="in" filter="fade">
+                                      <p:cBhvr>
+                                        <p:cTn id="19" dur="500"/>
+                                        <p:tgtEl>
+                                          <p:spTgt spid="43"/>
+                                        </p:tgtEl>
+                                      </p:cBhvr>
+                                    </p:animEffect>
+                                  </p:childTnLst>
+                                </p:cTn>
+                              </p:par>
+                              <p:par>
+                                <p:cTn id="20" presetID="64" presetClass="path" presetSubtype="0" accel="50000" decel="50000" fill="hold" nodeType="withEffect">
+                                  <p:stCondLst>
+                                    <p:cond delay="0"/>
+                                  </p:stCondLst>
+                                  <p:childTnLst>
+                                    <p:animMotion origin="layout" path="M 5.55556E-7 0.46065 L 5.55556E-7 -2.59259E-6 " pathEditMode="relative" rAng="0" ptsTypes="AA">
+                                      <p:cBhvr>
+                                        <p:cTn id="21" dur="1000" fill="hold"/>
+                                        <p:tgtEl>
+                                          <p:spTgt spid="99"/>
+                                        </p:tgtEl>
+                                        <p:attrNameLst>
+                                          <p:attrName>ppt_x</p:attrName>
+                                          <p:attrName>ppt_y</p:attrName>
+                                        </p:attrNameLst>
+                                      </p:cBhvr>
+                                      <p:rCtr x="0" y="-230"/>
+                                    </p:animMotion>
+                                  </p:childTnLst>
+                                </p:cTn>
+                              </p:par>
+                            </p:childTnLst>
+                          </p:cTn>
+                        </p:par>
+                        <p:par>
+                          <p:cTn id="22" fill="hold">
+                            <p:stCondLst>
+                              <p:cond delay="2000"/>
+                            </p:stCondLst>
+                            <p:childTnLst>
+                              <p:par>
+                                <p:cTn id="23" presetID="10" presetClass="entr" presetSubtype="0" fill="hold" grpId="1" nodeType="afterEffect">
+                                  <p:stCondLst>
+                                    <p:cond delay="0"/>
+                                  </p:stCondLst>
+                                  <p:childTnLst>
+                                    <p:set>
+                                      <p:cBhvr>
+                                        <p:cTn id="24" dur="1" fill="hold">
+                                          <p:stCondLst>
+                                            <p:cond delay="0"/>
+                                          </p:stCondLst>
+                                        </p:cTn>
+                                        <p:tgtEl>
+                                          <p:spTgt spid="93"/>
+                                        </p:tgtEl>
+                                        <p:attrNameLst>
+                                          <p:attrName>style.visibility</p:attrName>
+                                        </p:attrNameLst>
+                                      </p:cBhvr>
+                                      <p:to>
+                                        <p:strVal val="visible"/>
+                                      </p:to>
+                                    </p:set>
+                                    <p:animEffect transition="in" filter="fade">
+                                      <p:cBhvr>
+                                        <p:cTn id="25" dur="500"/>
+                                        <p:tgtEl>
+                                          <p:spTgt spid="93"/>
+                                        </p:tgtEl>
+                                      </p:cBhvr>
+                                    </p:animEffect>
+                                  </p:childTnLst>
+                                </p:cTn>
+                              </p:par>
+                              <p:par>
+                                <p:cTn id="26" presetID="10" presetClass="entr" presetSubtype="0" fill="hold" grpId="0" nodeType="withEffect">
+                                  <p:stCondLst>
+                                    <p:cond delay="0"/>
+                                  </p:stCondLst>
+                                  <p:childTnLst>
+                                    <p:set>
+                                      <p:cBhvr>
+                                        <p:cTn id="27" dur="1" fill="hold">
+                                          <p:stCondLst>
+                                            <p:cond delay="0"/>
+                                          </p:stCondLst>
+                                        </p:cTn>
+                                        <p:tgtEl>
+                                          <p:spTgt spid="45"/>
+                                        </p:tgtEl>
+                                        <p:attrNameLst>
+                                          <p:attrName>style.visibility</p:attrName>
+                                        </p:attrNameLst>
+                                      </p:cBhvr>
+                                      <p:to>
+                                        <p:strVal val="visible"/>
+                                      </p:to>
+                                    </p:set>
+                                    <p:animEffect transition="in" filter="fade">
+                                      <p:cBhvr>
+                                        <p:cTn id="28" dur="500"/>
+                                        <p:tgtEl>
+                                          <p:spTgt spid="45"/>
+                                        </p:tgtEl>
+                                      </p:cBhvr>
+                                    </p:animEffect>
+                                  </p:childTnLst>
+                                </p:cTn>
+                              </p:par>
+                              <p:par>
+                                <p:cTn id="29" presetID="64" presetClass="path" presetSubtype="0" accel="50000" decel="50000" fill="hold" grpId="0" nodeType="withEffect">
+                                  <p:stCondLst>
+                                    <p:cond delay="0"/>
+                                  </p:stCondLst>
+                                  <p:childTnLst>
+                                    <p:animMotion origin="layout" path="M -4.44444E-6 0.49606 L -4.44444E-6 4.07407E-6 " pathEditMode="relative" rAng="0" ptsTypes="AA">
+                                      <p:cBhvr>
+                                        <p:cTn id="30" dur="1000" fill="hold"/>
+                                        <p:tgtEl>
+                                          <p:spTgt spid="93"/>
+                                        </p:tgtEl>
+                                        <p:attrNameLst>
+                                          <p:attrName>ppt_x</p:attrName>
+                                          <p:attrName>ppt_y</p:attrName>
+                                        </p:attrNameLst>
+                                      </p:cBhvr>
+                                      <p:rCtr x="0" y="-248"/>
+                                    </p:animMotion>
+                                  </p:childTnLst>
+                                </p:cTn>
+                              </p:par>
+                            </p:childTnLst>
+                          </p:cTn>
+                        </p:par>
+                        <p:par>
+                          <p:cTn id="31" fill="hold">
+                            <p:stCondLst>
+                              <p:cond delay="3000"/>
+                            </p:stCondLst>
+                            <p:childTnLst>
+                              <p:par>
+                                <p:cTn id="32" presetID="10" presetClass="entr" presetSubtype="0" fill="hold" nodeType="afterEffect">
+                                  <p:stCondLst>
+                                    <p:cond delay="0"/>
+                                  </p:stCondLst>
+                                  <p:childTnLst>
+                                    <p:set>
+                                      <p:cBhvr>
+                                        <p:cTn id="33" dur="1" fill="hold">
+                                          <p:stCondLst>
+                                            <p:cond delay="0"/>
+                                          </p:stCondLst>
+                                        </p:cTn>
+                                        <p:tgtEl>
+                                          <p:spTgt spid="102"/>
+                                        </p:tgtEl>
+                                        <p:attrNameLst>
+                                          <p:attrName>style.visibility</p:attrName>
+                                        </p:attrNameLst>
+                                      </p:cBhvr>
+                                      <p:to>
+                                        <p:strVal val="visible"/>
+                                      </p:to>
+                                    </p:set>
+                                    <p:animEffect transition="in" filter="fade">
+                                      <p:cBhvr>
+                                        <p:cTn id="34" dur="500"/>
+                                        <p:tgtEl>
+                                          <p:spTgt spid="102"/>
+                                        </p:tgtEl>
+                                      </p:cBhvr>
+                                    </p:animEffect>
+                                  </p:childTnLst>
+                                </p:cTn>
+                              </p:par>
+                              <p:par>
+                                <p:cTn id="35" presetID="10" presetClass="entr" presetSubtype="0" fill="hold" grpId="0" nodeType="withEffect">
+                                  <p:stCondLst>
+                                    <p:cond delay="0"/>
+                                  </p:stCondLst>
+                                  <p:childTnLst>
+                                    <p:set>
+                                      <p:cBhvr>
+                                        <p:cTn id="36" dur="1" fill="hold">
+                                          <p:stCondLst>
+                                            <p:cond delay="0"/>
+                                          </p:stCondLst>
+                                        </p:cTn>
+                                        <p:tgtEl>
+                                          <p:spTgt spid="47"/>
+                                        </p:tgtEl>
+                                        <p:attrNameLst>
+                                          <p:attrName>style.visibility</p:attrName>
+                                        </p:attrNameLst>
+                                      </p:cBhvr>
+                                      <p:to>
+                                        <p:strVal val="visible"/>
+                                      </p:to>
+                                    </p:set>
+                                    <p:animEffect transition="in" filter="fade">
+                                      <p:cBhvr>
+                                        <p:cTn id="37" dur="500"/>
+                                        <p:tgtEl>
+                                          <p:spTgt spid="47"/>
+                                        </p:tgtEl>
+                                      </p:cBhvr>
+                                    </p:animEffect>
+                                  </p:childTnLst>
+                                </p:cTn>
+                              </p:par>
+                              <p:par>
+                                <p:cTn id="38" presetID="64" presetClass="path" presetSubtype="0" accel="50000" decel="50000" fill="hold" nodeType="withEffect">
+                                  <p:stCondLst>
+                                    <p:cond delay="0"/>
+                                  </p:stCondLst>
+                                  <p:childTnLst>
+                                    <p:animMotion origin="layout" path="M 4.44444E-6 0.46713 L 4.44444E-6 -1.11111E-6 " pathEditMode="relative" rAng="0" ptsTypes="AA">
+                                      <p:cBhvr>
+                                        <p:cTn id="39" dur="1000" fill="hold"/>
+                                        <p:tgtEl>
+                                          <p:spTgt spid="102"/>
+                                        </p:tgtEl>
+                                        <p:attrNameLst>
+                                          <p:attrName>ppt_x</p:attrName>
+                                          <p:attrName>ppt_y</p:attrName>
+                                        </p:attrNameLst>
+                                      </p:cBhvr>
+                                      <p:rCtr x="0" y="-234"/>
+                                    </p:animMotion>
+                                  </p:childTnLst>
+                                </p:cTn>
+                              </p:par>
+                            </p:childTnLst>
+                          </p:cTn>
+                        </p:par>
+                        <p:par>
+                          <p:cTn id="40" fill="hold">
+                            <p:stCondLst>
+                              <p:cond delay="4000"/>
+                            </p:stCondLst>
+                            <p:childTnLst>
+                              <p:par>
+                                <p:cTn id="41" presetID="10" presetClass="entr" presetSubtype="0" fill="hold" nodeType="afterEffect">
+                                  <p:stCondLst>
+                                    <p:cond delay="0"/>
+                                  </p:stCondLst>
+                                  <p:childTnLst>
+                                    <p:set>
+                                      <p:cBhvr>
+                                        <p:cTn id="42" dur="1" fill="hold">
+                                          <p:stCondLst>
+                                            <p:cond delay="0"/>
+                                          </p:stCondLst>
+                                        </p:cTn>
+                                        <p:tgtEl>
+                                          <p:spTgt spid="101"/>
+                                        </p:tgtEl>
+                                        <p:attrNameLst>
+                                          <p:attrName>style.visibility</p:attrName>
+                                        </p:attrNameLst>
+                                      </p:cBhvr>
+                                      <p:to>
+                                        <p:strVal val="visible"/>
+                                      </p:to>
+                                    </p:set>
+                                    <p:animEffect transition="in" filter="fade">
+                                      <p:cBhvr>
+                                        <p:cTn id="43" dur="500"/>
+                                        <p:tgtEl>
+                                          <p:spTgt spid="101"/>
+                                        </p:tgtEl>
+                                      </p:cBhvr>
+                                    </p:animEffect>
+                                  </p:childTnLst>
+                                </p:cTn>
+                              </p:par>
+                              <p:par>
+                                <p:cTn id="44" presetID="10" presetClass="entr" presetSubtype="0" fill="hold" grpId="0" nodeType="withEffect">
+                                  <p:stCondLst>
+                                    <p:cond delay="0"/>
+                                  </p:stCondLst>
+                                  <p:childTnLst>
+                                    <p:set>
+                                      <p:cBhvr>
+                                        <p:cTn id="45" dur="1" fill="hold">
+                                          <p:stCondLst>
+                                            <p:cond delay="0"/>
+                                          </p:stCondLst>
+                                        </p:cTn>
+                                        <p:tgtEl>
+                                          <p:spTgt spid="46"/>
+                                        </p:tgtEl>
+                                        <p:attrNameLst>
+                                          <p:attrName>style.visibility</p:attrName>
+                                        </p:attrNameLst>
+                                      </p:cBhvr>
+                                      <p:to>
+                                        <p:strVal val="visible"/>
+                                      </p:to>
+                                    </p:set>
+                                    <p:animEffect transition="in" filter="fade">
+                                      <p:cBhvr>
+                                        <p:cTn id="46" dur="500"/>
+                                        <p:tgtEl>
+                                          <p:spTgt spid="46"/>
+                                        </p:tgtEl>
+                                      </p:cBhvr>
+                                    </p:animEffect>
+                                  </p:childTnLst>
+                                </p:cTn>
+                              </p:par>
+                              <p:par>
+                                <p:cTn id="47" presetID="64" presetClass="path" presetSubtype="0" accel="50000" decel="50000" fill="hold" nodeType="withEffect">
+                                  <p:stCondLst>
+                                    <p:cond delay="0"/>
+                                  </p:stCondLst>
+                                  <p:childTnLst>
+                                    <p:animMotion origin="layout" path="M -2.77778E-7 0.44398 L -2.77778E-7 7.40741E-7 " pathEditMode="relative" rAng="0" ptsTypes="AA">
+                                      <p:cBhvr>
+                                        <p:cTn id="48" dur="1000" fill="hold"/>
+                                        <p:tgtEl>
+                                          <p:spTgt spid="101"/>
+                                        </p:tgtEl>
+                                        <p:attrNameLst>
+                                          <p:attrName>ppt_x</p:attrName>
+                                          <p:attrName>ppt_y</p:attrName>
+                                        </p:attrNameLst>
+                                      </p:cBhvr>
+                                      <p:rCtr x="0" y="-222"/>
+                                    </p:animMotion>
+                                  </p:childTnLst>
+                                </p:cTn>
+                              </p:par>
+                            </p:childTnLst>
+                          </p:cTn>
+                        </p:par>
+                        <p:par>
+                          <p:cTn id="49" fill="hold">
+                            <p:stCondLst>
+                              <p:cond delay="5000"/>
+                            </p:stCondLst>
+                            <p:childTnLst>
+                              <p:par>
+                                <p:cTn id="50" presetID="10" presetClass="entr" presetSubtype="0" fill="hold" nodeType="afterEffect">
+                                  <p:stCondLst>
+                                    <p:cond delay="0"/>
+                                  </p:stCondLst>
+                                  <p:childTnLst>
+                                    <p:set>
+                                      <p:cBhvr>
+                                        <p:cTn id="51" dur="1" fill="hold">
+                                          <p:stCondLst>
+                                            <p:cond delay="0"/>
+                                          </p:stCondLst>
+                                        </p:cTn>
+                                        <p:tgtEl>
+                                          <p:spTgt spid="98"/>
+                                        </p:tgtEl>
+                                        <p:attrNameLst>
+                                          <p:attrName>style.visibility</p:attrName>
+                                        </p:attrNameLst>
+                                      </p:cBhvr>
+                                      <p:to>
+                                        <p:strVal val="visible"/>
+                                      </p:to>
+                                    </p:set>
+                                    <p:animEffect transition="in" filter="fade">
+                                      <p:cBhvr>
+                                        <p:cTn id="52" dur="500"/>
+                                        <p:tgtEl>
+                                          <p:spTgt spid="98"/>
+                                        </p:tgtEl>
+                                      </p:cBhvr>
+                                    </p:animEffect>
+                                  </p:childTnLst>
+                                </p:cTn>
+                              </p:par>
+                              <p:par>
+                                <p:cTn id="53" presetID="10" presetClass="entr" presetSubtype="0" fill="hold" grpId="0" nodeType="withEffect">
+                                  <p:stCondLst>
+                                    <p:cond delay="0"/>
+                                  </p:stCondLst>
+                                  <p:childTnLst>
+                                    <p:set>
+                                      <p:cBhvr>
+                                        <p:cTn id="54" dur="1" fill="hold">
+                                          <p:stCondLst>
+                                            <p:cond delay="0"/>
+                                          </p:stCondLst>
+                                        </p:cTn>
+                                        <p:tgtEl>
+                                          <p:spTgt spid="41"/>
+                                        </p:tgtEl>
+                                        <p:attrNameLst>
+                                          <p:attrName>style.visibility</p:attrName>
+                                        </p:attrNameLst>
+                                      </p:cBhvr>
+                                      <p:to>
+                                        <p:strVal val="visible"/>
+                                      </p:to>
+                                    </p:set>
+                                    <p:animEffect transition="in" filter="fade">
+                                      <p:cBhvr>
+                                        <p:cTn id="55" dur="500"/>
+                                        <p:tgtEl>
+                                          <p:spTgt spid="41"/>
+                                        </p:tgtEl>
+                                      </p:cBhvr>
+                                    </p:animEffect>
+                                  </p:childTnLst>
+                                </p:cTn>
+                              </p:par>
+                              <p:par>
+                                <p:cTn id="56" presetID="64" presetClass="path" presetSubtype="0" accel="50000" decel="50000" fill="hold" nodeType="withEffect">
+                                  <p:stCondLst>
+                                    <p:cond delay="0"/>
+                                  </p:stCondLst>
+                                  <p:childTnLst>
+                                    <p:animMotion origin="layout" path="M -4.16667E-6 0.47407 L -4.16667E-6 3.33333E-6 " pathEditMode="relative" rAng="0" ptsTypes="AA">
+                                      <p:cBhvr>
+                                        <p:cTn id="57" dur="1000" fill="hold"/>
+                                        <p:tgtEl>
+                                          <p:spTgt spid="98"/>
+                                        </p:tgtEl>
+                                        <p:attrNameLst>
+                                          <p:attrName>ppt_x</p:attrName>
+                                          <p:attrName>ppt_y</p:attrName>
+                                        </p:attrNameLst>
+                                      </p:cBhvr>
+                                      <p:rCtr x="0" y="-237"/>
+                                    </p:animMotion>
+                                  </p:childTnLst>
+                                </p:cTn>
+                              </p:par>
+                            </p:childTnLst>
+                          </p:cTn>
+                        </p:par>
+                      </p:childTnLst>
+                    </p:cTn>
+                  </p:par>
+                  <p:par>
+                    <p:cTn id="58" fill="hold">
+                      <p:stCondLst>
+                        <p:cond delay="indefinite"/>
+                      </p:stCondLst>
+                      <p:childTnLst>
+                        <p:par>
+                          <p:cTn id="59" fill="hold">
+                            <p:stCondLst>
+                              <p:cond delay="0"/>
+                            </p:stCondLst>
+                            <p:childTnLst>
+                              <p:par>
+                                <p:cTn id="60" presetID="10" presetClass="exit" presetSubtype="0" fill="hold" grpId="0" nodeType="clickEffect">
+                                  <p:stCondLst>
+                                    <p:cond delay="0"/>
+                                  </p:stCondLst>
+                                  <p:childTnLst>
+                                    <p:animEffect transition="out" filter="fade">
+                                      <p:cBhvr>
+                                        <p:cTn id="61" dur="500"/>
+                                        <p:tgtEl>
+                                          <p:spTgt spid="160"/>
+                                        </p:tgtEl>
+                                      </p:cBhvr>
+                                    </p:animEffect>
+                                    <p:set>
+                                      <p:cBhvr>
+                                        <p:cTn id="62" dur="1" fill="hold">
+                                          <p:stCondLst>
+                                            <p:cond delay="499"/>
+                                          </p:stCondLst>
+                                        </p:cTn>
+                                        <p:tgtEl>
+                                          <p:spTgt spid="160"/>
+                                        </p:tgtEl>
+                                        <p:attrNameLst>
+                                          <p:attrName>style.visibility</p:attrName>
+                                        </p:attrNameLst>
+                                      </p:cBhvr>
+                                      <p:to>
+                                        <p:strVal val="hidden"/>
+                                      </p:to>
+                                    </p:set>
+                                  </p:childTnLst>
+                                </p:cTn>
+                              </p:par>
+                              <p:par>
+                                <p:cTn id="63" presetID="10" presetClass="exit" presetSubtype="0" fill="hold" grpId="1" nodeType="withEffect">
+                                  <p:stCondLst>
+                                    <p:cond delay="0"/>
+                                  </p:stCondLst>
+                                  <p:childTnLst>
+                                    <p:animEffect transition="out" filter="fade">
+                                      <p:cBhvr>
+                                        <p:cTn id="64" dur="500"/>
+                                        <p:tgtEl>
+                                          <p:spTgt spid="41"/>
+                                        </p:tgtEl>
+                                      </p:cBhvr>
+                                    </p:animEffect>
+                                    <p:set>
+                                      <p:cBhvr>
+                                        <p:cTn id="65" dur="1" fill="hold">
+                                          <p:stCondLst>
+                                            <p:cond delay="499"/>
+                                          </p:stCondLst>
+                                        </p:cTn>
+                                        <p:tgtEl>
+                                          <p:spTgt spid="41"/>
+                                        </p:tgtEl>
+                                        <p:attrNameLst>
+                                          <p:attrName>style.visibility</p:attrName>
+                                        </p:attrNameLst>
+                                      </p:cBhvr>
+                                      <p:to>
+                                        <p:strVal val="hidden"/>
+                                      </p:to>
+                                    </p:set>
+                                  </p:childTnLst>
+                                </p:cTn>
+                              </p:par>
+                              <p:par>
+                                <p:cTn id="66" presetID="10" presetClass="exit" presetSubtype="0" fill="hold" grpId="1" nodeType="withEffect">
+                                  <p:stCondLst>
+                                    <p:cond delay="0"/>
+                                  </p:stCondLst>
+                                  <p:childTnLst>
+                                    <p:animEffect transition="out" filter="fade">
+                                      <p:cBhvr>
+                                        <p:cTn id="67" dur="500"/>
+                                        <p:tgtEl>
+                                          <p:spTgt spid="43"/>
+                                        </p:tgtEl>
+                                      </p:cBhvr>
+                                    </p:animEffect>
+                                    <p:set>
+                                      <p:cBhvr>
+                                        <p:cTn id="68" dur="1" fill="hold">
+                                          <p:stCondLst>
+                                            <p:cond delay="499"/>
+                                          </p:stCondLst>
+                                        </p:cTn>
+                                        <p:tgtEl>
+                                          <p:spTgt spid="43"/>
+                                        </p:tgtEl>
+                                        <p:attrNameLst>
+                                          <p:attrName>style.visibility</p:attrName>
+                                        </p:attrNameLst>
+                                      </p:cBhvr>
+                                      <p:to>
+                                        <p:strVal val="hidden"/>
+                                      </p:to>
+                                    </p:set>
+                                  </p:childTnLst>
+                                </p:cTn>
+                              </p:par>
+                              <p:par>
+                                <p:cTn id="69" presetID="10" presetClass="exit" presetSubtype="0" fill="hold" grpId="1" nodeType="withEffect">
+                                  <p:stCondLst>
+                                    <p:cond delay="0"/>
+                                  </p:stCondLst>
+                                  <p:childTnLst>
+                                    <p:animEffect transition="out" filter="fade">
+                                      <p:cBhvr>
+                                        <p:cTn id="70" dur="500"/>
+                                        <p:tgtEl>
+                                          <p:spTgt spid="44"/>
+                                        </p:tgtEl>
+                                      </p:cBhvr>
+                                    </p:animEffect>
+                                    <p:set>
+                                      <p:cBhvr>
+                                        <p:cTn id="71" dur="1" fill="hold">
+                                          <p:stCondLst>
+                                            <p:cond delay="499"/>
+                                          </p:stCondLst>
+                                        </p:cTn>
+                                        <p:tgtEl>
+                                          <p:spTgt spid="44"/>
+                                        </p:tgtEl>
+                                        <p:attrNameLst>
+                                          <p:attrName>style.visibility</p:attrName>
+                                        </p:attrNameLst>
+                                      </p:cBhvr>
+                                      <p:to>
+                                        <p:strVal val="hidden"/>
+                                      </p:to>
+                                    </p:set>
+                                  </p:childTnLst>
+                                </p:cTn>
+                              </p:par>
+                              <p:par>
+                                <p:cTn id="72" presetID="10" presetClass="exit" presetSubtype="0" fill="hold" grpId="1" nodeType="withEffect">
+                                  <p:stCondLst>
+                                    <p:cond delay="0"/>
+                                  </p:stCondLst>
+                                  <p:childTnLst>
+                                    <p:animEffect transition="out" filter="fade">
+                                      <p:cBhvr>
+                                        <p:cTn id="73" dur="500"/>
+                                        <p:tgtEl>
+                                          <p:spTgt spid="45"/>
+                                        </p:tgtEl>
+                                      </p:cBhvr>
+                                    </p:animEffect>
+                                    <p:set>
+                                      <p:cBhvr>
+                                        <p:cTn id="74" dur="1" fill="hold">
+                                          <p:stCondLst>
+                                            <p:cond delay="499"/>
+                                          </p:stCondLst>
+                                        </p:cTn>
+                                        <p:tgtEl>
+                                          <p:spTgt spid="45"/>
+                                        </p:tgtEl>
+                                        <p:attrNameLst>
+                                          <p:attrName>style.visibility</p:attrName>
+                                        </p:attrNameLst>
+                                      </p:cBhvr>
+                                      <p:to>
+                                        <p:strVal val="hidden"/>
+                                      </p:to>
+                                    </p:set>
+                                  </p:childTnLst>
+                                </p:cTn>
+                              </p:par>
+                              <p:par>
+                                <p:cTn id="75" presetID="10" presetClass="exit" presetSubtype="0" fill="hold" grpId="1" nodeType="withEffect">
+                                  <p:stCondLst>
+                                    <p:cond delay="0"/>
+                                  </p:stCondLst>
+                                  <p:childTnLst>
+                                    <p:animEffect transition="out" filter="fade">
+                                      <p:cBhvr>
+                                        <p:cTn id="76" dur="500"/>
+                                        <p:tgtEl>
+                                          <p:spTgt spid="46"/>
+                                        </p:tgtEl>
+                                      </p:cBhvr>
+                                    </p:animEffect>
+                                    <p:set>
+                                      <p:cBhvr>
+                                        <p:cTn id="77" dur="1" fill="hold">
+                                          <p:stCondLst>
+                                            <p:cond delay="499"/>
+                                          </p:stCondLst>
+                                        </p:cTn>
+                                        <p:tgtEl>
+                                          <p:spTgt spid="46"/>
+                                        </p:tgtEl>
+                                        <p:attrNameLst>
+                                          <p:attrName>style.visibility</p:attrName>
+                                        </p:attrNameLst>
+                                      </p:cBhvr>
+                                      <p:to>
+                                        <p:strVal val="hidden"/>
+                                      </p:to>
+                                    </p:set>
+                                  </p:childTnLst>
+                                </p:cTn>
+                              </p:par>
+                              <p:par>
+                                <p:cTn id="78" presetID="10" presetClass="exit" presetSubtype="0" fill="hold" grpId="1" nodeType="withEffect">
+                                  <p:stCondLst>
+                                    <p:cond delay="0"/>
+                                  </p:stCondLst>
+                                  <p:childTnLst>
+                                    <p:animEffect transition="out" filter="fade">
+                                      <p:cBhvr>
+                                        <p:cTn id="79" dur="500"/>
+                                        <p:tgtEl>
+                                          <p:spTgt spid="47"/>
+                                        </p:tgtEl>
+                                      </p:cBhvr>
+                                    </p:animEffect>
+                                    <p:set>
+                                      <p:cBhvr>
+                                        <p:cTn id="80" dur="1" fill="hold">
+                                          <p:stCondLst>
+                                            <p:cond delay="499"/>
+                                          </p:stCondLst>
+                                        </p:cTn>
+                                        <p:tgtEl>
+                                          <p:spTgt spid="47"/>
+                                        </p:tgtEl>
+                                        <p:attrNameLst>
+                                          <p:attrName>style.visibility</p:attrName>
+                                        </p:attrNameLst>
+                                      </p:cBhvr>
+                                      <p:to>
+                                        <p:strVal val="hidden"/>
+                                      </p:to>
+                                    </p:set>
+                                  </p:childTnLst>
+                                </p:cTn>
+                              </p:par>
+                              <p:par>
+                                <p:cTn id="81" presetID="10" presetClass="entr" presetSubtype="0" fill="hold" nodeType="withEffect">
+                                  <p:stCondLst>
+                                    <p:cond delay="0"/>
+                                  </p:stCondLst>
+                                  <p:childTnLst>
+                                    <p:set>
+                                      <p:cBhvr>
+                                        <p:cTn id="82" dur="1" fill="hold">
+                                          <p:stCondLst>
+                                            <p:cond delay="0"/>
+                                          </p:stCondLst>
+                                        </p:cTn>
+                                        <p:tgtEl>
+                                          <p:spTgt spid="190"/>
+                                        </p:tgtEl>
+                                        <p:attrNameLst>
+                                          <p:attrName>style.visibility</p:attrName>
+                                        </p:attrNameLst>
+                                      </p:cBhvr>
+                                      <p:to>
+                                        <p:strVal val="visible"/>
+                                      </p:to>
+                                    </p:set>
+                                    <p:animEffect transition="in" filter="fade">
+                                      <p:cBhvr>
+                                        <p:cTn id="83" dur="500"/>
+                                        <p:tgtEl>
+                                          <p:spTgt spid="190"/>
+                                        </p:tgtEl>
+                                      </p:cBhvr>
+                                    </p:animEffect>
+                                  </p:childTnLst>
+                                </p:cTn>
+                              </p:par>
+                            </p:childTnLst>
+                          </p:cTn>
+                        </p:par>
+                      </p:childTnLst>
+                    </p:cTn>
+                  </p:par>
+                  <p:par>
+                    <p:cTn id="84" fill="hold">
+                      <p:stCondLst>
+                        <p:cond delay="indefinite"/>
+                      </p:stCondLst>
+                      <p:childTnLst>
+                        <p:par>
+                          <p:cTn id="85" fill="hold">
+                            <p:stCondLst>
+                              <p:cond delay="0"/>
+                            </p:stCondLst>
+                            <p:childTnLst>
+                              <p:par>
+                                <p:cTn id="86" presetID="10" presetClass="entr" presetSubtype="0" fill="hold" nodeType="clickEffect">
+                                  <p:stCondLst>
+                                    <p:cond delay="0"/>
+                                  </p:stCondLst>
+                                  <p:childTnLst>
+                                    <p:set>
+                                      <p:cBhvr>
+                                        <p:cTn id="87" dur="1" fill="hold">
+                                          <p:stCondLst>
+                                            <p:cond delay="0"/>
+                                          </p:stCondLst>
+                                        </p:cTn>
+                                        <p:tgtEl>
+                                          <p:spTgt spid="232"/>
+                                        </p:tgtEl>
+                                        <p:attrNameLst>
+                                          <p:attrName>style.visibility</p:attrName>
+                                        </p:attrNameLst>
+                                      </p:cBhvr>
+                                      <p:to>
+                                        <p:strVal val="visible"/>
+                                      </p:to>
+                                    </p:set>
+                                    <p:animEffect transition="in" filter="fade">
+                                      <p:cBhvr>
+                                        <p:cTn id="88" dur="500"/>
+                                        <p:tgtEl>
+                                          <p:spTgt spid="232"/>
+                                        </p:tgtEl>
+                                      </p:cBhvr>
+                                    </p:animEffect>
+                                  </p:childTnLst>
+                                </p:cTn>
+                              </p:par>
+                            </p:childTnLst>
+                          </p:cTn>
+                        </p:par>
+                      </p:childTnLst>
+                    </p:cTn>
+                  </p:par>
+                  <p:par>
+                    <p:cTn id="89" fill="hold">
+                      <p:stCondLst>
+                        <p:cond delay="indefinite"/>
+                      </p:stCondLst>
+                      <p:childTnLst>
+                        <p:par>
+                          <p:cTn id="90" fill="hold">
+                            <p:stCondLst>
+                              <p:cond delay="0"/>
+                            </p:stCondLst>
+                            <p:childTnLst>
+                              <p:par>
+                                <p:cTn id="91" presetID="10" presetClass="entr" presetSubtype="0" fill="hold" nodeType="clickEffect">
+                                  <p:stCondLst>
+                                    <p:cond delay="0"/>
+                                  </p:stCondLst>
+                                  <p:childTnLst>
+                                    <p:set>
+                                      <p:cBhvr>
+                                        <p:cTn id="92" dur="1" fill="hold">
+                                          <p:stCondLst>
+                                            <p:cond delay="0"/>
+                                          </p:stCondLst>
+                                        </p:cTn>
+                                        <p:tgtEl>
+                                          <p:spTgt spid="222"/>
+                                        </p:tgtEl>
+                                        <p:attrNameLst>
+                                          <p:attrName>style.visibility</p:attrName>
+                                        </p:attrNameLst>
+                                      </p:cBhvr>
+                                      <p:to>
+                                        <p:strVal val="visible"/>
+                                      </p:to>
+                                    </p:set>
+                                    <p:animEffect transition="in" filter="fade">
+                                      <p:cBhvr>
+                                        <p:cTn id="93" dur="500"/>
+                                        <p:tgtEl>
+                                          <p:spTgt spid="222"/>
                                         </p:tgtEl>
                                       </p:cBhvr>
                                     </p:animEffect>
@@ -20741,6 +25537,23 @@
         </p:cTn>
       </p:par>
     </p:tnLst>
+    <p:bldLst>
+      <p:bldP spid="46" grpId="0" animBg="1"/>
+      <p:bldP spid="46" grpId="1" animBg="1"/>
+      <p:bldP spid="47" grpId="0" animBg="1"/>
+      <p:bldP spid="47" grpId="1" animBg="1"/>
+      <p:bldP spid="44" grpId="0" animBg="1"/>
+      <p:bldP spid="44" grpId="1" animBg="1"/>
+      <p:bldP spid="45" grpId="0" animBg="1"/>
+      <p:bldP spid="45" grpId="1" animBg="1"/>
+      <p:bldP spid="41" grpId="0" animBg="1"/>
+      <p:bldP spid="41" grpId="1" animBg="1"/>
+      <p:bldP spid="43" grpId="0" animBg="1"/>
+      <p:bldP spid="43" grpId="1" animBg="1"/>
+      <p:bldP spid="93" grpId="0" animBg="1"/>
+      <p:bldP spid="93" grpId="1" animBg="1"/>
+      <p:bldP spid="160" grpId="0" animBg="1"/>
+    </p:bldLst>
   </p:timing>
 </p:sld>
 </file>
@@ -44440,13 +49253,6 @@
               </a:rPr>
               <a:t>Store Accessors</a:t>
             </a:r>
-            <a:endParaRPr lang="en-US" smtClean="0">
-              <a:solidFill>
-                <a:schemeClr val="bg1"/>
-              </a:solidFill>
-              <a:latin typeface="Arial" pitchFamily="34" charset="0"/>
-              <a:cs typeface="Arial" pitchFamily="34" charset="0"/>
-            </a:endParaRPr>
           </a:p>
         </p:txBody>
       </p:sp>
@@ -44511,13 +49317,6 @@
               </a:rPr>
               <a:t>Chunk Readers</a:t>
             </a:r>
-            <a:endParaRPr lang="en-US" smtClean="0">
-              <a:solidFill>
-                <a:schemeClr val="bg1"/>
-              </a:solidFill>
-              <a:latin typeface="Arial" pitchFamily="34" charset="0"/>
-              <a:cs typeface="Arial" pitchFamily="34" charset="0"/>
-            </a:endParaRPr>
           </a:p>
         </p:txBody>
       </p:sp>
@@ -44582,13 +49381,6 @@
               </a:rPr>
               <a:t>MEM Store</a:t>
             </a:r>
-            <a:endParaRPr lang="en-US" smtClean="0">
-              <a:solidFill>
-                <a:schemeClr val="bg1"/>
-              </a:solidFill>
-              <a:latin typeface="Arial" pitchFamily="34" charset="0"/>
-              <a:cs typeface="Arial" pitchFamily="34" charset="0"/>
-            </a:endParaRPr>
           </a:p>
         </p:txBody>
       </p:sp>
@@ -44653,13 +49445,6 @@
               </a:rPr>
               <a:t>DB Store</a:t>
             </a:r>
-            <a:endParaRPr lang="en-US" smtClean="0">
-              <a:solidFill>
-                <a:schemeClr val="bg1"/>
-              </a:solidFill>
-              <a:latin typeface="Arial" pitchFamily="34" charset="0"/>
-              <a:cs typeface="Arial" pitchFamily="34" charset="0"/>
-            </a:endParaRPr>
           </a:p>
         </p:txBody>
       </p:sp>
@@ -44722,25 +49507,8 @@
                 <a:latin typeface="Arial" pitchFamily="34" charset="0"/>
                 <a:cs typeface="Arial" pitchFamily="34" charset="0"/>
               </a:rPr>
-              <a:t>Hibernate </a:t>
+              <a:t>Hibernate Store</a:t>
             </a:r>
-            <a:r>
-              <a:rPr lang="en-US" smtClean="0">
-                <a:solidFill>
-                  <a:schemeClr val="bg1"/>
-                </a:solidFill>
-                <a:latin typeface="Arial" pitchFamily="34" charset="0"/>
-                <a:cs typeface="Arial" pitchFamily="34" charset="0"/>
-              </a:rPr>
-              <a:t>Store</a:t>
-            </a:r>
-            <a:endParaRPr lang="en-US" smtClean="0">
-              <a:solidFill>
-                <a:schemeClr val="bg1"/>
-              </a:solidFill>
-              <a:latin typeface="Arial" pitchFamily="34" charset="0"/>
-              <a:cs typeface="Arial" pitchFamily="34" charset="0"/>
-            </a:endParaRPr>
           </a:p>
         </p:txBody>
       </p:sp>
@@ -44803,25 +49571,8 @@
                 <a:latin typeface="Arial" pitchFamily="34" charset="0"/>
                 <a:cs typeface="Arial" pitchFamily="34" charset="0"/>
               </a:rPr>
-              <a:t>Objectivity </a:t>
+              <a:t>Objectivity Store</a:t>
             </a:r>
-            <a:r>
-              <a:rPr lang="en-US" smtClean="0">
-                <a:solidFill>
-                  <a:schemeClr val="bg1"/>
-                </a:solidFill>
-                <a:latin typeface="Arial" pitchFamily="34" charset="0"/>
-                <a:cs typeface="Arial" pitchFamily="34" charset="0"/>
-              </a:rPr>
-              <a:t>Store</a:t>
-            </a:r>
-            <a:endParaRPr lang="en-US" smtClean="0">
-              <a:solidFill>
-                <a:schemeClr val="bg1"/>
-              </a:solidFill>
-              <a:latin typeface="Arial" pitchFamily="34" charset="0"/>
-              <a:cs typeface="Arial" pitchFamily="34" charset="0"/>
-            </a:endParaRPr>
           </a:p>
         </p:txBody>
       </p:sp>
